--- a/3_курс/6_semester/Базы_Данных/Курсовая/Защита.pptx
+++ b/3_курс/6_semester/Базы_Данных/Курсовая/Защита.pptx
@@ -1,23 +1,24 @@
 
 <file path=ppt/presentation.xml><?xml version="1.0" encoding="utf-8"?>
-<p:presentation xmlns:a="http://schemas.openxmlformats.org/drawingml/2006/main" xmlns:r="http://schemas.openxmlformats.org/officeDocument/2006/relationships" xmlns:p="http://schemas.openxmlformats.org/presentationml/2006/main" saveSubsetFonts="1">
+<p:presentation xmlns:a="http://schemas.openxmlformats.org/drawingml/2006/main" xmlns:r="http://schemas.openxmlformats.org/officeDocument/2006/relationships" xmlns:p="http://schemas.openxmlformats.org/presentationml/2006/main" showSpecialPlsOnTitleSld="0" saveSubsetFonts="1">
   <p:sldMasterIdLst>
     <p:sldMasterId id="2147483648" r:id="rId4"/>
   </p:sldMasterIdLst>
   <p:notesMasterIdLst>
-    <p:notesMasterId r:id="rId12"/>
+    <p:notesMasterId r:id="rId13"/>
   </p:notesMasterIdLst>
   <p:handoutMasterIdLst>
-    <p:handoutMasterId r:id="rId13"/>
+    <p:handoutMasterId r:id="rId14"/>
   </p:handoutMasterIdLst>
   <p:sldIdLst>
     <p:sldId id="258" r:id="rId5"/>
     <p:sldId id="259" r:id="rId6"/>
-    <p:sldId id="260" r:id="rId7"/>
-    <p:sldId id="261" r:id="rId8"/>
-    <p:sldId id="263" r:id="rId9"/>
-    <p:sldId id="264" r:id="rId10"/>
-    <p:sldId id="266" r:id="rId11"/>
+    <p:sldId id="267" r:id="rId7"/>
+    <p:sldId id="260" r:id="rId8"/>
+    <p:sldId id="261" r:id="rId9"/>
+    <p:sldId id="268" r:id="rId10"/>
+    <p:sldId id="263" r:id="rId11"/>
+    <p:sldId id="266" r:id="rId12"/>
   </p:sldIdLst>
   <p:sldSz cx="12192000" cy="6858000"/>
   <p:notesSz cx="6858000" cy="9144000"/>
@@ -641,6 +642,1610 @@
 </p:notesMaster>
 </file>
 
+<file path=ppt/notesSlides/notesSlide1.xml><?xml version="1.0" encoding="utf-8"?>
+<p:notes xmlns:a="http://schemas.openxmlformats.org/drawingml/2006/main" xmlns:r="http://schemas.openxmlformats.org/officeDocument/2006/relationships" xmlns:p="http://schemas.openxmlformats.org/presentationml/2006/main">
+  <p:cSld>
+    <p:spTree>
+      <p:nvGrpSpPr>
+        <p:cNvPr id="1" name=""/>
+        <p:cNvGrpSpPr/>
+        <p:nvPr/>
+      </p:nvGrpSpPr>
+      <p:grpSpPr>
+        <a:xfrm>
+          <a:off x="0" y="0"/>
+          <a:ext cx="0" cy="0"/>
+          <a:chOff x="0" y="0"/>
+          <a:chExt cx="0" cy="0"/>
+        </a:xfrm>
+      </p:grpSpPr>
+      <p:sp>
+        <p:nvSpPr>
+          <p:cNvPr id="2" name="Образ слайда 1"/>
+          <p:cNvSpPr>
+            <a:spLocks noGrp="1" noRot="1" noChangeAspect="1"/>
+          </p:cNvSpPr>
+          <p:nvPr>
+            <p:ph type="sldImg"/>
+          </p:nvPr>
+        </p:nvSpPr>
+        <p:spPr/>
+      </p:sp>
+      <p:sp>
+        <p:nvSpPr>
+          <p:cNvPr id="3" name="Заметки 2"/>
+          <p:cNvSpPr>
+            <a:spLocks noGrp="1"/>
+          </p:cNvSpPr>
+          <p:nvPr>
+            <p:ph type="body" idx="1"/>
+          </p:nvPr>
+        </p:nvSpPr>
+        <p:spPr/>
+        <p:txBody>
+          <a:bodyPr/>
+          <a:lstStyle/>
+          <a:p>
+            <a:r>
+              <a:rPr lang="ru-RU" dirty="0"/>
+              <a:t>Здравствуйте уважаемые члены комиссии. Сегодня я представлю курсовую работу, темой которой является «БАЗА ДАННЫХ ХУДОЖЕСТВЕННОГО РУКОВОДИТЕЛЯ СТУДЕНЧЕСКОГО МУЗЫКАЛЬНОГО КОЛЛЕКТИВА»</a:t>
+            </a:r>
+          </a:p>
+        </p:txBody>
+      </p:sp>
+      <p:sp>
+        <p:nvSpPr>
+          <p:cNvPr id="4" name="Номер слайда 3"/>
+          <p:cNvSpPr>
+            <a:spLocks noGrp="1"/>
+          </p:cNvSpPr>
+          <p:nvPr>
+            <p:ph type="sldNum" sz="quarter" idx="5"/>
+          </p:nvPr>
+        </p:nvSpPr>
+        <p:spPr/>
+        <p:txBody>
+          <a:bodyPr/>
+          <a:lstStyle/>
+          <a:p>
+            <a:fld id="{19BB0A17-C634-4E0C-9850-802A7E30DAFA}" type="slidenum">
+              <a:rPr lang="ru-RU" noProof="0" smtClean="0"/>
+              <a:t>1</a:t>
+            </a:fld>
+            <a:endParaRPr lang="ru-RU" noProof="0" dirty="0"/>
+          </a:p>
+        </p:txBody>
+      </p:sp>
+    </p:spTree>
+    <p:extLst>
+      <p:ext uri="{BB962C8B-B14F-4D97-AF65-F5344CB8AC3E}">
+        <p14:creationId xmlns:p14="http://schemas.microsoft.com/office/powerpoint/2010/main" val="1565856293"/>
+      </p:ext>
+    </p:extLst>
+  </p:cSld>
+  <p:clrMapOvr>
+    <a:masterClrMapping/>
+  </p:clrMapOvr>
+</p:notes>
+</file>
+
+<file path=ppt/notesSlides/notesSlide2.xml><?xml version="1.0" encoding="utf-8"?>
+<p:notes xmlns:a="http://schemas.openxmlformats.org/drawingml/2006/main" xmlns:r="http://schemas.openxmlformats.org/officeDocument/2006/relationships" xmlns:p="http://schemas.openxmlformats.org/presentationml/2006/main">
+  <p:cSld>
+    <p:spTree>
+      <p:nvGrpSpPr>
+        <p:cNvPr id="1" name=""/>
+        <p:cNvGrpSpPr/>
+        <p:nvPr/>
+      </p:nvGrpSpPr>
+      <p:grpSpPr>
+        <a:xfrm>
+          <a:off x="0" y="0"/>
+          <a:ext cx="0" cy="0"/>
+          <a:chOff x="0" y="0"/>
+          <a:chExt cx="0" cy="0"/>
+        </a:xfrm>
+      </p:grpSpPr>
+      <p:sp>
+        <p:nvSpPr>
+          <p:cNvPr id="2" name="Образ слайда 1"/>
+          <p:cNvSpPr>
+            <a:spLocks noGrp="1" noRot="1" noChangeAspect="1"/>
+          </p:cNvSpPr>
+          <p:nvPr>
+            <p:ph type="sldImg"/>
+          </p:nvPr>
+        </p:nvSpPr>
+        <p:spPr/>
+      </p:sp>
+      <p:sp>
+        <p:nvSpPr>
+          <p:cNvPr id="3" name="Заметки 2"/>
+          <p:cNvSpPr>
+            <a:spLocks noGrp="1"/>
+          </p:cNvSpPr>
+          <p:nvPr>
+            <p:ph type="body" idx="1"/>
+          </p:nvPr>
+        </p:nvSpPr>
+        <p:spPr/>
+        <p:txBody>
+          <a:bodyPr/>
+          <a:lstStyle/>
+          <a:p>
+            <a:r>
+              <a:rPr lang="ru-RU" dirty="0"/>
+              <a:t>Предметной областью выступает</a:t>
+            </a:r>
+          </a:p>
+          <a:p>
+            <a:r>
+              <a:rPr lang="ru-RU" dirty="0"/>
+              <a:t>Студенческий музыкальный коллектив, который занимается подготовкой и публичными выступлениями на различных студенческих и сторонних мероприятиях. При этом пользователь в лице художественного руководителя</a:t>
+            </a:r>
+          </a:p>
+          <a:p>
+            <a:pPr>
+              <a:buClr>
+                <a:schemeClr val="tx1"/>
+              </a:buClr>
+              <a:buFont typeface="Arial"/>
+              <a:buChar char="•"/>
+            </a:pPr>
+            <a:r>
+              <a:rPr lang="ru-RU" dirty="0">
+                <a:latin typeface="Calibri"/>
+              </a:rPr>
+              <a:t>Участвует в:</a:t>
+            </a:r>
+          </a:p>
+          <a:p>
+            <a:pPr lvl="1">
+              <a:buClr>
+                <a:schemeClr val="tx1"/>
+              </a:buClr>
+              <a:buFont typeface="Arial"/>
+              <a:buChar char="•"/>
+            </a:pPr>
+            <a:r>
+              <a:rPr lang="ru-RU" dirty="0">
+                <a:latin typeface="Calibri"/>
+              </a:rPr>
+              <a:t>Формировании состава участников коллектива</a:t>
+            </a:r>
+          </a:p>
+          <a:p>
+            <a:pPr lvl="1">
+              <a:buClr>
+                <a:schemeClr val="tx1"/>
+              </a:buClr>
+              <a:buFont typeface="Arial"/>
+              <a:buChar char="•"/>
+            </a:pPr>
+            <a:r>
+              <a:rPr lang="ru-RU" dirty="0">
+                <a:latin typeface="Calibri"/>
+              </a:rPr>
+              <a:t>Формировании музыкального ансамбля, предназначенного для выступлений на мероприятиях, </a:t>
+            </a:r>
+            <a:br>
+              <a:rPr lang="ru-RU" dirty="0">
+                <a:latin typeface="Calibri"/>
+              </a:rPr>
+            </a:br>
+            <a:r>
+              <a:rPr lang="ru-RU" dirty="0">
+                <a:latin typeface="Calibri"/>
+              </a:rPr>
+              <a:t>и музыкальной секции, формируемой для отработки репертуара на репетициях</a:t>
+            </a:r>
+          </a:p>
+          <a:p>
+            <a:pPr lvl="1">
+              <a:buClr>
+                <a:schemeClr val="tx1"/>
+              </a:buClr>
+              <a:buFont typeface="Arial"/>
+              <a:buChar char="•"/>
+            </a:pPr>
+            <a:r>
+              <a:rPr lang="ru-RU" dirty="0">
+                <a:latin typeface="Calibri"/>
+              </a:rPr>
+              <a:t>Формировании непосредственно репертуара коллектива, согласованного с участниками коллектива</a:t>
+            </a:r>
+          </a:p>
+          <a:p>
+            <a:pPr lvl="1">
+              <a:buClr>
+                <a:schemeClr val="tx1"/>
+              </a:buClr>
+              <a:buFont typeface="Arial"/>
+              <a:buChar char="•"/>
+            </a:pPr>
+            <a:r>
+              <a:rPr lang="ru-RU" dirty="0">
+                <a:latin typeface="Calibri"/>
+              </a:rPr>
+              <a:t>Формировании состава музыкальных инструментов, накапливая общую информацию о каждом инструменте</a:t>
+            </a:r>
+          </a:p>
+          <a:p>
+            <a:pPr lvl="1">
+              <a:buClr>
+                <a:schemeClr val="tx1"/>
+              </a:buClr>
+              <a:buFont typeface="Arial"/>
+              <a:buChar char="•"/>
+            </a:pPr>
+            <a:r>
+              <a:rPr lang="ru-RU" dirty="0">
+                <a:latin typeface="Calibri"/>
+              </a:rPr>
+              <a:t>Формировании расписания репетиций музыкальных секций для отработки репертуара</a:t>
+            </a:r>
+          </a:p>
+          <a:p>
+            <a:pPr lvl="1">
+              <a:buClr>
+                <a:schemeClr val="tx1"/>
+              </a:buClr>
+              <a:buFont typeface="Arial"/>
+              <a:buChar char="•"/>
+            </a:pPr>
+            <a:r>
+              <a:rPr lang="ru-RU" dirty="0">
+                <a:latin typeface="Calibri"/>
+              </a:rPr>
+              <a:t>Формировании перечня мероприятий, на которых будут выступать музыкальные ансамбли, </a:t>
+            </a:r>
+            <a:br>
+              <a:rPr lang="ru-RU" dirty="0">
+                <a:latin typeface="Calibri"/>
+              </a:rPr>
+            </a:br>
+            <a:r>
+              <a:rPr lang="ru-RU" dirty="0">
+                <a:latin typeface="Calibri"/>
+              </a:rPr>
+              <a:t>а также сведений о выступлениях для последующего формирования характеристики-представления отдельного участника коллектива с указанием степени участия во время выступления.</a:t>
+            </a:r>
+          </a:p>
+          <a:p>
+            <a:pPr lvl="1">
+              <a:buClr>
+                <a:schemeClr val="tx1"/>
+              </a:buClr>
+              <a:buFont typeface="Arial"/>
+              <a:buNone/>
+            </a:pPr>
+            <a:r>
+              <a:rPr lang="ru-RU" dirty="0">
+                <a:latin typeface="Calibri"/>
+              </a:rPr>
+              <a:t>Поэтому данная база данных необходима не только для самого руководителя музыкального коллектива, но и послужит удобным автоматизированным инструментом формирования характеристики-представления для самого участника коллектива.</a:t>
+            </a:r>
+          </a:p>
+          <a:p>
+            <a:pPr lvl="1">
+              <a:buClr>
+                <a:schemeClr val="tx1"/>
+              </a:buClr>
+              <a:buFont typeface="Arial"/>
+              <a:buChar char="•"/>
+            </a:pPr>
+            <a:endParaRPr lang="ru-RU" dirty="0">
+              <a:latin typeface="Calibri"/>
+            </a:endParaRPr>
+          </a:p>
+          <a:p>
+            <a:endParaRPr lang="ru-RU" dirty="0"/>
+          </a:p>
+          <a:p>
+            <a:endParaRPr lang="ru-RU" dirty="0"/>
+          </a:p>
+          <a:p>
+            <a:endParaRPr lang="ru-RU" dirty="0"/>
+          </a:p>
+        </p:txBody>
+      </p:sp>
+      <p:sp>
+        <p:nvSpPr>
+          <p:cNvPr id="4" name="Номер слайда 3"/>
+          <p:cNvSpPr>
+            <a:spLocks noGrp="1"/>
+          </p:cNvSpPr>
+          <p:nvPr>
+            <p:ph type="sldNum" sz="quarter" idx="5"/>
+          </p:nvPr>
+        </p:nvSpPr>
+        <p:spPr/>
+        <p:txBody>
+          <a:bodyPr/>
+          <a:lstStyle/>
+          <a:p>
+            <a:fld id="{19BB0A17-C634-4E0C-9850-802A7E30DAFA}" type="slidenum">
+              <a:rPr lang="ru-RU" noProof="0" smtClean="0"/>
+              <a:t>2</a:t>
+            </a:fld>
+            <a:endParaRPr lang="ru-RU" noProof="0" dirty="0"/>
+          </a:p>
+        </p:txBody>
+      </p:sp>
+    </p:spTree>
+    <p:extLst>
+      <p:ext uri="{BB962C8B-B14F-4D97-AF65-F5344CB8AC3E}">
+        <p14:creationId xmlns:p14="http://schemas.microsoft.com/office/powerpoint/2010/main" val="3041798917"/>
+      </p:ext>
+    </p:extLst>
+  </p:cSld>
+  <p:clrMapOvr>
+    <a:masterClrMapping/>
+  </p:clrMapOvr>
+</p:notes>
+</file>
+
+<file path=ppt/notesSlides/notesSlide3.xml><?xml version="1.0" encoding="utf-8"?>
+<p:notes xmlns:a="http://schemas.openxmlformats.org/drawingml/2006/main" xmlns:r="http://schemas.openxmlformats.org/officeDocument/2006/relationships" xmlns:p="http://schemas.openxmlformats.org/presentationml/2006/main">
+  <p:cSld>
+    <p:spTree>
+      <p:nvGrpSpPr>
+        <p:cNvPr id="1" name=""/>
+        <p:cNvGrpSpPr/>
+        <p:nvPr/>
+      </p:nvGrpSpPr>
+      <p:grpSpPr>
+        <a:xfrm>
+          <a:off x="0" y="0"/>
+          <a:ext cx="0" cy="0"/>
+          <a:chOff x="0" y="0"/>
+          <a:chExt cx="0" cy="0"/>
+        </a:xfrm>
+      </p:grpSpPr>
+      <p:sp>
+        <p:nvSpPr>
+          <p:cNvPr id="2" name="Образ слайда 1"/>
+          <p:cNvSpPr>
+            <a:spLocks noGrp="1" noRot="1" noChangeAspect="1"/>
+          </p:cNvSpPr>
+          <p:nvPr>
+            <p:ph type="sldImg"/>
+          </p:nvPr>
+        </p:nvSpPr>
+        <p:spPr/>
+      </p:sp>
+      <p:sp>
+        <p:nvSpPr>
+          <p:cNvPr id="3" name="Заметки 2"/>
+          <p:cNvSpPr>
+            <a:spLocks noGrp="1"/>
+          </p:cNvSpPr>
+          <p:nvPr>
+            <p:ph type="body" idx="1"/>
+          </p:nvPr>
+        </p:nvSpPr>
+        <p:spPr/>
+        <p:txBody>
+          <a:bodyPr/>
+          <a:lstStyle/>
+          <a:p>
+            <a:endParaRPr lang="ru-RU" dirty="0"/>
+          </a:p>
+          <a:p>
+            <a:endParaRPr lang="ru-RU" dirty="0"/>
+          </a:p>
+        </p:txBody>
+      </p:sp>
+      <p:sp>
+        <p:nvSpPr>
+          <p:cNvPr id="4" name="Номер слайда 3"/>
+          <p:cNvSpPr>
+            <a:spLocks noGrp="1"/>
+          </p:cNvSpPr>
+          <p:nvPr>
+            <p:ph type="sldNum" sz="quarter" idx="5"/>
+          </p:nvPr>
+        </p:nvSpPr>
+        <p:spPr/>
+        <p:txBody>
+          <a:bodyPr/>
+          <a:lstStyle/>
+          <a:p>
+            <a:fld id="{19BB0A17-C634-4E0C-9850-802A7E30DAFA}" type="slidenum">
+              <a:rPr lang="ru-RU" noProof="0" smtClean="0"/>
+              <a:t>3</a:t>
+            </a:fld>
+            <a:endParaRPr lang="ru-RU" noProof="0" dirty="0"/>
+          </a:p>
+        </p:txBody>
+      </p:sp>
+    </p:spTree>
+    <p:extLst>
+      <p:ext uri="{BB962C8B-B14F-4D97-AF65-F5344CB8AC3E}">
+        <p14:creationId xmlns:p14="http://schemas.microsoft.com/office/powerpoint/2010/main" val="2448703448"/>
+      </p:ext>
+    </p:extLst>
+  </p:cSld>
+  <p:clrMapOvr>
+    <a:masterClrMapping/>
+  </p:clrMapOvr>
+</p:notes>
+</file>
+
+<file path=ppt/notesSlides/notesSlide4.xml><?xml version="1.0" encoding="utf-8"?>
+<p:notes xmlns:a="http://schemas.openxmlformats.org/drawingml/2006/main" xmlns:r="http://schemas.openxmlformats.org/officeDocument/2006/relationships" xmlns:p="http://schemas.openxmlformats.org/presentationml/2006/main">
+  <p:cSld>
+    <p:spTree>
+      <p:nvGrpSpPr>
+        <p:cNvPr id="1" name=""/>
+        <p:cNvGrpSpPr/>
+        <p:nvPr/>
+      </p:nvGrpSpPr>
+      <p:grpSpPr>
+        <a:xfrm>
+          <a:off x="0" y="0"/>
+          <a:ext cx="0" cy="0"/>
+          <a:chOff x="0" y="0"/>
+          <a:chExt cx="0" cy="0"/>
+        </a:xfrm>
+      </p:grpSpPr>
+      <p:sp>
+        <p:nvSpPr>
+          <p:cNvPr id="2" name="Образ слайда 1"/>
+          <p:cNvSpPr>
+            <a:spLocks noGrp="1" noRot="1" noChangeAspect="1"/>
+          </p:cNvSpPr>
+          <p:nvPr>
+            <p:ph type="sldImg"/>
+          </p:nvPr>
+        </p:nvSpPr>
+        <p:spPr/>
+      </p:sp>
+      <p:sp>
+        <p:nvSpPr>
+          <p:cNvPr id="3" name="Заметки 2"/>
+          <p:cNvSpPr>
+            <a:spLocks noGrp="1"/>
+          </p:cNvSpPr>
+          <p:nvPr>
+            <p:ph type="body" idx="1"/>
+          </p:nvPr>
+        </p:nvSpPr>
+        <p:spPr/>
+        <p:txBody>
+          <a:bodyPr/>
+          <a:lstStyle/>
+          <a:p>
+            <a:r>
+              <a:rPr lang="ru-RU" dirty="0"/>
+              <a:t>Участник коллектива – студент, вступивший в коллектив и занимающий некоторую должность в нём</a:t>
+            </a:r>
+          </a:p>
+          <a:p>
+            <a:pPr marL="0" algn="l" rtl="0" eaLnBrk="1" fontAlgn="t" latinLnBrk="0" hangingPunct="1">
+              <a:spcBef>
+                <a:spcPts val="0"/>
+              </a:spcBef>
+              <a:spcAft>
+                <a:spcPts val="0"/>
+              </a:spcAft>
+            </a:pPr>
+            <a:r>
+              <a:rPr lang="ru-RU" sz="1800" b="0" i="0" u="none" strike="noStrike" kern="1200" dirty="0">
+                <a:solidFill>
+                  <a:srgbClr val="FFFFFF"/>
+                </a:solidFill>
+                <a:effectLst/>
+                <a:latin typeface="Calibri" panose="020F0502020204030204" pitchFamily="34" charset="0"/>
+              </a:rPr>
+              <a:t>Владелец музыкального инструмента</a:t>
+            </a:r>
+            <a:r>
+              <a:rPr lang="ru-RU" sz="1800" b="0" i="0" u="none" strike="noStrike" kern="1200" dirty="0">
+                <a:solidFill>
+                  <a:schemeClr val="tx1"/>
+                </a:solidFill>
+                <a:effectLst/>
+                <a:latin typeface="Arial" panose="020B0604020202020204" pitchFamily="34" charset="0"/>
+              </a:rPr>
+              <a:t> - </a:t>
+            </a:r>
+            <a:r>
+              <a:rPr lang="ru-RU" sz="1800" b="0" i="0" u="none" strike="noStrike" kern="1200" dirty="0">
+                <a:solidFill>
+                  <a:srgbClr val="FFFFFF"/>
+                </a:solidFill>
+                <a:effectLst/>
+                <a:latin typeface="Calibri" panose="020F0502020204030204" pitchFamily="34" charset="0"/>
+              </a:rPr>
+              <a:t>Участник коллектива, владеющий навыками игры на музыкальном инструменте с некоторым уровнем профессионализма. </a:t>
+            </a:r>
+            <a:endParaRPr lang="ru-RU" sz="1800" b="0" i="0" u="none" strike="noStrike" dirty="0">
+              <a:effectLst/>
+              <a:latin typeface="Arial" panose="020B0604020202020204" pitchFamily="34" charset="0"/>
+            </a:endParaRPr>
+          </a:p>
+          <a:p>
+            <a:pPr marL="0" algn="l" rtl="0" eaLnBrk="1" fontAlgn="t" latinLnBrk="0" hangingPunct="1">
+              <a:spcBef>
+                <a:spcPts val="0"/>
+              </a:spcBef>
+              <a:spcAft>
+                <a:spcPts val="0"/>
+              </a:spcAft>
+            </a:pPr>
+            <a:r>
+              <a:rPr lang="ru-RU" sz="1800" b="0" i="0" u="none" strike="noStrike" kern="1200" dirty="0">
+                <a:solidFill>
+                  <a:srgbClr val="FFFFFF"/>
+                </a:solidFill>
+                <a:effectLst/>
+                <a:latin typeface="Calibri" panose="020F0502020204030204" pitchFamily="34" charset="0"/>
+              </a:rPr>
+              <a:t>Музыкальный инструмент</a:t>
+            </a:r>
+            <a:r>
+              <a:rPr lang="ru-RU" sz="1800" b="0" i="0" u="none" strike="noStrike" kern="1200" dirty="0">
+                <a:solidFill>
+                  <a:schemeClr val="tx1"/>
+                </a:solidFill>
+                <a:effectLst/>
+                <a:latin typeface="Arial" panose="020B0604020202020204" pitchFamily="34" charset="0"/>
+              </a:rPr>
+              <a:t> - </a:t>
+            </a:r>
+            <a:r>
+              <a:rPr lang="ru-RU" sz="1800" b="0" i="0" u="none" strike="noStrike" kern="1200" dirty="0">
+                <a:solidFill>
+                  <a:srgbClr val="FFFFFF"/>
+                </a:solidFill>
+                <a:effectLst/>
+                <a:latin typeface="Calibri" panose="020F0502020204030204" pitchFamily="34" charset="0"/>
+              </a:rPr>
+              <a:t>Набор сведений о музыкальном инструменте, включая вес инструмента, группу и механизм звукоизвлечения инструмента</a:t>
+            </a:r>
+            <a:endParaRPr lang="ru-RU" sz="1800" b="0" i="0" u="none" strike="noStrike" dirty="0">
+              <a:effectLst/>
+              <a:latin typeface="Arial" panose="020B0604020202020204" pitchFamily="34" charset="0"/>
+            </a:endParaRPr>
+          </a:p>
+          <a:p>
+            <a:pPr marL="0" algn="l" rtl="0" eaLnBrk="1" fontAlgn="t" latinLnBrk="0" hangingPunct="1">
+              <a:spcBef>
+                <a:spcPts val="0"/>
+              </a:spcBef>
+              <a:spcAft>
+                <a:spcPts val="0"/>
+              </a:spcAft>
+            </a:pPr>
+            <a:r>
+              <a:rPr lang="ru-RU" sz="1800" b="0" i="0" u="none" strike="noStrike" kern="1200" dirty="0">
+                <a:solidFill>
+                  <a:srgbClr val="FFFFFF"/>
+                </a:solidFill>
+                <a:effectLst/>
+                <a:latin typeface="Calibri" panose="020F0502020204030204" pitchFamily="34" charset="0"/>
+              </a:rPr>
+              <a:t>Музыкальное произведение</a:t>
+            </a:r>
+            <a:r>
+              <a:rPr lang="ru-RU" sz="1800" b="0" i="0" u="none" strike="noStrike" kern="1200" dirty="0">
+                <a:solidFill>
+                  <a:schemeClr val="tx1"/>
+                </a:solidFill>
+                <a:effectLst/>
+                <a:latin typeface="Arial" panose="020B0604020202020204" pitchFamily="34" charset="0"/>
+              </a:rPr>
+              <a:t> - </a:t>
+            </a:r>
+            <a:r>
+              <a:rPr lang="ru-RU" sz="1800" b="0" i="0" u="none" strike="noStrike" kern="1200" dirty="0">
+                <a:solidFill>
+                  <a:srgbClr val="FFFFFF"/>
+                </a:solidFill>
+                <a:effectLst/>
+                <a:latin typeface="Calibri" panose="020F0502020204030204" pitchFamily="34" charset="0"/>
+              </a:rPr>
+              <a:t>Сведения о музыкальной композиции, в которые входит помимо наименования и авторства, длительность, год выпуска, тип произведения, стиль, жанр, тональность и темп произведения.</a:t>
+            </a:r>
+            <a:endParaRPr lang="ru-RU" sz="1800" b="0" i="0" u="none" strike="noStrike" dirty="0">
+              <a:effectLst/>
+              <a:latin typeface="Arial" panose="020B0604020202020204" pitchFamily="34" charset="0"/>
+            </a:endParaRPr>
+          </a:p>
+          <a:p>
+            <a:pPr marL="0" algn="l" rtl="0" eaLnBrk="1" fontAlgn="t" latinLnBrk="0" hangingPunct="1">
+              <a:spcBef>
+                <a:spcPts val="0"/>
+              </a:spcBef>
+              <a:spcAft>
+                <a:spcPts val="0"/>
+              </a:spcAft>
+            </a:pPr>
+            <a:r>
+              <a:rPr lang="ru-RU" sz="1800" b="0" i="0" u="none" strike="noStrike" kern="1200" dirty="0">
+                <a:solidFill>
+                  <a:srgbClr val="FFFFFF"/>
+                </a:solidFill>
+                <a:effectLst/>
+                <a:latin typeface="Calibri" panose="020F0502020204030204" pitchFamily="34" charset="0"/>
+              </a:rPr>
+              <a:t>Аранжировка</a:t>
+            </a:r>
+            <a:r>
+              <a:rPr lang="ru-RU" sz="1800" b="0" i="0" u="none" strike="noStrike" kern="1200" dirty="0">
+                <a:solidFill>
+                  <a:schemeClr val="tx1"/>
+                </a:solidFill>
+                <a:effectLst/>
+                <a:latin typeface="Arial" panose="020B0604020202020204" pitchFamily="34" charset="0"/>
+              </a:rPr>
+              <a:t> - </a:t>
+            </a:r>
+            <a:r>
+              <a:rPr lang="ru-RU" sz="1800" b="0" i="0" u="none" strike="noStrike" kern="1200" dirty="0">
+                <a:solidFill>
+                  <a:srgbClr val="FFFFFF"/>
+                </a:solidFill>
+                <a:effectLst/>
+                <a:latin typeface="Calibri" panose="020F0502020204030204" pitchFamily="34" charset="0"/>
+              </a:rPr>
+              <a:t>Адаптированная под коллектив версия музыкального произведения, в которой по усмотрению художественного руководителя может поменяться продолжительность, стиль, тональность и темп музыкального произведения.</a:t>
+            </a:r>
+            <a:endParaRPr lang="ru-RU" sz="1800" b="0" i="0" u="none" strike="noStrike" dirty="0">
+              <a:effectLst/>
+              <a:latin typeface="Arial" panose="020B0604020202020204" pitchFamily="34" charset="0"/>
+            </a:endParaRPr>
+          </a:p>
+          <a:p>
+            <a:pPr marL="0" algn="l" rtl="0" eaLnBrk="1" fontAlgn="t" latinLnBrk="0" hangingPunct="1">
+              <a:spcBef>
+                <a:spcPts val="0"/>
+              </a:spcBef>
+              <a:spcAft>
+                <a:spcPts val="0"/>
+              </a:spcAft>
+            </a:pPr>
+            <a:r>
+              <a:rPr lang="ru-RU" sz="1800" b="0" i="0" u="none" strike="noStrike" kern="1200" dirty="0">
+                <a:solidFill>
+                  <a:srgbClr val="FFFFFF"/>
+                </a:solidFill>
+                <a:effectLst/>
+                <a:latin typeface="Calibri" panose="020F0502020204030204" pitchFamily="34" charset="0"/>
+              </a:rPr>
+              <a:t>Музыкальный ансамбль</a:t>
+            </a:r>
+            <a:r>
+              <a:rPr lang="ru-RU" sz="1800" b="0" i="0" u="none" strike="noStrike" kern="1200" dirty="0">
+                <a:solidFill>
+                  <a:schemeClr val="tx1"/>
+                </a:solidFill>
+                <a:effectLst/>
+                <a:latin typeface="Arial" panose="020B0604020202020204" pitchFamily="34" charset="0"/>
+              </a:rPr>
+              <a:t> - </a:t>
+            </a:r>
+            <a:r>
+              <a:rPr lang="ru-RU" sz="1800" b="0" i="0" u="none" strike="noStrike" kern="1200" dirty="0">
+                <a:solidFill>
+                  <a:srgbClr val="FFFFFF"/>
+                </a:solidFill>
+                <a:effectLst/>
+                <a:latin typeface="Calibri" panose="020F0502020204030204" pitchFamily="34" charset="0"/>
+              </a:rPr>
+              <a:t>Совокупность участников коллектива для выступлений на мероприятиях, при этом ансамбль, как и музыкальная секция, может переформировываться, распадаться и иметь своё предназначение.</a:t>
+            </a:r>
+            <a:endParaRPr lang="ru-RU" sz="1800" b="0" i="0" u="none" strike="noStrike" dirty="0">
+              <a:effectLst/>
+              <a:latin typeface="Arial" panose="020B0604020202020204" pitchFamily="34" charset="0"/>
+            </a:endParaRPr>
+          </a:p>
+          <a:p>
+            <a:pPr marL="0" algn="l" rtl="0" eaLnBrk="1" fontAlgn="t" latinLnBrk="0" hangingPunct="1">
+              <a:spcBef>
+                <a:spcPts val="0"/>
+              </a:spcBef>
+              <a:spcAft>
+                <a:spcPts val="0"/>
+              </a:spcAft>
+            </a:pPr>
+            <a:r>
+              <a:rPr lang="ru-RU" sz="1800" b="0" i="0" u="none" strike="noStrike" kern="1200" dirty="0">
+                <a:solidFill>
+                  <a:srgbClr val="FFFFFF"/>
+                </a:solidFill>
+                <a:effectLst/>
+                <a:latin typeface="Calibri" panose="020F0502020204030204" pitchFamily="34" charset="0"/>
+              </a:rPr>
+              <a:t>Участник музыкального ансамбля</a:t>
+            </a:r>
+            <a:r>
+              <a:rPr lang="ru-RU" sz="1800" b="0" i="0" u="none" strike="noStrike" kern="1200" dirty="0">
+                <a:solidFill>
+                  <a:schemeClr val="tx1"/>
+                </a:solidFill>
+                <a:effectLst/>
+                <a:latin typeface="Arial" panose="020B0604020202020204" pitchFamily="34" charset="0"/>
+              </a:rPr>
+              <a:t> - </a:t>
+            </a:r>
+            <a:r>
+              <a:rPr lang="ru-RU" sz="1800" b="0" i="0" u="none" strike="noStrike" kern="1200" dirty="0">
+                <a:solidFill>
+                  <a:srgbClr val="FFFFFF"/>
+                </a:solidFill>
+                <a:effectLst/>
+                <a:latin typeface="Calibri" panose="020F0502020204030204" pitchFamily="34" charset="0"/>
+              </a:rPr>
+              <a:t>Участник коллектива, состоящий в конкретном музыкальном ансамбле, имеющий некоторый опыт выступлений на мероприятиях, оцениваемый художественным руководителем, а также степень участия в этом ансамбле, учитываемый при формировании характеристики-представлении.</a:t>
+            </a:r>
+            <a:endParaRPr lang="ru-RU" sz="1800" b="0" i="0" u="none" strike="noStrike" dirty="0">
+              <a:effectLst/>
+              <a:latin typeface="Arial" panose="020B0604020202020204" pitchFamily="34" charset="0"/>
+            </a:endParaRPr>
+          </a:p>
+          <a:p>
+            <a:pPr marL="0" algn="l" rtl="0" eaLnBrk="1" fontAlgn="t" latinLnBrk="0" hangingPunct="1">
+              <a:spcBef>
+                <a:spcPts val="0"/>
+              </a:spcBef>
+              <a:spcAft>
+                <a:spcPts val="0"/>
+              </a:spcAft>
+            </a:pPr>
+            <a:r>
+              <a:rPr lang="ru-RU" sz="1800" b="0" i="0" u="none" strike="noStrike" kern="1200" dirty="0">
+                <a:solidFill>
+                  <a:srgbClr val="FFFFFF"/>
+                </a:solidFill>
+                <a:effectLst/>
+                <a:latin typeface="Calibri" panose="020F0502020204030204" pitchFamily="34" charset="0"/>
+              </a:rPr>
+              <a:t>Музыкальная секция</a:t>
+            </a:r>
+            <a:r>
+              <a:rPr lang="ru-RU" sz="1800" b="0" i="0" u="none" strike="noStrike" kern="1200" dirty="0">
+                <a:solidFill>
+                  <a:schemeClr val="tx1"/>
+                </a:solidFill>
+                <a:effectLst/>
+                <a:latin typeface="Arial" panose="020B0604020202020204" pitchFamily="34" charset="0"/>
+              </a:rPr>
+              <a:t> - </a:t>
+            </a:r>
+            <a:r>
+              <a:rPr lang="ru-RU" sz="1800" b="0" i="0" u="none" strike="noStrike" kern="1200" dirty="0">
+                <a:solidFill>
+                  <a:srgbClr val="FFFFFF"/>
+                </a:solidFill>
+                <a:effectLst/>
+                <a:latin typeface="Calibri" panose="020F0502020204030204" pitchFamily="34" charset="0"/>
+              </a:rPr>
+              <a:t>Совокупность участников коллектива для посещения репетиций</a:t>
+            </a:r>
+            <a:endParaRPr lang="ru-RU" sz="1800" b="0" i="0" u="none" strike="noStrike" dirty="0">
+              <a:effectLst/>
+              <a:latin typeface="Arial" panose="020B0604020202020204" pitchFamily="34" charset="0"/>
+            </a:endParaRPr>
+          </a:p>
+          <a:p>
+            <a:pPr marL="0" algn="l" rtl="0" eaLnBrk="1" fontAlgn="t" latinLnBrk="0" hangingPunct="1">
+              <a:spcBef>
+                <a:spcPts val="0"/>
+              </a:spcBef>
+              <a:spcAft>
+                <a:spcPts val="0"/>
+              </a:spcAft>
+            </a:pPr>
+            <a:r>
+              <a:rPr lang="ru-RU" sz="1800" b="0" i="0" u="none" strike="noStrike" kern="1200" dirty="0">
+                <a:solidFill>
+                  <a:srgbClr val="FFFFFF"/>
+                </a:solidFill>
+                <a:effectLst/>
+                <a:latin typeface="Calibri" panose="020F0502020204030204" pitchFamily="34" charset="0"/>
+              </a:rPr>
+              <a:t>Участник музыкальной секции</a:t>
+            </a:r>
+            <a:r>
+              <a:rPr lang="ru-RU" sz="1800" b="0" i="0" u="none" strike="noStrike" kern="1200" dirty="0">
+                <a:solidFill>
+                  <a:schemeClr val="tx1"/>
+                </a:solidFill>
+                <a:effectLst/>
+                <a:latin typeface="Arial" panose="020B0604020202020204" pitchFamily="34" charset="0"/>
+              </a:rPr>
+              <a:t> - </a:t>
+            </a:r>
+            <a:r>
+              <a:rPr lang="ru-RU" sz="1800" b="0" i="0" u="none" strike="noStrike" kern="1200" dirty="0">
+                <a:solidFill>
+                  <a:srgbClr val="FFFFFF"/>
+                </a:solidFill>
+                <a:effectLst/>
+                <a:latin typeface="Calibri" panose="020F0502020204030204" pitchFamily="34" charset="0"/>
+              </a:rPr>
+              <a:t>Участник коллектива, состоящий в конкретной музыкальной секции и обладающий некоторым музыкальным образованием, определяемым художественным руководителем по ранжированным значениям.</a:t>
+            </a:r>
+            <a:endParaRPr lang="ru-RU" sz="1800" b="0" i="0" u="none" strike="noStrike" dirty="0">
+              <a:effectLst/>
+              <a:latin typeface="Arial" panose="020B0604020202020204" pitchFamily="34" charset="0"/>
+            </a:endParaRPr>
+          </a:p>
+          <a:p>
+            <a:pPr marL="0" algn="l" rtl="0" eaLnBrk="1" fontAlgn="t" latinLnBrk="0" hangingPunct="1">
+              <a:spcBef>
+                <a:spcPts val="0"/>
+              </a:spcBef>
+              <a:spcAft>
+                <a:spcPts val="0"/>
+              </a:spcAft>
+            </a:pPr>
+            <a:r>
+              <a:rPr lang="ru-RU" sz="1800" b="0" i="0" u="none" strike="noStrike" kern="1200" dirty="0">
+                <a:solidFill>
+                  <a:srgbClr val="FFFFFF"/>
+                </a:solidFill>
+                <a:effectLst/>
+                <a:latin typeface="Calibri" panose="020F0502020204030204" pitchFamily="34" charset="0"/>
+              </a:rPr>
+              <a:t>Репетиция</a:t>
+            </a:r>
+            <a:r>
+              <a:rPr lang="ru-RU" sz="1800" b="0" i="0" u="none" strike="noStrike" kern="1200" dirty="0">
+                <a:solidFill>
+                  <a:schemeClr val="tx1"/>
+                </a:solidFill>
+                <a:effectLst/>
+                <a:latin typeface="Arial" panose="020B0604020202020204" pitchFamily="34" charset="0"/>
+              </a:rPr>
+              <a:t> - </a:t>
+            </a:r>
+            <a:r>
+              <a:rPr lang="ru-RU" sz="1800" b="0" i="0" u="none" strike="noStrike" kern="1200" dirty="0">
+                <a:solidFill>
+                  <a:srgbClr val="FFFFFF"/>
+                </a:solidFill>
+                <a:effectLst/>
+                <a:latin typeface="Calibri" panose="020F0502020204030204" pitchFamily="34" charset="0"/>
+              </a:rPr>
+              <a:t>Временной промежуток для проведения занятий музыкальных секций, так как на репетиции может одновременно заниматься несколько музыкальных секций.</a:t>
+            </a:r>
+            <a:endParaRPr lang="ru-RU" sz="1800" b="0" i="0" u="none" strike="noStrike" dirty="0">
+              <a:effectLst/>
+              <a:latin typeface="Arial" panose="020B0604020202020204" pitchFamily="34" charset="0"/>
+            </a:endParaRPr>
+          </a:p>
+          <a:p>
+            <a:pPr marL="0" algn="l" rtl="0" eaLnBrk="1" fontAlgn="t" latinLnBrk="0" hangingPunct="1">
+              <a:spcBef>
+                <a:spcPts val="0"/>
+              </a:spcBef>
+              <a:spcAft>
+                <a:spcPts val="0"/>
+              </a:spcAft>
+            </a:pPr>
+            <a:r>
+              <a:rPr lang="ru-RU" sz="1800" b="0" i="0" u="none" strike="noStrike" kern="1200" dirty="0">
+                <a:solidFill>
+                  <a:srgbClr val="FFFFFF"/>
+                </a:solidFill>
+                <a:effectLst/>
+                <a:latin typeface="Calibri" panose="020F0502020204030204" pitchFamily="34" charset="0"/>
+              </a:rPr>
+              <a:t>Занятие музыкальной секции</a:t>
+            </a:r>
+            <a:r>
+              <a:rPr lang="ru-RU" sz="1800" b="0" i="0" u="none" strike="noStrike" kern="1200" dirty="0">
+                <a:solidFill>
+                  <a:schemeClr val="tx1"/>
+                </a:solidFill>
+                <a:effectLst/>
+                <a:latin typeface="Arial" panose="020B0604020202020204" pitchFamily="34" charset="0"/>
+              </a:rPr>
+              <a:t> - </a:t>
+            </a:r>
+            <a:r>
+              <a:rPr lang="ru-RU" sz="1800" b="0" i="0" u="none" strike="noStrike" kern="1200" dirty="0">
+                <a:solidFill>
+                  <a:srgbClr val="FFFFFF"/>
+                </a:solidFill>
+                <a:effectLst/>
+                <a:latin typeface="Calibri" panose="020F0502020204030204" pitchFamily="34" charset="0"/>
+              </a:rPr>
+              <a:t>Репетиция конкретной музыкальной секции, на которой фиксируется план и итоги занятия</a:t>
+            </a:r>
+            <a:endParaRPr lang="ru-RU" sz="1800" b="0" i="0" u="none" strike="noStrike" dirty="0">
+              <a:effectLst/>
+              <a:latin typeface="Arial" panose="020B0604020202020204" pitchFamily="34" charset="0"/>
+            </a:endParaRPr>
+          </a:p>
+          <a:p>
+            <a:pPr marL="0" algn="l" rtl="0" eaLnBrk="1" fontAlgn="t" latinLnBrk="0" hangingPunct="1">
+              <a:spcBef>
+                <a:spcPts val="0"/>
+              </a:spcBef>
+              <a:spcAft>
+                <a:spcPts val="0"/>
+              </a:spcAft>
+            </a:pPr>
+            <a:r>
+              <a:rPr lang="ru-RU" sz="1800" b="0" i="0" u="none" strike="noStrike" kern="1200" dirty="0">
+                <a:solidFill>
+                  <a:srgbClr val="FFFFFF"/>
+                </a:solidFill>
+                <a:effectLst/>
+                <a:latin typeface="Calibri" panose="020F0502020204030204" pitchFamily="34" charset="0"/>
+              </a:rPr>
+              <a:t>Мероприятие</a:t>
+            </a:r>
+            <a:r>
+              <a:rPr lang="ru-RU" sz="1800" b="0" i="0" u="none" strike="noStrike" kern="1200" dirty="0">
+                <a:solidFill>
+                  <a:schemeClr val="tx1"/>
+                </a:solidFill>
+                <a:effectLst/>
+                <a:latin typeface="Arial" panose="020B0604020202020204" pitchFamily="34" charset="0"/>
+              </a:rPr>
+              <a:t> - </a:t>
+            </a:r>
+            <a:r>
+              <a:rPr lang="ru-RU" sz="1800" b="0" i="0" u="none" strike="noStrike" kern="1200" dirty="0">
+                <a:solidFill>
+                  <a:srgbClr val="FFFFFF"/>
+                </a:solidFill>
+                <a:effectLst/>
+                <a:latin typeface="Calibri" panose="020F0502020204030204" pitchFamily="34" charset="0"/>
+              </a:rPr>
+              <a:t>Набор сведений о творческом событии, предназначенный как для планирования репетиций музыкальных секций, формировании аранжировки музыкального произведения, так и составлении характеристики-представления отдельного участника коллектива, где обязательно нужно указывать уровень мероприятия.</a:t>
+            </a:r>
+            <a:endParaRPr lang="ru-RU" sz="1800" b="0" i="0" u="none" strike="noStrike" dirty="0">
+              <a:effectLst/>
+              <a:latin typeface="Arial" panose="020B0604020202020204" pitchFamily="34" charset="0"/>
+            </a:endParaRPr>
+          </a:p>
+          <a:p>
+            <a:pPr marL="0" algn="l" rtl="0" eaLnBrk="1" fontAlgn="t" latinLnBrk="0" hangingPunct="1">
+              <a:spcBef>
+                <a:spcPts val="0"/>
+              </a:spcBef>
+              <a:spcAft>
+                <a:spcPts val="0"/>
+              </a:spcAft>
+            </a:pPr>
+            <a:r>
+              <a:rPr lang="ru-RU" sz="1800" b="0" i="0" u="none" strike="noStrike" kern="1200" dirty="0">
+                <a:solidFill>
+                  <a:srgbClr val="FFFFFF"/>
+                </a:solidFill>
+                <a:effectLst/>
+                <a:latin typeface="Calibri" panose="020F0502020204030204" pitchFamily="34" charset="0"/>
+              </a:rPr>
+              <a:t>Выступление</a:t>
+            </a:r>
+            <a:r>
+              <a:rPr lang="ru-RU" sz="1800" b="0" i="0" u="none" strike="noStrike" kern="1200" dirty="0">
+                <a:solidFill>
+                  <a:schemeClr val="tx1"/>
+                </a:solidFill>
+                <a:effectLst/>
+                <a:latin typeface="Arial" panose="020B0604020202020204" pitchFamily="34" charset="0"/>
+              </a:rPr>
+              <a:t> - </a:t>
+            </a:r>
+            <a:r>
+              <a:rPr lang="ru-RU" sz="1800" b="0" i="0" u="none" strike="noStrike" kern="1200" dirty="0">
+                <a:solidFill>
+                  <a:srgbClr val="FFFFFF"/>
+                </a:solidFill>
+                <a:effectLst/>
+                <a:latin typeface="Calibri" panose="020F0502020204030204" pitchFamily="34" charset="0"/>
+              </a:rPr>
+              <a:t>Творческий номер музыкального ансамбля на мероприятии, который непосредственно записывается в характеристику-представление и содержит результаты выступления на мероприятии с этим номером.</a:t>
+            </a:r>
+            <a:endParaRPr lang="ru-RU" sz="1800" b="0" i="0" u="none" strike="noStrike" dirty="0">
+              <a:effectLst/>
+              <a:latin typeface="Arial" panose="020B0604020202020204" pitchFamily="34" charset="0"/>
+            </a:endParaRPr>
+          </a:p>
+          <a:p>
+            <a:endParaRPr lang="ru-RU" dirty="0"/>
+          </a:p>
+        </p:txBody>
+      </p:sp>
+      <p:sp>
+        <p:nvSpPr>
+          <p:cNvPr id="4" name="Номер слайда 3"/>
+          <p:cNvSpPr>
+            <a:spLocks noGrp="1"/>
+          </p:cNvSpPr>
+          <p:nvPr>
+            <p:ph type="sldNum" sz="quarter" idx="5"/>
+          </p:nvPr>
+        </p:nvSpPr>
+        <p:spPr/>
+        <p:txBody>
+          <a:bodyPr/>
+          <a:lstStyle/>
+          <a:p>
+            <a:fld id="{19BB0A17-C634-4E0C-9850-802A7E30DAFA}" type="slidenum">
+              <a:rPr lang="ru-RU" noProof="0" smtClean="0"/>
+              <a:t>4</a:t>
+            </a:fld>
+            <a:endParaRPr lang="ru-RU" noProof="0" dirty="0"/>
+          </a:p>
+        </p:txBody>
+      </p:sp>
+    </p:spTree>
+    <p:extLst>
+      <p:ext uri="{BB962C8B-B14F-4D97-AF65-F5344CB8AC3E}">
+        <p14:creationId xmlns:p14="http://schemas.microsoft.com/office/powerpoint/2010/main" val="4250842520"/>
+      </p:ext>
+    </p:extLst>
+  </p:cSld>
+  <p:clrMapOvr>
+    <a:masterClrMapping/>
+  </p:clrMapOvr>
+</p:notes>
+</file>
+
+<file path=ppt/notesSlides/notesSlide5.xml><?xml version="1.0" encoding="utf-8"?>
+<p:notes xmlns:a="http://schemas.openxmlformats.org/drawingml/2006/main" xmlns:r="http://schemas.openxmlformats.org/officeDocument/2006/relationships" xmlns:p="http://schemas.openxmlformats.org/presentationml/2006/main">
+  <p:cSld>
+    <p:spTree>
+      <p:nvGrpSpPr>
+        <p:cNvPr id="1" name=""/>
+        <p:cNvGrpSpPr/>
+        <p:nvPr/>
+      </p:nvGrpSpPr>
+      <p:grpSpPr>
+        <a:xfrm>
+          <a:off x="0" y="0"/>
+          <a:ext cx="0" cy="0"/>
+          <a:chOff x="0" y="0"/>
+          <a:chExt cx="0" cy="0"/>
+        </a:xfrm>
+      </p:grpSpPr>
+      <p:sp>
+        <p:nvSpPr>
+          <p:cNvPr id="2" name="Образ слайда 1"/>
+          <p:cNvSpPr>
+            <a:spLocks noGrp="1" noRot="1" noChangeAspect="1"/>
+          </p:cNvSpPr>
+          <p:nvPr>
+            <p:ph type="sldImg"/>
+          </p:nvPr>
+        </p:nvSpPr>
+        <p:spPr/>
+      </p:sp>
+      <p:sp>
+        <p:nvSpPr>
+          <p:cNvPr id="3" name="Заметки 2"/>
+          <p:cNvSpPr>
+            <a:spLocks noGrp="1"/>
+          </p:cNvSpPr>
+          <p:nvPr>
+            <p:ph type="body" idx="1"/>
+          </p:nvPr>
+        </p:nvSpPr>
+        <p:spPr/>
+        <p:txBody>
+          <a:bodyPr/>
+          <a:lstStyle/>
+          <a:p>
+            <a:r>
+              <a:rPr lang="ru-RU" dirty="0"/>
+              <a:t>– Диаграмма модели уровня «сущность-связь»</a:t>
+            </a:r>
+            <a:endParaRPr lang="en-US" dirty="0"/>
+          </a:p>
+          <a:p>
+            <a:endParaRPr lang="en-US" dirty="0"/>
+          </a:p>
+          <a:p>
+            <a:r>
+              <a:rPr lang="ru-RU" dirty="0"/>
+              <a:t>Репетиция может быть назначена более чем одной музыкальной секции в одно и то же время, вследствие чего на репетиции проводится несколько занятий. </a:t>
+            </a:r>
+          </a:p>
+          <a:p>
+            <a:r>
+              <a:rPr lang="ru-RU" dirty="0"/>
+              <a:t>Аранжировка представляет собой адаптированную партию музыкального произведения для конкретного музыкального инструмента. </a:t>
+            </a:r>
+          </a:p>
+          <a:p>
+            <a:r>
+              <a:rPr lang="ru-RU" dirty="0"/>
+              <a:t>Множество музыкальных произведений образуют репертуар музыкального коллектива. </a:t>
+            </a:r>
+          </a:p>
+          <a:p>
+            <a:r>
+              <a:rPr lang="ru-RU" dirty="0"/>
+              <a:t>На мероприятии может выступать несколько номеров от одного и того же музыкального ансамбля. </a:t>
+            </a:r>
+          </a:p>
+          <a:p>
+            <a:r>
+              <a:rPr lang="ru-RU" dirty="0"/>
+              <a:t>Участник коллектива может состоять в более чем одном музыкальном ансамбле, а также более чем одной музыкальной секции, репетируя с разными составами. </a:t>
+            </a:r>
+          </a:p>
+          <a:p>
+            <a:r>
+              <a:rPr lang="ru-RU" dirty="0"/>
+              <a:t>Владение конкретным музыкальным инструментом участника коллектива указывает на профессиональные навыки игры на этом инструменте.</a:t>
+            </a:r>
+          </a:p>
+        </p:txBody>
+      </p:sp>
+      <p:sp>
+        <p:nvSpPr>
+          <p:cNvPr id="4" name="Номер слайда 3"/>
+          <p:cNvSpPr>
+            <a:spLocks noGrp="1"/>
+          </p:cNvSpPr>
+          <p:nvPr>
+            <p:ph type="sldNum" sz="quarter" idx="5"/>
+          </p:nvPr>
+        </p:nvSpPr>
+        <p:spPr/>
+        <p:txBody>
+          <a:bodyPr/>
+          <a:lstStyle/>
+          <a:p>
+            <a:fld id="{19BB0A17-C634-4E0C-9850-802A7E30DAFA}" type="slidenum">
+              <a:rPr lang="ru-RU" noProof="0" smtClean="0"/>
+              <a:t>5</a:t>
+            </a:fld>
+            <a:endParaRPr lang="ru-RU" noProof="0" dirty="0"/>
+          </a:p>
+        </p:txBody>
+      </p:sp>
+    </p:spTree>
+    <p:extLst>
+      <p:ext uri="{BB962C8B-B14F-4D97-AF65-F5344CB8AC3E}">
+        <p14:creationId xmlns:p14="http://schemas.microsoft.com/office/powerpoint/2010/main" val="466681971"/>
+      </p:ext>
+    </p:extLst>
+  </p:cSld>
+  <p:clrMapOvr>
+    <a:masterClrMapping/>
+  </p:clrMapOvr>
+</p:notes>
+</file>
+
+<file path=ppt/notesSlides/notesSlide6.xml><?xml version="1.0" encoding="utf-8"?>
+<p:notes xmlns:a="http://schemas.openxmlformats.org/drawingml/2006/main" xmlns:r="http://schemas.openxmlformats.org/officeDocument/2006/relationships" xmlns:p="http://schemas.openxmlformats.org/presentationml/2006/main">
+  <p:cSld>
+    <p:spTree>
+      <p:nvGrpSpPr>
+        <p:cNvPr id="1" name=""/>
+        <p:cNvGrpSpPr/>
+        <p:nvPr/>
+      </p:nvGrpSpPr>
+      <p:grpSpPr>
+        <a:xfrm>
+          <a:off x="0" y="0"/>
+          <a:ext cx="0" cy="0"/>
+          <a:chOff x="0" y="0"/>
+          <a:chExt cx="0" cy="0"/>
+        </a:xfrm>
+      </p:grpSpPr>
+      <p:sp>
+        <p:nvSpPr>
+          <p:cNvPr id="2" name="Образ слайда 1"/>
+          <p:cNvSpPr>
+            <a:spLocks noGrp="1" noRot="1" noChangeAspect="1"/>
+          </p:cNvSpPr>
+          <p:nvPr>
+            <p:ph type="sldImg"/>
+          </p:nvPr>
+        </p:nvSpPr>
+        <p:spPr/>
+      </p:sp>
+      <p:sp>
+        <p:nvSpPr>
+          <p:cNvPr id="3" name="Заметки 2"/>
+          <p:cNvSpPr>
+            <a:spLocks noGrp="1"/>
+          </p:cNvSpPr>
+          <p:nvPr>
+            <p:ph type="body" idx="1"/>
+          </p:nvPr>
+        </p:nvSpPr>
+        <p:spPr/>
+        <p:txBody>
+          <a:bodyPr/>
+          <a:lstStyle/>
+          <a:p>
+            <a:r>
+              <a:rPr lang="ru-RU" dirty="0"/>
+              <a:t>Модель уровня ключей, которая наглядно показывает первичные ключи каждой сущности. </a:t>
+            </a:r>
+          </a:p>
+          <a:p>
+            <a:r>
+              <a:rPr lang="ru-RU" dirty="0"/>
+              <a:t>Так, участник коллектива, в качестве которого может выступать только студент ВУЗа, имеет номер студ. Билета, однозначно идентифицирующий его в базе данных.</a:t>
+            </a:r>
+          </a:p>
+          <a:p>
+            <a:r>
+              <a:rPr lang="ru-RU" dirty="0"/>
+              <a:t>Участник ансамбля, как и участник секции, может принадлежать различным ансамблям и секциям соответственно, поэтому в качестве первичного ключа для каждого участника коллектива добавляется идентификатор самого ансамбля или секции.</a:t>
+            </a:r>
+          </a:p>
+          <a:p>
+            <a:r>
+              <a:rPr lang="ru-RU" dirty="0"/>
+              <a:t>Далее, участник коллектива может владеть различными музыкальными инструментами, поэтому сущность владелец в качестве составного первичного ключа идентифицируется номером </a:t>
+            </a:r>
+            <a:r>
+              <a:rPr lang="ru-RU" dirty="0" err="1"/>
+              <a:t>студ.билета</a:t>
+            </a:r>
+            <a:r>
+              <a:rPr lang="ru-RU" dirty="0"/>
+              <a:t> и наименованием музыкального инструмента. Музыкальный инструмент же в пояснении не нуждается. </a:t>
+            </a:r>
+          </a:p>
+          <a:p>
+            <a:r>
+              <a:rPr lang="ru-RU" dirty="0"/>
+              <a:t>Аранжировка, являющаяся потомком музыкального инструмента и музыкального произведения, идентифицируется наименованием музыкального произведения и авторства (так как в реальном мире может быть много одноимённых композиций от разных авторов), а также музыкальным инструментом, для которого и составляется партия аранжировки.</a:t>
+            </a:r>
+          </a:p>
+          <a:p>
+            <a:r>
+              <a:rPr lang="ru-RU" dirty="0"/>
+              <a:t>Музыкальное произведение, которое уже оговаривалось, однозначно определяется авторством и наименованием.</a:t>
+            </a:r>
+          </a:p>
+          <a:p>
+            <a:r>
+              <a:rPr lang="ru-RU" dirty="0"/>
+              <a:t>Репетиция представляет собой промежуток времени для занятий различных музыкальных секций, поэтому составным первичным ключом выступает связка даты проведения и времени начала репетиции.</a:t>
+            </a:r>
+          </a:p>
+          <a:p>
+            <a:r>
+              <a:rPr lang="ru-RU" dirty="0"/>
+              <a:t>Занятие музыкальной секции помимо внешнего ключа на репетицию имеет идентификатор музыкальной секции.</a:t>
+            </a:r>
+          </a:p>
+          <a:p>
+            <a:r>
+              <a:rPr lang="ru-RU" dirty="0"/>
+              <a:t>Мероприятие идентифицируется наименованием и датой проведения.</a:t>
+            </a:r>
+          </a:p>
+          <a:p>
+            <a:r>
+              <a:rPr lang="ru-RU" dirty="0"/>
+              <a:t>И наконец, выступление, помимо наименования мероприятия и его даты имеет номер выступления конкретной музыкальной секции.</a:t>
+            </a:r>
+          </a:p>
+        </p:txBody>
+      </p:sp>
+      <p:sp>
+        <p:nvSpPr>
+          <p:cNvPr id="4" name="Номер слайда 3"/>
+          <p:cNvSpPr>
+            <a:spLocks noGrp="1"/>
+          </p:cNvSpPr>
+          <p:nvPr>
+            <p:ph type="sldNum" sz="quarter" idx="5"/>
+          </p:nvPr>
+        </p:nvSpPr>
+        <p:spPr/>
+        <p:txBody>
+          <a:bodyPr/>
+          <a:lstStyle/>
+          <a:p>
+            <a:fld id="{19BB0A17-C634-4E0C-9850-802A7E30DAFA}" type="slidenum">
+              <a:rPr lang="ru-RU" noProof="0" smtClean="0"/>
+              <a:t>6</a:t>
+            </a:fld>
+            <a:endParaRPr lang="ru-RU" noProof="0" dirty="0"/>
+          </a:p>
+        </p:txBody>
+      </p:sp>
+    </p:spTree>
+    <p:extLst>
+      <p:ext uri="{BB962C8B-B14F-4D97-AF65-F5344CB8AC3E}">
+        <p14:creationId xmlns:p14="http://schemas.microsoft.com/office/powerpoint/2010/main" val="1090683338"/>
+      </p:ext>
+    </p:extLst>
+  </p:cSld>
+  <p:clrMapOvr>
+    <a:masterClrMapping/>
+  </p:clrMapOvr>
+</p:notes>
+</file>
+
+<file path=ppt/notesSlides/notesSlide7.xml><?xml version="1.0" encoding="utf-8"?>
+<p:notes xmlns:a="http://schemas.openxmlformats.org/drawingml/2006/main" xmlns:r="http://schemas.openxmlformats.org/officeDocument/2006/relationships" xmlns:p="http://schemas.openxmlformats.org/presentationml/2006/main">
+  <p:cSld>
+    <p:spTree>
+      <p:nvGrpSpPr>
+        <p:cNvPr id="1" name=""/>
+        <p:cNvGrpSpPr/>
+        <p:nvPr/>
+      </p:nvGrpSpPr>
+      <p:grpSpPr>
+        <a:xfrm>
+          <a:off x="0" y="0"/>
+          <a:ext cx="0" cy="0"/>
+          <a:chOff x="0" y="0"/>
+          <a:chExt cx="0" cy="0"/>
+        </a:xfrm>
+      </p:grpSpPr>
+      <p:sp>
+        <p:nvSpPr>
+          <p:cNvPr id="2" name="Образ слайда 1"/>
+          <p:cNvSpPr>
+            <a:spLocks noGrp="1" noRot="1" noChangeAspect="1"/>
+          </p:cNvSpPr>
+          <p:nvPr>
+            <p:ph type="sldImg"/>
+          </p:nvPr>
+        </p:nvSpPr>
+        <p:spPr/>
+      </p:sp>
+      <p:sp>
+        <p:nvSpPr>
+          <p:cNvPr id="3" name="Заметки 2"/>
+          <p:cNvSpPr>
+            <a:spLocks noGrp="1"/>
+          </p:cNvSpPr>
+          <p:nvPr>
+            <p:ph type="body" idx="1"/>
+          </p:nvPr>
+        </p:nvSpPr>
+        <p:spPr/>
+        <p:txBody>
+          <a:bodyPr/>
+          <a:lstStyle/>
+          <a:p>
+            <a:r>
+              <a:rPr lang="ru-RU" dirty="0"/>
+              <a:t>Полноатрибутная диаграмма модели данных пользователя отражает модель данных пользователя.</a:t>
+            </a:r>
+          </a:p>
+          <a:p>
+            <a:r>
+              <a:rPr lang="ru-RU" dirty="0"/>
+              <a:t>Здесь отражены различные аспекты деятельности пользователя, некоторые их которых были оговорены ранее. </a:t>
+            </a:r>
+          </a:p>
+          <a:p>
+            <a:r>
+              <a:rPr lang="ru-RU" dirty="0"/>
+              <a:t>Можно также отметить, что сущность «Мероприятие» накапливает также сведения о его публике и описании, необходимые художественному руководителю и учитываемые при составлении аранжировки музыкального произведения.</a:t>
+            </a:r>
+          </a:p>
+          <a:p>
+            <a:r>
+              <a:rPr lang="ru-RU" dirty="0"/>
+              <a:t>В связи с обширностью предметной области и ограниченностью времени, обсуждение </a:t>
+            </a:r>
+            <a:r>
+              <a:rPr lang="en-US" dirty="0"/>
+              <a:t>FA-</a:t>
+            </a:r>
+            <a:r>
+              <a:rPr lang="ru-RU" dirty="0"/>
+              <a:t>уровня будет вынесено на стадию вопросов.</a:t>
+            </a:r>
+          </a:p>
+        </p:txBody>
+      </p:sp>
+      <p:sp>
+        <p:nvSpPr>
+          <p:cNvPr id="4" name="Номер слайда 3"/>
+          <p:cNvSpPr>
+            <a:spLocks noGrp="1"/>
+          </p:cNvSpPr>
+          <p:nvPr>
+            <p:ph type="sldNum" sz="quarter" idx="5"/>
+          </p:nvPr>
+        </p:nvSpPr>
+        <p:spPr/>
+        <p:txBody>
+          <a:bodyPr/>
+          <a:lstStyle/>
+          <a:p>
+            <a:fld id="{19BB0A17-C634-4E0C-9850-802A7E30DAFA}" type="slidenum">
+              <a:rPr lang="ru-RU" noProof="0" smtClean="0"/>
+              <a:t>7</a:t>
+            </a:fld>
+            <a:endParaRPr lang="ru-RU" noProof="0" dirty="0"/>
+          </a:p>
+        </p:txBody>
+      </p:sp>
+    </p:spTree>
+    <p:extLst>
+      <p:ext uri="{BB962C8B-B14F-4D97-AF65-F5344CB8AC3E}">
+        <p14:creationId xmlns:p14="http://schemas.microsoft.com/office/powerpoint/2010/main" val="1967412771"/>
+      </p:ext>
+    </p:extLst>
+  </p:cSld>
+  <p:clrMapOvr>
+    <a:masterClrMapping/>
+  </p:clrMapOvr>
+</p:notes>
+</file>
+
+<file path=ppt/notesSlides/notesSlide8.xml><?xml version="1.0" encoding="utf-8"?>
+<p:notes xmlns:a="http://schemas.openxmlformats.org/drawingml/2006/main" xmlns:r="http://schemas.openxmlformats.org/officeDocument/2006/relationships" xmlns:p="http://schemas.openxmlformats.org/presentationml/2006/main">
+  <p:cSld>
+    <p:spTree>
+      <p:nvGrpSpPr>
+        <p:cNvPr id="1" name=""/>
+        <p:cNvGrpSpPr/>
+        <p:nvPr/>
+      </p:nvGrpSpPr>
+      <p:grpSpPr>
+        <a:xfrm>
+          <a:off x="0" y="0"/>
+          <a:ext cx="0" cy="0"/>
+          <a:chOff x="0" y="0"/>
+          <a:chExt cx="0" cy="0"/>
+        </a:xfrm>
+      </p:grpSpPr>
+      <p:sp>
+        <p:nvSpPr>
+          <p:cNvPr id="2" name="Образ слайда 1"/>
+          <p:cNvSpPr>
+            <a:spLocks noGrp="1" noRot="1" noChangeAspect="1"/>
+          </p:cNvSpPr>
+          <p:nvPr>
+            <p:ph type="sldImg"/>
+          </p:nvPr>
+        </p:nvSpPr>
+        <p:spPr/>
+      </p:sp>
+      <p:sp>
+        <p:nvSpPr>
+          <p:cNvPr id="3" name="Заметки 2"/>
+          <p:cNvSpPr>
+            <a:spLocks noGrp="1"/>
+          </p:cNvSpPr>
+          <p:nvPr>
+            <p:ph type="body" idx="1"/>
+          </p:nvPr>
+        </p:nvSpPr>
+        <p:spPr/>
+        <p:txBody>
+          <a:bodyPr/>
+          <a:lstStyle/>
+          <a:p>
+            <a:r>
+              <a:rPr lang="ru-RU" dirty="0"/>
+              <a:t>Итак, в заключении…</a:t>
+            </a:r>
+          </a:p>
+          <a:p>
+            <a:endParaRPr lang="ru-RU" dirty="0"/>
+          </a:p>
+          <a:p>
+            <a:r>
+              <a:rPr lang="ru-RU" dirty="0"/>
+              <a:t>На этапе анализа требований:</a:t>
+            </a:r>
+          </a:p>
+          <a:p>
+            <a:r>
+              <a:rPr lang="ru-RU" dirty="0"/>
+              <a:t>- Была конкретизирована предметная область – студенческий музыкальный коллектив</a:t>
+            </a:r>
+          </a:p>
+          <a:p>
+            <a:r>
+              <a:rPr lang="ru-RU" dirty="0"/>
+              <a:t>- Был выявлен предполагаемый пользователь – художественный руководитель </a:t>
+            </a:r>
+          </a:p>
+          <a:p>
+            <a:r>
+              <a:rPr lang="ru-RU" dirty="0"/>
+              <a:t>- Проанализированы требования пользователя базы данных</a:t>
+            </a:r>
+          </a:p>
+          <a:p>
+            <a:r>
+              <a:rPr lang="ru-RU" dirty="0"/>
+              <a:t>- А также конкретизирован деловой регламент, который удовлетворяет пользователя в его потребностях в базе данных</a:t>
+            </a:r>
+          </a:p>
+          <a:p>
+            <a:pPr marL="171450" indent="-171450">
+              <a:buFontTx/>
+              <a:buChar char="-"/>
+            </a:pPr>
+            <a:r>
+              <a:rPr lang="ru-RU" dirty="0"/>
+              <a:t>Была собрана информация о входных и выходных документах и сообщениях</a:t>
+            </a:r>
+          </a:p>
+          <a:p>
+            <a:pPr marL="171450" indent="-171450">
+              <a:buFontTx/>
+              <a:buChar char="-"/>
+            </a:pPr>
+            <a:endParaRPr lang="ru-RU" dirty="0"/>
+          </a:p>
+          <a:p>
+            <a:pPr marL="0" indent="0">
+              <a:buFontTx/>
+              <a:buNone/>
+            </a:pPr>
+            <a:r>
+              <a:rPr lang="ru-RU" dirty="0"/>
+              <a:t>На этапе проектирования базы данных:</a:t>
+            </a:r>
+          </a:p>
+          <a:p>
+            <a:pPr marL="171450" indent="-171450">
+              <a:buFontTx/>
+              <a:buChar char="-"/>
+            </a:pPr>
+            <a:r>
+              <a:rPr lang="ru-RU" dirty="0"/>
+              <a:t>Определены данные и связи между ними для всех основных областей применения</a:t>
+            </a:r>
+          </a:p>
+          <a:p>
+            <a:pPr marL="171450" indent="-171450">
+              <a:buFontTx/>
+              <a:buChar char="-"/>
+            </a:pPr>
+            <a:r>
+              <a:rPr lang="ru-RU" dirty="0"/>
+              <a:t>Создана модель данных пользователя, способная поддерживать требуемые транзакции обработки данных</a:t>
+            </a:r>
+          </a:p>
+        </p:txBody>
+      </p:sp>
+      <p:sp>
+        <p:nvSpPr>
+          <p:cNvPr id="4" name="Номер слайда 3"/>
+          <p:cNvSpPr>
+            <a:spLocks noGrp="1"/>
+          </p:cNvSpPr>
+          <p:nvPr>
+            <p:ph type="sldNum" sz="quarter" idx="5"/>
+          </p:nvPr>
+        </p:nvSpPr>
+        <p:spPr/>
+        <p:txBody>
+          <a:bodyPr/>
+          <a:lstStyle/>
+          <a:p>
+            <a:fld id="{19BB0A17-C634-4E0C-9850-802A7E30DAFA}" type="slidenum">
+              <a:rPr lang="ru-RU" noProof="0" smtClean="0"/>
+              <a:t>8</a:t>
+            </a:fld>
+            <a:endParaRPr lang="ru-RU" noProof="0" dirty="0"/>
+          </a:p>
+        </p:txBody>
+      </p:sp>
+    </p:spTree>
+    <p:extLst>
+      <p:ext uri="{BB962C8B-B14F-4D97-AF65-F5344CB8AC3E}">
+        <p14:creationId xmlns:p14="http://schemas.microsoft.com/office/powerpoint/2010/main" val="1369768067"/>
+      </p:ext>
+    </p:extLst>
+  </p:cSld>
+  <p:clrMapOvr>
+    <a:masterClrMapping/>
+  </p:clrMapOvr>
+</p:notes>
+</file>
+
 <file path=ppt/slideLayouts/slideLayout1.xml><?xml version="1.0" encoding="utf-8"?>
 <p:sldLayout xmlns:a="http://schemas.openxmlformats.org/drawingml/2006/main" xmlns:r="http://schemas.openxmlformats.org/officeDocument/2006/relationships" xmlns:p="http://schemas.openxmlformats.org/presentationml/2006/main" showMasterSp="0" type="title" preserve="1">
   <p:cSld name="Титульный слайд">
@@ -940,7 +2545,7 @@
           <a:bodyPr/>
           <a:lstStyle/>
           <a:p>
-            <a:fld id="{F077BB9F-04DD-4BEC-B746-E3998C50229B}" type="datetime1">
+            <a:fld id="{C09D6146-38AB-4248-9AD9-AA0EF452908D}" type="datetime1">
               <a:rPr lang="ru-RU" noProof="0" smtClean="0"/>
               <a:t>12.06.2023</a:t>
             </a:fld>
@@ -1189,7 +2794,7 @@
           <a:bodyPr/>
           <a:lstStyle/>
           <a:p>
-            <a:fld id="{5B784123-CFCC-4353-8B30-DE0CCE4E62CF}" type="datetime1">
+            <a:fld id="{3DF31FC2-108F-4706-B0D9-EE98A1996339}" type="datetime1">
               <a:rPr lang="ru-RU" noProof="0" smtClean="0"/>
               <a:t>12.06.2023</a:t>
             </a:fld>
@@ -1371,7 +2976,7 @@
           <a:bodyPr/>
           <a:lstStyle/>
           <a:p>
-            <a:fld id="{061C3574-5682-4D4A-B7D7-D09D32527D76}" type="datetime1">
+            <a:fld id="{89146EAD-FB44-476D-9BA7-45DE4EE7E744}" type="datetime1">
               <a:rPr lang="ru-RU" noProof="0" smtClean="0"/>
               <a:t>12.06.2023</a:t>
             </a:fld>
@@ -2598,7 +4203,7 @@
           <a:bodyPr/>
           <a:lstStyle/>
           <a:p>
-            <a:fld id="{3EF55E9A-42F9-486F-9660-92EBA8EB8FE1}" type="datetime1">
+            <a:fld id="{EE2C29AF-AFC5-42C6-B41A-92EA1E3EA268}" type="datetime1">
               <a:rPr lang="ru-RU" noProof="0" smtClean="0"/>
               <a:t>12.06.2023</a:t>
             </a:fld>
@@ -2972,7 +4577,7 @@
           <a:bodyPr/>
           <a:lstStyle/>
           <a:p>
-            <a:fld id="{B7532E85-1C3E-47BF-9080-3288461E28F3}" type="datetime1">
+            <a:fld id="{D9F89389-1DA9-4450-B605-E1C44DC46EB1}" type="datetime1">
               <a:rPr lang="ru-RU" noProof="0" smtClean="0"/>
               <a:t>12.06.2023</a:t>
             </a:fld>
@@ -3102,7 +4707,7 @@
           <a:bodyPr/>
           <a:lstStyle/>
           <a:p>
-            <a:fld id="{A61D36C9-2413-4908-B4FF-B601868ED00B}" type="datetime1">
+            <a:fld id="{CF04558D-0EEE-4DFB-9358-958895EA9ECE}" type="datetime1">
               <a:rPr lang="ru-RU" noProof="0" smtClean="0"/>
               <a:t>12.06.2023</a:t>
             </a:fld>
@@ -3868,7 +5473,7 @@
           <a:bodyPr/>
           <a:lstStyle/>
           <a:p>
-            <a:fld id="{D1A10925-201A-4743-8853-90813EDB94FD}" type="datetime1">
+            <a:fld id="{2F965E43-83FD-4395-8346-4068585A5191}" type="datetime1">
               <a:rPr lang="ru-RU" noProof="0" smtClean="0"/>
               <a:t>12.06.2023</a:t>
             </a:fld>
@@ -4156,7 +5761,7 @@
           <a:bodyPr/>
           <a:lstStyle/>
           <a:p>
-            <a:fld id="{8029BC20-88B9-463E-BD09-C473B6CD8F2E}" type="datetime1">
+            <a:fld id="{C697E52B-96AB-415E-B10D-3F72A48C753B}" type="datetime1">
               <a:rPr lang="ru-RU" noProof="0" smtClean="0"/>
               <a:t>12.06.2023</a:t>
             </a:fld>
@@ -5294,7 +6899,7 @@
             </a:lvl1pPr>
           </a:lstStyle>
           <a:p>
-            <a:fld id="{FDB05499-8E1A-487C-B00A-20F31C550463}" type="datetime1">
+            <a:fld id="{38F827A5-E187-4F7A-849C-6FF8A00DD5F7}" type="datetime1">
               <a:rPr lang="ru-RU" noProof="0" smtClean="0"/>
               <a:t>12.06.2023</a:t>
             </a:fld>
@@ -5445,7 +7050,7 @@
       </p:transition>
     </mc:Fallback>
   </mc:AlternateContent>
-  <p:hf sldNum="0" hdr="0" ftr="0" dt="0"/>
+  <p:hf hdr="0" ftr="0" dt="0"/>
   <p:txStyles>
     <p:titleStyle>
       <a:lvl1pPr algn="l" defTabSz="914400" rtl="0" eaLnBrk="1" latinLnBrk="0" hangingPunct="1">
@@ -5826,7 +7431,7 @@
             </a:pPr>
             <a:r>
               <a:rPr lang="ru-RU" dirty="0"/>
-              <a:t>Подготовила студентка гр. 430-2 Лузинсан А.А</a:t>
+              <a:t>Подготовила студентка гр. 430-2 Лузинсан А.А.</a:t>
             </a:r>
           </a:p>
           <a:p>
@@ -5922,12 +7527,346 @@
       </p:sp>
       <p:sp>
         <p:nvSpPr>
-          <p:cNvPr id="3" name="Объект 2"/>
+          <p:cNvPr id="4" name="Объект 2">
+            <a:extLst>
+              <a:ext uri="{FF2B5EF4-FFF2-40B4-BE49-F238E27FC236}">
+                <a16:creationId xmlns:a16="http://schemas.microsoft.com/office/drawing/2014/main" id="{C7AB93A9-CF70-4CAB-B8DB-049DABF170F5}"/>
+              </a:ext>
+            </a:extLst>
+          </p:cNvPr>
+          <p:cNvSpPr txBox="1">
+            <a:spLocks/>
+          </p:cNvSpPr>
+          <p:nvPr/>
+        </p:nvSpPr>
+        <p:spPr>
+          <a:xfrm>
+            <a:off x="998806" y="1674056"/>
+            <a:ext cx="11193194" cy="5183944"/>
+          </a:xfrm>
+          <a:prstGeom prst="rect">
+            <a:avLst/>
+          </a:prstGeom>
+        </p:spPr>
+        <p:txBody>
+          <a:bodyPr vert="horz" lIns="91440" tIns="45720" rIns="91440" bIns="45720" rtlCol="0">
+            <a:normAutofit/>
+          </a:bodyPr>
+          <a:lstStyle>
+            <a:lvl1pPr marL="228600" indent="-228600" algn="l" defTabSz="914400" rtl="0" eaLnBrk="1" latinLnBrk="0" hangingPunct="1">
+              <a:lnSpc>
+                <a:spcPct val="90000"/>
+              </a:lnSpc>
+              <a:spcBef>
+                <a:spcPts val="1200"/>
+              </a:spcBef>
+              <a:buFont typeface="Arial" panose="020B0604020202020204" pitchFamily="34" charset="0"/>
+              <a:buChar char="•"/>
+              <a:defRPr sz="2200" kern="1200">
+                <a:solidFill>
+                  <a:schemeClr val="tx1"/>
+                </a:solidFill>
+                <a:latin typeface="+mn-lt"/>
+                <a:ea typeface="+mn-ea"/>
+                <a:cs typeface="+mn-cs"/>
+              </a:defRPr>
+            </a:lvl1pPr>
+            <a:lvl2pPr marL="502920" indent="-228600" algn="l" defTabSz="914400" rtl="0" eaLnBrk="1" latinLnBrk="0" hangingPunct="1">
+              <a:lnSpc>
+                <a:spcPct val="90000"/>
+              </a:lnSpc>
+              <a:spcBef>
+                <a:spcPts val="800"/>
+              </a:spcBef>
+              <a:buFont typeface="Arial" panose="020B0604020202020204" pitchFamily="34" charset="0"/>
+              <a:buChar char="•"/>
+              <a:defRPr sz="2000" kern="1200">
+                <a:solidFill>
+                  <a:schemeClr val="tx1"/>
+                </a:solidFill>
+                <a:latin typeface="+mn-lt"/>
+                <a:ea typeface="+mn-ea"/>
+                <a:cs typeface="+mn-cs"/>
+              </a:defRPr>
+            </a:lvl2pPr>
+            <a:lvl3pPr marL="731520" indent="-228600" algn="l" defTabSz="914400" rtl="0" eaLnBrk="1" latinLnBrk="0" hangingPunct="1">
+              <a:lnSpc>
+                <a:spcPct val="90000"/>
+              </a:lnSpc>
+              <a:spcBef>
+                <a:spcPts val="600"/>
+              </a:spcBef>
+              <a:buFont typeface="Arial" panose="020B0604020202020204" pitchFamily="34" charset="0"/>
+              <a:buChar char="•"/>
+              <a:defRPr sz="1800" kern="1200">
+                <a:solidFill>
+                  <a:schemeClr val="tx1"/>
+                </a:solidFill>
+                <a:latin typeface="+mn-lt"/>
+                <a:ea typeface="+mn-ea"/>
+                <a:cs typeface="+mn-cs"/>
+              </a:defRPr>
+            </a:lvl3pPr>
+            <a:lvl4pPr marL="1005840" indent="-228600" algn="l" defTabSz="914400" rtl="0" eaLnBrk="1" latinLnBrk="0" hangingPunct="1">
+              <a:lnSpc>
+                <a:spcPct val="90000"/>
+              </a:lnSpc>
+              <a:spcBef>
+                <a:spcPts val="600"/>
+              </a:spcBef>
+              <a:buFont typeface="Arial" panose="020B0604020202020204" pitchFamily="34" charset="0"/>
+              <a:buChar char="•"/>
+              <a:defRPr sz="1600" kern="1200">
+                <a:solidFill>
+                  <a:schemeClr val="tx1"/>
+                </a:solidFill>
+                <a:latin typeface="+mn-lt"/>
+                <a:ea typeface="+mn-ea"/>
+                <a:cs typeface="+mn-cs"/>
+              </a:defRPr>
+            </a:lvl4pPr>
+            <a:lvl5pPr marL="1280160" indent="-228600" algn="l" defTabSz="914400" rtl="0" eaLnBrk="1" latinLnBrk="0" hangingPunct="1">
+              <a:lnSpc>
+                <a:spcPct val="90000"/>
+              </a:lnSpc>
+              <a:spcBef>
+                <a:spcPts val="600"/>
+              </a:spcBef>
+              <a:buFont typeface="Arial" panose="020B0604020202020204" pitchFamily="34" charset="0"/>
+              <a:buChar char="•"/>
+              <a:defRPr sz="1600" kern="1200">
+                <a:solidFill>
+                  <a:schemeClr val="tx1"/>
+                </a:solidFill>
+                <a:latin typeface="+mn-lt"/>
+                <a:ea typeface="+mn-ea"/>
+                <a:cs typeface="+mn-cs"/>
+              </a:defRPr>
+            </a:lvl5pPr>
+            <a:lvl6pPr marL="1554480" indent="-228600" algn="l" defTabSz="914400" rtl="0" eaLnBrk="1" latinLnBrk="0" hangingPunct="1">
+              <a:lnSpc>
+                <a:spcPct val="90000"/>
+              </a:lnSpc>
+              <a:spcBef>
+                <a:spcPts val="600"/>
+              </a:spcBef>
+              <a:buFont typeface="Arial" panose="020B0604020202020204" pitchFamily="34" charset="0"/>
+              <a:buChar char="•"/>
+              <a:defRPr sz="1600" kern="1200">
+                <a:solidFill>
+                  <a:schemeClr val="tx1"/>
+                </a:solidFill>
+                <a:latin typeface="+mn-lt"/>
+                <a:ea typeface="+mn-ea"/>
+                <a:cs typeface="+mn-cs"/>
+              </a:defRPr>
+            </a:lvl6pPr>
+            <a:lvl7pPr marL="1828800" indent="-228600" algn="l" defTabSz="914400" rtl="0" eaLnBrk="1" latinLnBrk="0" hangingPunct="1">
+              <a:lnSpc>
+                <a:spcPct val="90000"/>
+              </a:lnSpc>
+              <a:spcBef>
+                <a:spcPts val="600"/>
+              </a:spcBef>
+              <a:buFont typeface="Arial" panose="020B0604020202020204" pitchFamily="34" charset="0"/>
+              <a:buChar char="•"/>
+              <a:defRPr sz="1600" kern="1200">
+                <a:solidFill>
+                  <a:schemeClr val="tx1"/>
+                </a:solidFill>
+                <a:latin typeface="+mn-lt"/>
+                <a:ea typeface="+mn-ea"/>
+                <a:cs typeface="+mn-cs"/>
+              </a:defRPr>
+            </a:lvl7pPr>
+            <a:lvl8pPr marL="2148840" indent="-228600" algn="l" defTabSz="914400" rtl="0" eaLnBrk="1" latinLnBrk="0" hangingPunct="1">
+              <a:lnSpc>
+                <a:spcPct val="90000"/>
+              </a:lnSpc>
+              <a:spcBef>
+                <a:spcPts val="600"/>
+              </a:spcBef>
+              <a:buFont typeface="Arial" panose="020B0604020202020204" pitchFamily="34" charset="0"/>
+              <a:buChar char="•"/>
+              <a:defRPr sz="1600" kern="1200">
+                <a:solidFill>
+                  <a:schemeClr val="tx1"/>
+                </a:solidFill>
+                <a:latin typeface="+mn-lt"/>
+                <a:ea typeface="+mn-ea"/>
+                <a:cs typeface="+mn-cs"/>
+              </a:defRPr>
+            </a:lvl8pPr>
+            <a:lvl9pPr marL="2423160" indent="-228600" algn="l" defTabSz="914400" rtl="0" eaLnBrk="1" latinLnBrk="0" hangingPunct="1">
+              <a:lnSpc>
+                <a:spcPct val="90000"/>
+              </a:lnSpc>
+              <a:spcBef>
+                <a:spcPts val="600"/>
+              </a:spcBef>
+              <a:buFont typeface="Arial" panose="020B0604020202020204" pitchFamily="34" charset="0"/>
+              <a:buChar char="•"/>
+              <a:defRPr sz="1600" kern="1200">
+                <a:solidFill>
+                  <a:schemeClr val="tx1"/>
+                </a:solidFill>
+                <a:latin typeface="+mn-lt"/>
+                <a:ea typeface="+mn-ea"/>
+                <a:cs typeface="+mn-cs"/>
+              </a:defRPr>
+            </a:lvl9pPr>
+          </a:lstStyle>
+          <a:p>
+            <a:pPr>
+              <a:buClr>
+                <a:schemeClr val="tx1"/>
+              </a:buClr>
+              <a:buFont typeface="Arial"/>
+              <a:buChar char="•"/>
+            </a:pPr>
+            <a:r>
+              <a:rPr lang="ru-RU" sz="2400" dirty="0">
+                <a:latin typeface="Calibri"/>
+              </a:rPr>
+              <a:t>Пользователь участвует в формировании:</a:t>
+            </a:r>
+          </a:p>
+          <a:p>
+            <a:pPr lvl="1">
+              <a:buClr>
+                <a:schemeClr val="tx1"/>
+              </a:buClr>
+              <a:buFont typeface="Arial"/>
+              <a:buChar char="•"/>
+            </a:pPr>
+            <a:r>
+              <a:rPr lang="ru-RU" sz="2400" dirty="0">
+                <a:latin typeface="Calibri"/>
+              </a:rPr>
+              <a:t>Состава коллектива.</a:t>
+            </a:r>
+          </a:p>
+          <a:p>
+            <a:pPr lvl="1">
+              <a:buClr>
+                <a:schemeClr val="tx1"/>
+              </a:buClr>
+              <a:buFont typeface="Arial"/>
+              <a:buChar char="•"/>
+            </a:pPr>
+            <a:r>
+              <a:rPr lang="ru-RU" sz="2400" dirty="0">
+                <a:latin typeface="Calibri"/>
+              </a:rPr>
+              <a:t>Музыкального ансамбля.</a:t>
+            </a:r>
+          </a:p>
+          <a:p>
+            <a:pPr lvl="1">
+              <a:buClr>
+                <a:schemeClr val="tx1"/>
+              </a:buClr>
+              <a:buFont typeface="Arial"/>
+              <a:buChar char="•"/>
+            </a:pPr>
+            <a:r>
+              <a:rPr lang="ru-RU" sz="2400" dirty="0">
+                <a:latin typeface="Calibri"/>
+              </a:rPr>
+              <a:t> Музыкальной секции.</a:t>
+            </a:r>
+          </a:p>
+          <a:p>
+            <a:pPr lvl="1">
+              <a:buClr>
+                <a:schemeClr val="tx1"/>
+              </a:buClr>
+              <a:buFont typeface="Arial"/>
+              <a:buChar char="•"/>
+            </a:pPr>
+            <a:r>
+              <a:rPr lang="ru-RU" sz="2400" dirty="0">
+                <a:latin typeface="Calibri"/>
+              </a:rPr>
+              <a:t>Репертуара коллектива.</a:t>
+            </a:r>
+          </a:p>
+          <a:p>
+            <a:pPr lvl="1">
+              <a:buClr>
+                <a:schemeClr val="tx1"/>
+              </a:buClr>
+              <a:buFont typeface="Arial"/>
+              <a:buChar char="•"/>
+            </a:pPr>
+            <a:r>
+              <a:rPr lang="ru-RU" sz="2400" dirty="0">
+                <a:latin typeface="Calibri"/>
+              </a:rPr>
+              <a:t>Состава музыкальных инструментов.</a:t>
+            </a:r>
+          </a:p>
+          <a:p>
+            <a:pPr lvl="1">
+              <a:buClr>
+                <a:schemeClr val="tx1"/>
+              </a:buClr>
+              <a:buFont typeface="Arial"/>
+              <a:buChar char="•"/>
+            </a:pPr>
+            <a:r>
+              <a:rPr lang="ru-RU" sz="2400" dirty="0">
+                <a:latin typeface="Calibri"/>
+              </a:rPr>
+              <a:t>Расписания репетиций музыкальных секций.</a:t>
+            </a:r>
+          </a:p>
+          <a:p>
+            <a:pPr lvl="1">
+              <a:buClr>
+                <a:schemeClr val="tx1"/>
+              </a:buClr>
+              <a:buFont typeface="Arial"/>
+              <a:buChar char="•"/>
+            </a:pPr>
+            <a:r>
+              <a:rPr lang="ru-RU" sz="2400" dirty="0">
+                <a:latin typeface="Calibri"/>
+              </a:rPr>
+              <a:t>Перечня мероприятий музыкальных ансамблей.</a:t>
+            </a:r>
+          </a:p>
+          <a:p>
+            <a:pPr lvl="1">
+              <a:buClr>
+                <a:schemeClr val="tx1"/>
+              </a:buClr>
+              <a:buFont typeface="Arial"/>
+              <a:buChar char="•"/>
+            </a:pPr>
+            <a:r>
+              <a:rPr lang="ru-RU" sz="2400" dirty="0">
+                <a:latin typeface="Calibri"/>
+              </a:rPr>
+              <a:t>Перечня выступлений музыкальных ансамблей.</a:t>
+            </a:r>
+          </a:p>
+        </p:txBody>
+      </p:sp>
+      <p:sp>
+        <p:nvSpPr>
+          <p:cNvPr id="7" name="Номер слайда 6">
+            <a:extLst>
+              <a:ext uri="{FF2B5EF4-FFF2-40B4-BE49-F238E27FC236}">
+                <a16:creationId xmlns:a16="http://schemas.microsoft.com/office/drawing/2014/main" id="{0C5D48E6-7E5F-4AEF-A65E-B864FF2A9B4A}"/>
+              </a:ext>
+            </a:extLst>
+          </p:cNvPr>
           <p:cNvSpPr>
             <a:spLocks noGrp="1"/>
           </p:cNvSpPr>
           <p:nvPr>
-            <p:ph idx="1"/>
+            <p:ph type="sldNum" sz="quarter" idx="12"/>
           </p:nvPr>
         </p:nvSpPr>
         <p:spPr/>
@@ -5935,108 +7874,11 @@
           <a:bodyPr/>
           <a:lstStyle/>
           <a:p>
-            <a:pPr marL="228600" indent="-228600" algn="l" defTabSz="914400">
-              <a:lnSpc>
-                <a:spcPct val="90000"/>
-              </a:lnSpc>
-              <a:spcBef>
-                <a:spcPts val="1200"/>
-              </a:spcBef>
-              <a:buClr>
-                <a:schemeClr val="tx1"/>
-              </a:buClr>
-              <a:buFont typeface="Arial"/>
-              <a:buChar char="•"/>
-            </a:pPr>
-            <a:r>
-              <a:rPr lang="ru-RU" sz="2200" b="0" i="0" dirty="0">
-                <a:solidFill>
-                  <a:schemeClr val="tx1"/>
-                </a:solidFill>
-                <a:latin typeface="Calibri"/>
-                <a:ea typeface="+mn-ea"/>
-                <a:cs typeface="+mn-cs"/>
-              </a:rPr>
-              <a:t>Краткое описание ПО.</a:t>
-            </a:r>
-          </a:p>
-          <a:p>
-            <a:pPr marL="228600" indent="-228600" algn="l" defTabSz="914400">
-              <a:lnSpc>
-                <a:spcPct val="90000"/>
-              </a:lnSpc>
-              <a:spcBef>
-                <a:spcPts val="1200"/>
-              </a:spcBef>
-              <a:buClr>
-                <a:schemeClr val="tx1"/>
-              </a:buClr>
-              <a:buFont typeface="Arial"/>
-              <a:buChar char="•"/>
-            </a:pPr>
-            <a:r>
-              <a:rPr lang="ru-RU" sz="2200" b="0" i="0" dirty="0">
-                <a:solidFill>
-                  <a:schemeClr val="tx1"/>
-                </a:solidFill>
-                <a:latin typeface="Calibri"/>
-                <a:ea typeface="+mn-ea"/>
-                <a:cs typeface="+mn-cs"/>
-              </a:rPr>
-              <a:t>Перечень процессов, в которых участвует пользователь.</a:t>
-            </a:r>
-          </a:p>
-          <a:p>
-            <a:pPr marL="228600" indent="-228600" algn="l" defTabSz="914400">
-              <a:lnSpc>
-                <a:spcPct val="90000"/>
-              </a:lnSpc>
-              <a:spcBef>
-                <a:spcPts val="1200"/>
-              </a:spcBef>
-              <a:buClr>
-                <a:schemeClr val="tx1"/>
-              </a:buClr>
-              <a:buFont typeface="Arial"/>
-              <a:buChar char="•"/>
-            </a:pPr>
-            <a:r>
-              <a:rPr lang="ru-RU" sz="2200" b="0" i="0" dirty="0">
-                <a:solidFill>
-                  <a:schemeClr val="tx1"/>
-                </a:solidFill>
-                <a:latin typeface="Calibri"/>
-                <a:ea typeface="+mn-ea"/>
-                <a:cs typeface="+mn-cs"/>
-              </a:rPr>
-              <a:t>Перечень функций пользователя в этих процессах.</a:t>
-            </a:r>
-          </a:p>
-          <a:p>
-            <a:pPr marL="228600" indent="-228600" algn="l" defTabSz="914400">
-              <a:lnSpc>
-                <a:spcPct val="90000"/>
-              </a:lnSpc>
-              <a:spcBef>
-                <a:spcPts val="1200"/>
-              </a:spcBef>
-              <a:buClr>
-                <a:schemeClr val="tx1"/>
-              </a:buClr>
-              <a:buFont typeface="Arial"/>
-              <a:buChar char="•"/>
-            </a:pPr>
-            <a:r>
-              <a:rPr lang="ru-RU" sz="2200" b="0" i="0" dirty="0">
-                <a:solidFill>
-                  <a:schemeClr val="tx1"/>
-                </a:solidFill>
-                <a:latin typeface="Calibri"/>
-                <a:ea typeface="+mn-ea"/>
-                <a:cs typeface="+mn-cs"/>
-              </a:rPr>
-              <a:t>Формулировка цели и точки зрения проекта.</a:t>
-            </a:r>
+            <a:fld id="{D52E75EF-0962-46B2-8C21-C0889BAC0DFA}" type="slidenum">
+              <a:rPr lang="ru-RU" noProof="0" smtClean="0"/>
+              <a:t>2</a:t>
+            </a:fld>
+            <a:endParaRPr lang="ru-RU" noProof="0" dirty="0"/>
           </a:p>
         </p:txBody>
       </p:sp>
@@ -6107,26 +7949,388 @@
               <a:buNone/>
             </a:pPr>
             <a:r>
-              <a:rPr lang="ru-RU" dirty="0"/>
-              <a:t>Объекты ПО</a:t>
-            </a:r>
-            <a:endParaRPr lang="ru-RU" sz="3200" b="1" i="0" dirty="0">
-              <a:solidFill>
-                <a:schemeClr val="tx1"/>
-              </a:solidFill>
-              <a:latin typeface="Garamond"/>
-              <a:ea typeface="+mj-ea"/>
-              <a:cs typeface="+mj-cs"/>
-            </a:endParaRPr>
+              <a:rPr lang="ru-RU" sz="3200" b="1" i="0" dirty="0">
+                <a:solidFill>
+                  <a:schemeClr val="tx1"/>
+                </a:solidFill>
+                <a:latin typeface="Garamond"/>
+                <a:ea typeface="+mj-ea"/>
+                <a:cs typeface="+mj-cs"/>
+              </a:rPr>
+              <a:t>Постановка задачи</a:t>
+            </a:r>
           </a:p>
         </p:txBody>
       </p:sp>
       <p:sp>
         <p:nvSpPr>
-          <p:cNvPr id="4" name="Объект 3">
+          <p:cNvPr id="4" name="Объект 2">
             <a:extLst>
               <a:ext uri="{FF2B5EF4-FFF2-40B4-BE49-F238E27FC236}">
-                <a16:creationId xmlns:a16="http://schemas.microsoft.com/office/drawing/2014/main" id="{78A969D9-9CE8-420E-9D68-220C0937E897}"/>
+                <a16:creationId xmlns:a16="http://schemas.microsoft.com/office/drawing/2014/main" id="{C7AB93A9-CF70-4CAB-B8DB-049DABF170F5}"/>
+              </a:ext>
+            </a:extLst>
+          </p:cNvPr>
+          <p:cNvSpPr txBox="1">
+            <a:spLocks/>
+          </p:cNvSpPr>
+          <p:nvPr/>
+        </p:nvSpPr>
+        <p:spPr>
+          <a:xfrm>
+            <a:off x="998806" y="1674056"/>
+            <a:ext cx="11193194" cy="5183944"/>
+          </a:xfrm>
+          <a:prstGeom prst="rect">
+            <a:avLst/>
+          </a:prstGeom>
+        </p:spPr>
+        <p:txBody>
+          <a:bodyPr vert="horz" lIns="91440" tIns="45720" rIns="91440" bIns="45720" rtlCol="0">
+            <a:normAutofit lnSpcReduction="10000"/>
+          </a:bodyPr>
+          <a:lstStyle>
+            <a:lvl1pPr marL="228600" indent="-228600" algn="l" defTabSz="914400" rtl="0" eaLnBrk="1" latinLnBrk="0" hangingPunct="1">
+              <a:lnSpc>
+                <a:spcPct val="90000"/>
+              </a:lnSpc>
+              <a:spcBef>
+                <a:spcPts val="1200"/>
+              </a:spcBef>
+              <a:buFont typeface="Arial" panose="020B0604020202020204" pitchFamily="34" charset="0"/>
+              <a:buChar char="•"/>
+              <a:defRPr sz="2200" kern="1200">
+                <a:solidFill>
+                  <a:schemeClr val="tx1"/>
+                </a:solidFill>
+                <a:latin typeface="+mn-lt"/>
+                <a:ea typeface="+mn-ea"/>
+                <a:cs typeface="+mn-cs"/>
+              </a:defRPr>
+            </a:lvl1pPr>
+            <a:lvl2pPr marL="502920" indent="-228600" algn="l" defTabSz="914400" rtl="0" eaLnBrk="1" latinLnBrk="0" hangingPunct="1">
+              <a:lnSpc>
+                <a:spcPct val="90000"/>
+              </a:lnSpc>
+              <a:spcBef>
+                <a:spcPts val="800"/>
+              </a:spcBef>
+              <a:buFont typeface="Arial" panose="020B0604020202020204" pitchFamily="34" charset="0"/>
+              <a:buChar char="•"/>
+              <a:defRPr sz="2000" kern="1200">
+                <a:solidFill>
+                  <a:schemeClr val="tx1"/>
+                </a:solidFill>
+                <a:latin typeface="+mn-lt"/>
+                <a:ea typeface="+mn-ea"/>
+                <a:cs typeface="+mn-cs"/>
+              </a:defRPr>
+            </a:lvl2pPr>
+            <a:lvl3pPr marL="731520" indent="-228600" algn="l" defTabSz="914400" rtl="0" eaLnBrk="1" latinLnBrk="0" hangingPunct="1">
+              <a:lnSpc>
+                <a:spcPct val="90000"/>
+              </a:lnSpc>
+              <a:spcBef>
+                <a:spcPts val="600"/>
+              </a:spcBef>
+              <a:buFont typeface="Arial" panose="020B0604020202020204" pitchFamily="34" charset="0"/>
+              <a:buChar char="•"/>
+              <a:defRPr sz="1800" kern="1200">
+                <a:solidFill>
+                  <a:schemeClr val="tx1"/>
+                </a:solidFill>
+                <a:latin typeface="+mn-lt"/>
+                <a:ea typeface="+mn-ea"/>
+                <a:cs typeface="+mn-cs"/>
+              </a:defRPr>
+            </a:lvl3pPr>
+            <a:lvl4pPr marL="1005840" indent="-228600" algn="l" defTabSz="914400" rtl="0" eaLnBrk="1" latinLnBrk="0" hangingPunct="1">
+              <a:lnSpc>
+                <a:spcPct val="90000"/>
+              </a:lnSpc>
+              <a:spcBef>
+                <a:spcPts val="600"/>
+              </a:spcBef>
+              <a:buFont typeface="Arial" panose="020B0604020202020204" pitchFamily="34" charset="0"/>
+              <a:buChar char="•"/>
+              <a:defRPr sz="1600" kern="1200">
+                <a:solidFill>
+                  <a:schemeClr val="tx1"/>
+                </a:solidFill>
+                <a:latin typeface="+mn-lt"/>
+                <a:ea typeface="+mn-ea"/>
+                <a:cs typeface="+mn-cs"/>
+              </a:defRPr>
+            </a:lvl4pPr>
+            <a:lvl5pPr marL="1280160" indent="-228600" algn="l" defTabSz="914400" rtl="0" eaLnBrk="1" latinLnBrk="0" hangingPunct="1">
+              <a:lnSpc>
+                <a:spcPct val="90000"/>
+              </a:lnSpc>
+              <a:spcBef>
+                <a:spcPts val="600"/>
+              </a:spcBef>
+              <a:buFont typeface="Arial" panose="020B0604020202020204" pitchFamily="34" charset="0"/>
+              <a:buChar char="•"/>
+              <a:defRPr sz="1600" kern="1200">
+                <a:solidFill>
+                  <a:schemeClr val="tx1"/>
+                </a:solidFill>
+                <a:latin typeface="+mn-lt"/>
+                <a:ea typeface="+mn-ea"/>
+                <a:cs typeface="+mn-cs"/>
+              </a:defRPr>
+            </a:lvl5pPr>
+            <a:lvl6pPr marL="1554480" indent="-228600" algn="l" defTabSz="914400" rtl="0" eaLnBrk="1" latinLnBrk="0" hangingPunct="1">
+              <a:lnSpc>
+                <a:spcPct val="90000"/>
+              </a:lnSpc>
+              <a:spcBef>
+                <a:spcPts val="600"/>
+              </a:spcBef>
+              <a:buFont typeface="Arial" panose="020B0604020202020204" pitchFamily="34" charset="0"/>
+              <a:buChar char="•"/>
+              <a:defRPr sz="1600" kern="1200">
+                <a:solidFill>
+                  <a:schemeClr val="tx1"/>
+                </a:solidFill>
+                <a:latin typeface="+mn-lt"/>
+                <a:ea typeface="+mn-ea"/>
+                <a:cs typeface="+mn-cs"/>
+              </a:defRPr>
+            </a:lvl6pPr>
+            <a:lvl7pPr marL="1828800" indent="-228600" algn="l" defTabSz="914400" rtl="0" eaLnBrk="1" latinLnBrk="0" hangingPunct="1">
+              <a:lnSpc>
+                <a:spcPct val="90000"/>
+              </a:lnSpc>
+              <a:spcBef>
+                <a:spcPts val="600"/>
+              </a:spcBef>
+              <a:buFont typeface="Arial" panose="020B0604020202020204" pitchFamily="34" charset="0"/>
+              <a:buChar char="•"/>
+              <a:defRPr sz="1600" kern="1200">
+                <a:solidFill>
+                  <a:schemeClr val="tx1"/>
+                </a:solidFill>
+                <a:latin typeface="+mn-lt"/>
+                <a:ea typeface="+mn-ea"/>
+                <a:cs typeface="+mn-cs"/>
+              </a:defRPr>
+            </a:lvl7pPr>
+            <a:lvl8pPr marL="2148840" indent="-228600" algn="l" defTabSz="914400" rtl="0" eaLnBrk="1" latinLnBrk="0" hangingPunct="1">
+              <a:lnSpc>
+                <a:spcPct val="90000"/>
+              </a:lnSpc>
+              <a:spcBef>
+                <a:spcPts val="600"/>
+              </a:spcBef>
+              <a:buFont typeface="Arial" panose="020B0604020202020204" pitchFamily="34" charset="0"/>
+              <a:buChar char="•"/>
+              <a:defRPr sz="1600" kern="1200">
+                <a:solidFill>
+                  <a:schemeClr val="tx1"/>
+                </a:solidFill>
+                <a:latin typeface="+mn-lt"/>
+                <a:ea typeface="+mn-ea"/>
+                <a:cs typeface="+mn-cs"/>
+              </a:defRPr>
+            </a:lvl8pPr>
+            <a:lvl9pPr marL="2423160" indent="-228600" algn="l" defTabSz="914400" rtl="0" eaLnBrk="1" latinLnBrk="0" hangingPunct="1">
+              <a:lnSpc>
+                <a:spcPct val="90000"/>
+              </a:lnSpc>
+              <a:spcBef>
+                <a:spcPts val="600"/>
+              </a:spcBef>
+              <a:buFont typeface="Arial" panose="020B0604020202020204" pitchFamily="34" charset="0"/>
+              <a:buChar char="•"/>
+              <a:defRPr sz="1600" kern="1200">
+                <a:solidFill>
+                  <a:schemeClr val="tx1"/>
+                </a:solidFill>
+                <a:latin typeface="+mn-lt"/>
+                <a:ea typeface="+mn-ea"/>
+                <a:cs typeface="+mn-cs"/>
+              </a:defRPr>
+            </a:lvl9pPr>
+          </a:lstStyle>
+          <a:p>
+            <a:pPr>
+              <a:buClr>
+                <a:schemeClr val="tx1"/>
+              </a:buClr>
+              <a:buFont typeface="Arial"/>
+              <a:buChar char="•"/>
+            </a:pPr>
+            <a:r>
+              <a:rPr lang="ru-RU" dirty="0"/>
+              <a:t>Цель проекта: автоматизация учёта и обработки информации, связанной с управлением студенческим музыкальным коллективом. </a:t>
+            </a:r>
+          </a:p>
+          <a:p>
+            <a:pPr>
+              <a:buClr>
+                <a:schemeClr val="tx1"/>
+              </a:buClr>
+              <a:buFont typeface="Arial"/>
+              <a:buChar char="•"/>
+            </a:pPr>
+            <a:r>
+              <a:rPr lang="ru-RU" dirty="0"/>
+              <a:t>Точка зрения модели: художественный руководитель студенческого музыкального коллектива.</a:t>
+            </a:r>
+          </a:p>
+          <a:p>
+            <a:pPr>
+              <a:buClr>
+                <a:schemeClr val="tx1"/>
+              </a:buClr>
+              <a:buFont typeface="Arial"/>
+              <a:buChar char="•"/>
+            </a:pPr>
+            <a:r>
+              <a:rPr lang="ru-RU" dirty="0">
+                <a:latin typeface="Calibri"/>
+              </a:rPr>
+              <a:t>Функции пользователя:</a:t>
+            </a:r>
+          </a:p>
+          <a:p>
+            <a:pPr lvl="1">
+              <a:buClr>
+                <a:schemeClr val="tx1"/>
+              </a:buClr>
+              <a:buFont typeface="Arial"/>
+              <a:buChar char="•"/>
+            </a:pPr>
+            <a:r>
+              <a:rPr lang="ru-RU" dirty="0"/>
+              <a:t>Регистрация участника коллектива</a:t>
+            </a:r>
+          </a:p>
+          <a:p>
+            <a:pPr lvl="1">
+              <a:buClr>
+                <a:schemeClr val="tx1"/>
+              </a:buClr>
+              <a:buFont typeface="Arial"/>
+              <a:buChar char="•"/>
+            </a:pPr>
+            <a:r>
+              <a:rPr lang="ru-RU" dirty="0"/>
+              <a:t>Регистрация музыкального инструмента</a:t>
+            </a:r>
+          </a:p>
+          <a:p>
+            <a:pPr lvl="1">
+              <a:buClr>
+                <a:schemeClr val="tx1"/>
+              </a:buClr>
+              <a:buFont typeface="Arial"/>
+              <a:buChar char="•"/>
+            </a:pPr>
+            <a:r>
+              <a:rPr lang="ru-RU" dirty="0"/>
+              <a:t>Включение музыкального произведения в репертуар</a:t>
+            </a:r>
+          </a:p>
+          <a:p>
+            <a:pPr lvl="1">
+              <a:buClr>
+                <a:schemeClr val="tx1"/>
+              </a:buClr>
+              <a:buFont typeface="Arial"/>
+              <a:buChar char="•"/>
+            </a:pPr>
+            <a:r>
+              <a:rPr lang="ru-RU" dirty="0"/>
+              <a:t>Формирование аранжировок музыкального произведения</a:t>
+            </a:r>
+          </a:p>
+          <a:p>
+            <a:pPr lvl="1">
+              <a:buClr>
+                <a:schemeClr val="tx1"/>
+              </a:buClr>
+              <a:buFont typeface="Arial"/>
+              <a:buChar char="•"/>
+            </a:pPr>
+            <a:r>
+              <a:rPr lang="ru-RU" dirty="0"/>
+              <a:t>Формирование музыкального ансамбля</a:t>
+            </a:r>
+          </a:p>
+          <a:p>
+            <a:pPr lvl="1">
+              <a:buClr>
+                <a:schemeClr val="tx1"/>
+              </a:buClr>
+              <a:buFont typeface="Arial"/>
+              <a:buChar char="•"/>
+            </a:pPr>
+            <a:r>
+              <a:rPr lang="ru-RU" dirty="0"/>
+              <a:t>Формирование музыкальной секции</a:t>
+            </a:r>
+          </a:p>
+          <a:p>
+            <a:pPr lvl="1">
+              <a:buClr>
+                <a:schemeClr val="tx1"/>
+              </a:buClr>
+              <a:buFont typeface="Arial"/>
+              <a:buChar char="•"/>
+            </a:pPr>
+            <a:r>
+              <a:rPr lang="ru-RU" dirty="0"/>
+              <a:t>Включение мероприятия в перечень событий </a:t>
+            </a:r>
+          </a:p>
+          <a:p>
+            <a:pPr lvl="1">
+              <a:buClr>
+                <a:schemeClr val="tx1"/>
+              </a:buClr>
+              <a:buFont typeface="Arial"/>
+              <a:buChar char="•"/>
+            </a:pPr>
+            <a:r>
+              <a:rPr lang="ru-RU" dirty="0"/>
+              <a:t>Генерация отчёта о работе коллектива</a:t>
+            </a:r>
+          </a:p>
+          <a:p>
+            <a:pPr lvl="1">
+              <a:buClr>
+                <a:schemeClr val="tx1"/>
+              </a:buClr>
+              <a:buFont typeface="Arial"/>
+              <a:buChar char="•"/>
+            </a:pPr>
+            <a:r>
+              <a:rPr lang="ru-RU" dirty="0"/>
+              <a:t>Генерация характеристики-представления </a:t>
+            </a:r>
+          </a:p>
+          <a:p>
+            <a:pPr lvl="1">
+              <a:buClr>
+                <a:schemeClr val="tx1"/>
+              </a:buClr>
+              <a:buFont typeface="Arial"/>
+              <a:buChar char="•"/>
+            </a:pPr>
+            <a:endParaRPr lang="ru-RU" dirty="0">
+              <a:latin typeface="Calibri"/>
+            </a:endParaRPr>
+          </a:p>
+        </p:txBody>
+      </p:sp>
+      <p:sp>
+        <p:nvSpPr>
+          <p:cNvPr id="7" name="Номер слайда 6">
+            <a:extLst>
+              <a:ext uri="{FF2B5EF4-FFF2-40B4-BE49-F238E27FC236}">
+                <a16:creationId xmlns:a16="http://schemas.microsoft.com/office/drawing/2014/main" id="{6CD10E64-420E-4697-99D7-CA7F690DAAF1}"/>
               </a:ext>
             </a:extLst>
           </p:cNvPr>
@@ -6134,7 +8338,7 @@
             <a:spLocks noGrp="1"/>
           </p:cNvSpPr>
           <p:nvPr>
-            <p:ph idx="1"/>
+            <p:ph type="sldNum" sz="quarter" idx="12"/>
           </p:nvPr>
         </p:nvSpPr>
         <p:spPr/>
@@ -6142,36 +8346,31 @@
           <a:bodyPr/>
           <a:lstStyle/>
           <a:p>
-            <a:r>
-              <a:rPr lang="ru-RU" dirty="0"/>
-              <a:t>Фрагменты словаря данных:</a:t>
-            </a:r>
-          </a:p>
-          <a:p>
-            <a:r>
-              <a:rPr lang="ru-RU" dirty="0"/>
-              <a:t>Таблица, содержащая имена сущностей и определения их смысла </a:t>
-            </a:r>
+            <a:fld id="{D52E75EF-0962-46B2-8C21-C0889BAC0DFA}" type="slidenum">
+              <a:rPr lang="ru-RU" noProof="0" smtClean="0"/>
+              <a:t>3</a:t>
+            </a:fld>
+            <a:endParaRPr lang="ru-RU" noProof="0" dirty="0"/>
           </a:p>
         </p:txBody>
       </p:sp>
     </p:spTree>
     <p:extLst>
       <p:ext uri="{BB962C8B-B14F-4D97-AF65-F5344CB8AC3E}">
-        <p14:creationId xmlns:p14="http://schemas.microsoft.com/office/powerpoint/2010/main" val="2269150354"/>
+        <p14:creationId xmlns:p14="http://schemas.microsoft.com/office/powerpoint/2010/main" val="411456352"/>
       </p:ext>
     </p:extLst>
   </p:cSld>
   <p:clrMapOvr>
     <a:masterClrMapping/>
   </p:clrMapOvr>
-  <mc:AlternateContent xmlns:mc="http://schemas.openxmlformats.org/markup-compatibility/2006" xmlns:p14="http://schemas.microsoft.com/office/powerpoint/2010/main">
-    <mc:Choice Requires="p14">
+  <mc:AlternateContent xmlns:mc="http://schemas.openxmlformats.org/markup-compatibility/2006">
+    <mc:Choice xmlns:p14="http://schemas.microsoft.com/office/powerpoint/2010/main" Requires="p14">
       <p:transition spd="med" p14:dur="700">
         <p:fade/>
       </p:transition>
     </mc:Choice>
-    <mc:Fallback xmlns="">
+    <mc:Fallback>
       <p:transition spd="med">
         <p:fade/>
       </p:transition>
@@ -6207,7 +8406,12 @@
             <p:ph type="title"/>
           </p:nvPr>
         </p:nvSpPr>
-        <p:spPr/>
+        <p:spPr>
+          <a:xfrm>
+            <a:off x="1371600" y="198120"/>
+            <a:ext cx="9448800" cy="954010"/>
+          </a:xfrm>
+        </p:spPr>
         <p:txBody>
           <a:bodyPr/>
           <a:lstStyle/>
@@ -6223,15 +8427,7 @@
             </a:pPr>
             <a:r>
               <a:rPr lang="ru-RU" dirty="0"/>
-              <a:t>Диаграмма </a:t>
-            </a:r>
-            <a:r>
-              <a:rPr lang="en-US" dirty="0"/>
-              <a:t>ER-</a:t>
-            </a:r>
-            <a:r>
-              <a:rPr lang="ru-RU" dirty="0"/>
-              <a:t>уровня </a:t>
+              <a:t>Объекты ПО</a:t>
             </a:r>
             <a:endParaRPr lang="ru-RU" sz="3200" b="1" i="0" dirty="0">
               <a:solidFill>
@@ -6246,12 +8442,18 @@
       </p:sp>
       <p:sp>
         <p:nvSpPr>
-          <p:cNvPr id="3" name="Объект 2"/>
+          <p:cNvPr id="3" name="Номер слайда 2">
+            <a:extLst>
+              <a:ext uri="{FF2B5EF4-FFF2-40B4-BE49-F238E27FC236}">
+                <a16:creationId xmlns:a16="http://schemas.microsoft.com/office/drawing/2014/main" id="{3B4D9853-DA64-4BD0-A88C-E6DF049E5F81}"/>
+              </a:ext>
+            </a:extLst>
+          </p:cNvPr>
           <p:cNvSpPr>
             <a:spLocks noGrp="1"/>
           </p:cNvSpPr>
           <p:nvPr>
-            <p:ph sz="half" idx="1"/>
+            <p:ph type="sldNum" sz="quarter" idx="12"/>
           </p:nvPr>
         </p:nvSpPr>
         <p:spPr/>
@@ -6259,92 +8461,74 @@
           <a:bodyPr/>
           <a:lstStyle/>
           <a:p>
-            <a:pPr marL="228600" indent="-228600" algn="l" defTabSz="914400">
-              <a:lnSpc>
-                <a:spcPct val="90000"/>
-              </a:lnSpc>
-              <a:spcBef>
-                <a:spcPts val="1200"/>
-              </a:spcBef>
-              <a:buClr>
-                <a:schemeClr val="tx1"/>
-              </a:buClr>
-              <a:buFont typeface="Arial"/>
-              <a:buChar char="•"/>
-            </a:pPr>
-            <a:r>
-              <a:rPr lang="ru-RU" sz="2200" b="0" i="0" dirty="0">
-                <a:solidFill>
-                  <a:schemeClr val="tx1"/>
-                </a:solidFill>
-                <a:latin typeface="Calibri"/>
-                <a:ea typeface="+mn-ea"/>
-                <a:cs typeface="+mn-cs"/>
-              </a:rPr>
-              <a:t>Пояснения к диаграмме - УСТНО</a:t>
-            </a:r>
+            <a:fld id="{D52E75EF-0962-46B2-8C21-C0889BAC0DFA}" type="slidenum">
+              <a:rPr lang="ru-RU" noProof="0" smtClean="0"/>
+              <a:t>4</a:t>
+            </a:fld>
+            <a:endParaRPr lang="ru-RU" noProof="0" dirty="0"/>
           </a:p>
         </p:txBody>
       </p:sp>
       <p:graphicFrame>
         <p:nvGraphicFramePr>
-          <p:cNvPr id="5" name="Объект 4" descr="Sample table with 3 columns, 4 rows" title="Table"/>
+          <p:cNvPr id="5" name="Таблица 5">
+            <a:extLst>
+              <a:ext uri="{FF2B5EF4-FFF2-40B4-BE49-F238E27FC236}">
+                <a16:creationId xmlns:a16="http://schemas.microsoft.com/office/drawing/2014/main" id="{16DDEAA9-E48A-486B-B1BC-78516CA69868}"/>
+              </a:ext>
+            </a:extLst>
+          </p:cNvPr>
           <p:cNvGraphicFramePr>
             <a:graphicFrameLocks noGrp="1"/>
           </p:cNvGraphicFramePr>
           <p:nvPr>
-            <p:ph sz="half" idx="2"/>
             <p:extLst>
               <p:ext uri="{D42A27DB-BD31-4B8C-83A1-F6EECF244321}">
-                <p14:modId xmlns:p14="http://schemas.microsoft.com/office/powerpoint/2010/main" val="1780024228"/>
+                <p14:modId xmlns:p14="http://schemas.microsoft.com/office/powerpoint/2010/main" val="1554073441"/>
               </p:ext>
             </p:extLst>
           </p:nvPr>
         </p:nvGraphicFramePr>
         <p:xfrm>
-          <a:off x="6523038" y="1904998"/>
-          <a:ext cx="4297362" cy="2853268"/>
+          <a:off x="1001486" y="1226344"/>
+          <a:ext cx="11190515" cy="5191760"/>
         </p:xfrm>
         <a:graphic>
           <a:graphicData uri="http://schemas.openxmlformats.org/drawingml/2006/table">
             <a:tbl>
               <a:tblPr firstRow="1" bandRow="1">
-                <a:tableStyleId>{125E5076-3810-47DD-B79F-674D7AD40C01}</a:tableStyleId>
+                <a:tableStyleId>{3B4B98B0-60AC-42C2-AFA5-B58CD77FA1E5}</a:tableStyleId>
               </a:tblPr>
               <a:tblGrid>
-                <a:gridCol w="1432454">
+                <a:gridCol w="3910823">
                   <a:extLst>
                     <a:ext uri="{9D8B030D-6E8A-4147-A177-3AD203B41FA5}">
-                      <a16:colId xmlns:a16="http://schemas.microsoft.com/office/drawing/2014/main" val="20000"/>
+                      <a16:colId xmlns:a16="http://schemas.microsoft.com/office/drawing/2014/main" val="1039667573"/>
                     </a:ext>
                   </a:extLst>
                 </a:gridCol>
-                <a:gridCol w="1432454">
+                <a:gridCol w="7279692">
                   <a:extLst>
                     <a:ext uri="{9D8B030D-6E8A-4147-A177-3AD203B41FA5}">
-                      <a16:colId xmlns:a16="http://schemas.microsoft.com/office/drawing/2014/main" val="20001"/>
-                    </a:ext>
-                  </a:extLst>
-                </a:gridCol>
-                <a:gridCol w="1432454">
-                  <a:extLst>
-                    <a:ext uri="{9D8B030D-6E8A-4147-A177-3AD203B41FA5}">
-                      <a16:colId xmlns:a16="http://schemas.microsoft.com/office/drawing/2014/main" val="20002"/>
+                      <a16:colId xmlns:a16="http://schemas.microsoft.com/office/drawing/2014/main" val="3373866255"/>
                     </a:ext>
                   </a:extLst>
                 </a:gridCol>
               </a:tblGrid>
-              <a:tr h="713317">
+              <a:tr h="370840">
                 <a:tc>
                   <a:txBody>
                     <a:bodyPr/>
                     <a:lstStyle/>
                     <a:p>
                       <a:pPr algn="ctr"/>
-                      <a:endParaRPr lang="en-US" dirty="0"/>
+                      <a:r>
+                        <a:rPr lang="ru-RU" dirty="0"/>
+                        <a:t>Сущность</a:t>
+                      </a:r>
                     </a:p>
                   </a:txBody>
-                  <a:tcPr anchor="ctr"/>
+                  <a:tcPr/>
                 </a:tc>
                 <a:tc>
                   <a:txBody>
@@ -6354,196 +8538,478 @@
                       <a:pPr algn="ctr"/>
                       <a:r>
                         <a:rPr lang="ru-RU" dirty="0"/>
-                        <a:t>Группа</a:t>
-                      </a:r>
-                      <a:r>
-                        <a:rPr lang="en-US" dirty="0"/>
-                        <a:t> 1</a:t>
+                        <a:t>Определение смысла</a:t>
                       </a:r>
                     </a:p>
                   </a:txBody>
-                  <a:tcPr anchor="ctr"/>
+                  <a:tcPr/>
+                </a:tc>
+                <a:extLst>
+                  <a:ext uri="{0D108BD9-81ED-4DB2-BD59-A6C34878D82A}">
+                    <a16:rowId xmlns:a16="http://schemas.microsoft.com/office/drawing/2014/main" val="4191881245"/>
+                  </a:ext>
+                </a:extLst>
+              </a:tr>
+              <a:tr h="370840">
+                <a:tc>
+                  <a:txBody>
+                    <a:bodyPr/>
+                    <a:lstStyle/>
+                    <a:p>
+                      <a:r>
+                        <a:rPr lang="ru-RU" dirty="0"/>
+                        <a:t>Участник коллектива</a:t>
+                      </a:r>
+                    </a:p>
+                  </a:txBody>
+                  <a:tcPr/>
                 </a:tc>
                 <a:tc>
                   <a:txBody>
                     <a:bodyPr/>
                     <a:lstStyle/>
                     <a:p>
-                      <a:pPr algn="ctr"/>
                       <a:r>
                         <a:rPr lang="ru-RU" dirty="0"/>
-                        <a:t>Группа</a:t>
-                      </a:r>
-                      <a:r>
-                        <a:rPr lang="en-US" dirty="0"/>
-                        <a:t> 2</a:t>
+                        <a:t>Студент, вступивший в коллектив</a:t>
                       </a:r>
                     </a:p>
                   </a:txBody>
-                  <a:tcPr anchor="ctr"/>
+                  <a:tcPr/>
                 </a:tc>
                 <a:extLst>
                   <a:ext uri="{0D108BD9-81ED-4DB2-BD59-A6C34878D82A}">
-                    <a16:rowId xmlns:a16="http://schemas.microsoft.com/office/drawing/2014/main" val="10000"/>
+                    <a16:rowId xmlns:a16="http://schemas.microsoft.com/office/drawing/2014/main" val="4164354939"/>
                   </a:ext>
                 </a:extLst>
               </a:tr>
-              <a:tr h="713317">
+              <a:tr h="370840">
                 <a:tc>
                   <a:txBody>
                     <a:bodyPr/>
                     <a:lstStyle/>
                     <a:p>
-                      <a:pPr algn="ctr"/>
                       <a:r>
                         <a:rPr lang="ru-RU" dirty="0"/>
-                        <a:t>Класс</a:t>
-                      </a:r>
-                      <a:r>
-                        <a:rPr lang="en-US" dirty="0"/>
-                        <a:t> 1</a:t>
+                        <a:t>Владелец музыкального инструмента</a:t>
                       </a:r>
                     </a:p>
                   </a:txBody>
-                  <a:tcPr anchor="ctr"/>
+                  <a:tcPr/>
                 </a:tc>
                 <a:tc>
                   <a:txBody>
                     <a:bodyPr/>
                     <a:lstStyle/>
                     <a:p>
-                      <a:pPr algn="ctr"/>
                       <a:r>
-                        <a:rPr lang="ru-RU" noProof="0" dirty="0"/>
-                        <a:t>82</a:t>
+                        <a:rPr lang="ru-RU" dirty="0"/>
+                        <a:t>Участник коллектива, владеющий навыками игры на инструменте</a:t>
                       </a:r>
                     </a:p>
                   </a:txBody>
-                  <a:tcPr anchor="ctr"/>
+                  <a:tcPr/>
+                </a:tc>
+                <a:extLst>
+                  <a:ext uri="{0D108BD9-81ED-4DB2-BD59-A6C34878D82A}">
+                    <a16:rowId xmlns:a16="http://schemas.microsoft.com/office/drawing/2014/main" val="261468289"/>
+                  </a:ext>
+                </a:extLst>
+              </a:tr>
+              <a:tr h="370840">
+                <a:tc>
+                  <a:txBody>
+                    <a:bodyPr/>
+                    <a:lstStyle/>
+                    <a:p>
+                      <a:r>
+                        <a:rPr lang="ru-RU" dirty="0"/>
+                        <a:t>Музыкальный инструмент</a:t>
+                      </a:r>
+                    </a:p>
+                  </a:txBody>
+                  <a:tcPr/>
                 </a:tc>
                 <a:tc>
                   <a:txBody>
                     <a:bodyPr/>
                     <a:lstStyle/>
                     <a:p>
-                      <a:pPr algn="ctr"/>
                       <a:r>
-                        <a:rPr lang="ru-RU" noProof="0" dirty="0"/>
-                        <a:t>95</a:t>
+                        <a:rPr lang="ru-RU" dirty="0"/>
+                        <a:t>Набор сведений о музыкальном инструменте</a:t>
                       </a:r>
                     </a:p>
                   </a:txBody>
-                  <a:tcPr anchor="ctr"/>
+                  <a:tcPr/>
                 </a:tc>
                 <a:extLst>
                   <a:ext uri="{0D108BD9-81ED-4DB2-BD59-A6C34878D82A}">
-                    <a16:rowId xmlns:a16="http://schemas.microsoft.com/office/drawing/2014/main" val="10001"/>
+                    <a16:rowId xmlns:a16="http://schemas.microsoft.com/office/drawing/2014/main" val="111120586"/>
                   </a:ext>
                 </a:extLst>
               </a:tr>
-              <a:tr h="713317">
+              <a:tr h="370840">
                 <a:tc>
                   <a:txBody>
                     <a:bodyPr/>
                     <a:lstStyle/>
                     <a:p>
-                      <a:pPr algn="ctr"/>
                       <a:r>
                         <a:rPr lang="ru-RU" dirty="0"/>
-                        <a:t>Класс</a:t>
-                      </a:r>
-                      <a:r>
-                        <a:rPr lang="en-US" dirty="0"/>
-                        <a:t> 2</a:t>
+                        <a:t>Музыкальное произведение</a:t>
                       </a:r>
                     </a:p>
                   </a:txBody>
-                  <a:tcPr anchor="ctr"/>
+                  <a:tcPr/>
                 </a:tc>
                 <a:tc>
                   <a:txBody>
                     <a:bodyPr/>
                     <a:lstStyle/>
                     <a:p>
-                      <a:pPr algn="ctr"/>
                       <a:r>
-                        <a:rPr lang="ru-RU" noProof="0" dirty="0"/>
-                        <a:t>76</a:t>
+                        <a:rPr lang="ru-RU" dirty="0"/>
+                        <a:t>Сведения о музыкальной композиции</a:t>
                       </a:r>
                     </a:p>
                   </a:txBody>
-                  <a:tcPr anchor="ctr"/>
+                  <a:tcPr/>
+                </a:tc>
+                <a:extLst>
+                  <a:ext uri="{0D108BD9-81ED-4DB2-BD59-A6C34878D82A}">
+                    <a16:rowId xmlns:a16="http://schemas.microsoft.com/office/drawing/2014/main" val="2048187324"/>
+                  </a:ext>
+                </a:extLst>
+              </a:tr>
+              <a:tr h="370840">
+                <a:tc>
+                  <a:txBody>
+                    <a:bodyPr/>
+                    <a:lstStyle/>
+                    <a:p>
+                      <a:r>
+                        <a:rPr lang="ru-RU" dirty="0"/>
+                        <a:t>Аранжировка</a:t>
+                      </a:r>
+                    </a:p>
+                  </a:txBody>
+                  <a:tcPr/>
                 </a:tc>
                 <a:tc>
                   <a:txBody>
                     <a:bodyPr/>
                     <a:lstStyle/>
                     <a:p>
-                      <a:pPr algn="ctr"/>
                       <a:r>
-                        <a:rPr lang="ru-RU" noProof="0" dirty="0"/>
-                        <a:t>88</a:t>
+                        <a:rPr lang="ru-RU" dirty="0"/>
+                        <a:t>Адаптированная под коллектив версия музыкального произведения</a:t>
                       </a:r>
                     </a:p>
                   </a:txBody>
-                  <a:tcPr anchor="ctr"/>
+                  <a:tcPr/>
                 </a:tc>
                 <a:extLst>
                   <a:ext uri="{0D108BD9-81ED-4DB2-BD59-A6C34878D82A}">
-                    <a16:rowId xmlns:a16="http://schemas.microsoft.com/office/drawing/2014/main" val="10002"/>
+                    <a16:rowId xmlns:a16="http://schemas.microsoft.com/office/drawing/2014/main" val="2017997497"/>
                   </a:ext>
                 </a:extLst>
               </a:tr>
-              <a:tr h="713317">
+              <a:tr h="370840">
                 <a:tc>
                   <a:txBody>
                     <a:bodyPr/>
                     <a:lstStyle/>
                     <a:p>
-                      <a:pPr algn="ctr"/>
                       <a:r>
                         <a:rPr lang="ru-RU" dirty="0"/>
-                        <a:t>Класс</a:t>
-                      </a:r>
-                      <a:r>
-                        <a:rPr lang="en-US" dirty="0"/>
-                        <a:t> 3</a:t>
+                        <a:t>Музыкальный ансамбль</a:t>
                       </a:r>
                     </a:p>
                   </a:txBody>
-                  <a:tcPr anchor="ctr"/>
+                  <a:tcPr/>
                 </a:tc>
                 <a:tc>
                   <a:txBody>
                     <a:bodyPr/>
                     <a:lstStyle/>
                     <a:p>
-                      <a:pPr algn="ctr"/>
                       <a:r>
-                        <a:rPr lang="ru-RU" noProof="0" dirty="0"/>
-                        <a:t>84</a:t>
+                        <a:rPr lang="ru-RU" dirty="0"/>
+                        <a:t>Совокупность участников коллектива для выступлений на мероприятиях</a:t>
                       </a:r>
                     </a:p>
                   </a:txBody>
-                  <a:tcPr anchor="ctr"/>
+                  <a:tcPr/>
+                </a:tc>
+                <a:extLst>
+                  <a:ext uri="{0D108BD9-81ED-4DB2-BD59-A6C34878D82A}">
+                    <a16:rowId xmlns:a16="http://schemas.microsoft.com/office/drawing/2014/main" val="2964030742"/>
+                  </a:ext>
+                </a:extLst>
+              </a:tr>
+              <a:tr h="370840">
+                <a:tc>
+                  <a:txBody>
+                    <a:bodyPr/>
+                    <a:lstStyle/>
+                    <a:p>
+                      <a:r>
+                        <a:rPr lang="ru-RU" dirty="0"/>
+                        <a:t>Участник музыкального ансамбля</a:t>
+                      </a:r>
+                    </a:p>
+                  </a:txBody>
+                  <a:tcPr/>
                 </a:tc>
                 <a:tc>
                   <a:txBody>
                     <a:bodyPr/>
                     <a:lstStyle/>
                     <a:p>
-                      <a:pPr algn="ctr"/>
                       <a:r>
-                        <a:rPr lang="ru-RU" noProof="0" dirty="0"/>
-                        <a:t>90</a:t>
+                        <a:rPr lang="ru-RU" dirty="0"/>
+                        <a:t>Участник коллектива, состоящий в конкретном музыкальном ансамбле</a:t>
                       </a:r>
                     </a:p>
                   </a:txBody>
-                  <a:tcPr anchor="ctr"/>
+                  <a:tcPr/>
                 </a:tc>
                 <a:extLst>
                   <a:ext uri="{0D108BD9-81ED-4DB2-BD59-A6C34878D82A}">
-                    <a16:rowId xmlns:a16="http://schemas.microsoft.com/office/drawing/2014/main" val="10003"/>
+                    <a16:rowId xmlns:a16="http://schemas.microsoft.com/office/drawing/2014/main" val="1906247831"/>
+                  </a:ext>
+                </a:extLst>
+              </a:tr>
+              <a:tr h="370840">
+                <a:tc>
+                  <a:txBody>
+                    <a:bodyPr/>
+                    <a:lstStyle/>
+                    <a:p>
+                      <a:r>
+                        <a:rPr lang="ru-RU" dirty="0"/>
+                        <a:t>Музыкальная секция</a:t>
+                      </a:r>
+                    </a:p>
+                  </a:txBody>
+                  <a:tcPr/>
+                </a:tc>
+                <a:tc>
+                  <a:txBody>
+                    <a:bodyPr/>
+                    <a:lstStyle/>
+                    <a:p>
+                      <a:pPr marL="0" marR="0" lvl="0" indent="0" algn="l" defTabSz="914400" rtl="0" eaLnBrk="1" fontAlgn="auto" latinLnBrk="0" hangingPunct="1">
+                        <a:lnSpc>
+                          <a:spcPct val="100000"/>
+                        </a:lnSpc>
+                        <a:spcBef>
+                          <a:spcPts val="0"/>
+                        </a:spcBef>
+                        <a:spcAft>
+                          <a:spcPts val="0"/>
+                        </a:spcAft>
+                        <a:buClrTx/>
+                        <a:buSzTx/>
+                        <a:buFontTx/>
+                        <a:buNone/>
+                        <a:tabLst/>
+                        <a:defRPr/>
+                      </a:pPr>
+                      <a:r>
+                        <a:rPr lang="ru-RU" dirty="0"/>
+                        <a:t>Совокупность участников коллектива для посещения репетиций</a:t>
+                      </a:r>
+                    </a:p>
+                  </a:txBody>
+                  <a:tcPr/>
+                </a:tc>
+                <a:extLst>
+                  <a:ext uri="{0D108BD9-81ED-4DB2-BD59-A6C34878D82A}">
+                    <a16:rowId xmlns:a16="http://schemas.microsoft.com/office/drawing/2014/main" val="3248099648"/>
+                  </a:ext>
+                </a:extLst>
+              </a:tr>
+              <a:tr h="370840">
+                <a:tc>
+                  <a:txBody>
+                    <a:bodyPr/>
+                    <a:lstStyle/>
+                    <a:p>
+                      <a:r>
+                        <a:rPr lang="ru-RU" dirty="0"/>
+                        <a:t>Участник музыкальной секции</a:t>
+                      </a:r>
+                    </a:p>
+                  </a:txBody>
+                  <a:tcPr/>
+                </a:tc>
+                <a:tc>
+                  <a:txBody>
+                    <a:bodyPr/>
+                    <a:lstStyle/>
+                    <a:p>
+                      <a:pPr marL="0" marR="0" lvl="0" indent="0" algn="l" defTabSz="914400" rtl="0" eaLnBrk="1" fontAlgn="auto" latinLnBrk="0" hangingPunct="1">
+                        <a:lnSpc>
+                          <a:spcPct val="100000"/>
+                        </a:lnSpc>
+                        <a:spcBef>
+                          <a:spcPts val="0"/>
+                        </a:spcBef>
+                        <a:spcAft>
+                          <a:spcPts val="0"/>
+                        </a:spcAft>
+                        <a:buClrTx/>
+                        <a:buSzTx/>
+                        <a:buFontTx/>
+                        <a:buNone/>
+                        <a:tabLst/>
+                        <a:defRPr/>
+                      </a:pPr>
+                      <a:r>
+                        <a:rPr lang="ru-RU" dirty="0"/>
+                        <a:t>Участник коллектива, состоящий в конкретной музыкальной секции</a:t>
+                      </a:r>
+                    </a:p>
+                  </a:txBody>
+                  <a:tcPr/>
+                </a:tc>
+                <a:extLst>
+                  <a:ext uri="{0D108BD9-81ED-4DB2-BD59-A6C34878D82A}">
+                    <a16:rowId xmlns:a16="http://schemas.microsoft.com/office/drawing/2014/main" val="118308488"/>
+                  </a:ext>
+                </a:extLst>
+              </a:tr>
+              <a:tr h="370840">
+                <a:tc>
+                  <a:txBody>
+                    <a:bodyPr/>
+                    <a:lstStyle/>
+                    <a:p>
+                      <a:r>
+                        <a:rPr lang="ru-RU" dirty="0"/>
+                        <a:t>Репетиция</a:t>
+                      </a:r>
+                    </a:p>
+                  </a:txBody>
+                  <a:tcPr/>
+                </a:tc>
+                <a:tc>
+                  <a:txBody>
+                    <a:bodyPr/>
+                    <a:lstStyle/>
+                    <a:p>
+                      <a:r>
+                        <a:rPr lang="ru-RU" dirty="0"/>
+                        <a:t>Временной промежуток для проведения занятий музыкальных секций</a:t>
+                      </a:r>
+                    </a:p>
+                  </a:txBody>
+                  <a:tcPr/>
+                </a:tc>
+                <a:extLst>
+                  <a:ext uri="{0D108BD9-81ED-4DB2-BD59-A6C34878D82A}">
+                    <a16:rowId xmlns:a16="http://schemas.microsoft.com/office/drawing/2014/main" val="1236515860"/>
+                  </a:ext>
+                </a:extLst>
+              </a:tr>
+              <a:tr h="370840">
+                <a:tc>
+                  <a:txBody>
+                    <a:bodyPr/>
+                    <a:lstStyle/>
+                    <a:p>
+                      <a:r>
+                        <a:rPr lang="ru-RU" dirty="0"/>
+                        <a:t>Занятие музыкальной секции</a:t>
+                      </a:r>
+                    </a:p>
+                  </a:txBody>
+                  <a:tcPr/>
+                </a:tc>
+                <a:tc>
+                  <a:txBody>
+                    <a:bodyPr/>
+                    <a:lstStyle/>
+                    <a:p>
+                      <a:r>
+                        <a:rPr lang="ru-RU" dirty="0"/>
+                        <a:t>Репетиция конкретной музыкальной секции</a:t>
+                      </a:r>
+                    </a:p>
+                  </a:txBody>
+                  <a:tcPr/>
+                </a:tc>
+                <a:extLst>
+                  <a:ext uri="{0D108BD9-81ED-4DB2-BD59-A6C34878D82A}">
+                    <a16:rowId xmlns:a16="http://schemas.microsoft.com/office/drawing/2014/main" val="3117523532"/>
+                  </a:ext>
+                </a:extLst>
+              </a:tr>
+              <a:tr h="370840">
+                <a:tc>
+                  <a:txBody>
+                    <a:bodyPr/>
+                    <a:lstStyle/>
+                    <a:p>
+                      <a:r>
+                        <a:rPr lang="ru-RU" dirty="0"/>
+                        <a:t>Мероприятие</a:t>
+                      </a:r>
+                    </a:p>
+                  </a:txBody>
+                  <a:tcPr/>
+                </a:tc>
+                <a:tc>
+                  <a:txBody>
+                    <a:bodyPr/>
+                    <a:lstStyle/>
+                    <a:p>
+                      <a:r>
+                        <a:rPr lang="ru-RU" dirty="0"/>
+                        <a:t>Набор сведений о творческом событии</a:t>
+                      </a:r>
+                    </a:p>
+                  </a:txBody>
+                  <a:tcPr/>
+                </a:tc>
+                <a:extLst>
+                  <a:ext uri="{0D108BD9-81ED-4DB2-BD59-A6C34878D82A}">
+                    <a16:rowId xmlns:a16="http://schemas.microsoft.com/office/drawing/2014/main" val="2729006684"/>
+                  </a:ext>
+                </a:extLst>
+              </a:tr>
+              <a:tr h="370840">
+                <a:tc>
+                  <a:txBody>
+                    <a:bodyPr/>
+                    <a:lstStyle/>
+                    <a:p>
+                      <a:r>
+                        <a:rPr lang="ru-RU" dirty="0"/>
+                        <a:t>Выступление</a:t>
+                      </a:r>
+                    </a:p>
+                  </a:txBody>
+                  <a:tcPr/>
+                </a:tc>
+                <a:tc>
+                  <a:txBody>
+                    <a:bodyPr/>
+                    <a:lstStyle/>
+                    <a:p>
+                      <a:r>
+                        <a:rPr lang="ru-RU" dirty="0"/>
+                        <a:t>Творческий номер музыкального ансамбля на мероприятии</a:t>
+                      </a:r>
+                    </a:p>
+                  </a:txBody>
+                  <a:tcPr/>
+                </a:tc>
+                <a:extLst>
+                  <a:ext uri="{0D108BD9-81ED-4DB2-BD59-A6C34878D82A}">
+                    <a16:rowId xmlns:a16="http://schemas.microsoft.com/office/drawing/2014/main" val="1577683358"/>
                   </a:ext>
                 </a:extLst>
               </a:tr>
@@ -6554,7 +9020,7 @@
     </p:spTree>
     <p:extLst>
       <p:ext uri="{BB962C8B-B14F-4D97-AF65-F5344CB8AC3E}">
-        <p14:creationId xmlns:p14="http://schemas.microsoft.com/office/powerpoint/2010/main" val="1017988445"/>
+        <p14:creationId xmlns:p14="http://schemas.microsoft.com/office/powerpoint/2010/main" val="2269150354"/>
       </p:ext>
     </p:extLst>
   </p:cSld>
@@ -6623,11 +9089,11 @@
             </a:r>
             <a:r>
               <a:rPr lang="en-US" dirty="0"/>
-              <a:t>KB-</a:t>
+              <a:t>ER-</a:t>
             </a:r>
             <a:r>
               <a:rPr lang="ru-RU" dirty="0"/>
-              <a:t>уровня</a:t>
+              <a:t>уровня </a:t>
             </a:r>
             <a:endParaRPr lang="ru-RU" sz="3200" b="1" i="0" dirty="0">
               <a:solidFill>
@@ -6642,10 +9108,10 @@
       </p:sp>
       <p:sp>
         <p:nvSpPr>
-          <p:cNvPr id="4" name="Объект 3">
+          <p:cNvPr id="4" name="Номер слайда 3">
             <a:extLst>
               <a:ext uri="{FF2B5EF4-FFF2-40B4-BE49-F238E27FC236}">
-                <a16:creationId xmlns:a16="http://schemas.microsoft.com/office/drawing/2014/main" id="{6079252D-89D2-4FC9-82B7-73CD2B568522}"/>
+                <a16:creationId xmlns:a16="http://schemas.microsoft.com/office/drawing/2014/main" id="{D6736A5E-38A8-44F9-B4C0-AFD9458D94AB}"/>
               </a:ext>
             </a:extLst>
           </p:cNvPr>
@@ -6653,7 +9119,7 @@
             <a:spLocks noGrp="1"/>
           </p:cNvSpPr>
           <p:nvPr>
-            <p:ph idx="1"/>
+            <p:ph type="sldNum" sz="quarter" idx="12"/>
           </p:nvPr>
         </p:nvSpPr>
         <p:spPr/>
@@ -6661,80 +9127,54 @@
           <a:bodyPr/>
           <a:lstStyle/>
           <a:p>
-            <a:r>
-              <a:rPr lang="ru-RU" dirty="0"/>
-              <a:t>Требования к диаграмме.</a:t>
-            </a:r>
-          </a:p>
-          <a:p>
-            <a:r>
-              <a:rPr lang="ru-RU" dirty="0"/>
-              <a:t>ДИАГРАММА ДОЛЖНА БЫТЬ КОМПАКТНОЙ.</a:t>
-            </a:r>
-          </a:p>
-          <a:p>
-            <a:r>
-              <a:rPr lang="ru-RU" dirty="0"/>
-              <a:t>Для этого необходимо:</a:t>
-            </a:r>
-          </a:p>
-          <a:p>
-            <a:r>
-              <a:rPr lang="ru-RU" dirty="0"/>
-              <a:t>- использовать компактные имена сущностей и атрибутов;</a:t>
-            </a:r>
-          </a:p>
-          <a:p>
-            <a:r>
-              <a:rPr lang="ru-RU" dirty="0"/>
-              <a:t>удалить из имён внешних ключей ПРЕФИКСЫ, которые лепит</a:t>
-            </a:r>
-            <a:br>
-              <a:rPr lang="ru-RU" dirty="0"/>
-            </a:br>
-            <a:r>
-              <a:rPr lang="ru-RU" dirty="0" err="1"/>
-              <a:t>DBDesigner</a:t>
-            </a:r>
-            <a:r>
-              <a:rPr lang="ru-RU" dirty="0"/>
-              <a:t>;</a:t>
-            </a:r>
-          </a:p>
-          <a:p>
-            <a:r>
-              <a:rPr lang="ru-RU" dirty="0"/>
-              <a:t>отключить отображение элементов физического уровня модели;</a:t>
-            </a:r>
-          </a:p>
-          <a:p>
-            <a:r>
-              <a:rPr lang="ru-RU" dirty="0"/>
-              <a:t>отключить отображение табличных индексов (</a:t>
-            </a:r>
-            <a:r>
-              <a:rPr lang="ru-RU" dirty="0" err="1"/>
-              <a:t>table</a:t>
-            </a:r>
-            <a:r>
-              <a:rPr lang="ru-RU" dirty="0"/>
-              <a:t> </a:t>
-            </a:r>
-            <a:r>
-              <a:rPr lang="ru-RU" dirty="0" err="1"/>
-              <a:t>indices</a:t>
-            </a:r>
-            <a:r>
-              <a:rPr lang="ru-RU" dirty="0"/>
-              <a:t>).</a:t>
-            </a:r>
+            <a:fld id="{D52E75EF-0962-46B2-8C21-C0889BAC0DFA}" type="slidenum">
+              <a:rPr lang="ru-RU" noProof="0" smtClean="0"/>
+              <a:t>5</a:t>
+            </a:fld>
+            <a:endParaRPr lang="ru-RU" noProof="0" dirty="0"/>
           </a:p>
         </p:txBody>
       </p:sp>
+      <p:pic>
+        <p:nvPicPr>
+          <p:cNvPr id="10" name="Рисунок 9">
+            <a:extLst>
+              <a:ext uri="{FF2B5EF4-FFF2-40B4-BE49-F238E27FC236}">
+                <a16:creationId xmlns:a16="http://schemas.microsoft.com/office/drawing/2014/main" id="{0ADABCA1-4446-4F90-81EB-34AB9A22AC6F}"/>
+              </a:ext>
+            </a:extLst>
+          </p:cNvPr>
+          <p:cNvPicPr>
+            <a:picLocks noChangeAspect="1"/>
+          </p:cNvPicPr>
+          <p:nvPr/>
+        </p:nvPicPr>
+        <p:blipFill>
+          <a:blip r:embed="rId3">
+            <a:extLst>
+              <a:ext uri="{28A0092B-C50C-407E-A947-70E740481C1C}">
+                <a14:useLocalDpi xmlns:a14="http://schemas.microsoft.com/office/drawing/2010/main" val="0"/>
+              </a:ext>
+            </a:extLst>
+          </a:blip>
+          <a:stretch>
+            <a:fillRect/>
+          </a:stretch>
+        </p:blipFill>
+        <p:spPr>
+          <a:xfrm>
+            <a:off x="-21491" y="1593849"/>
+            <a:ext cx="12213491" cy="3902076"/>
+          </a:xfrm>
+          <a:prstGeom prst="rect">
+            <a:avLst/>
+          </a:prstGeom>
+        </p:spPr>
+      </p:pic>
     </p:spTree>
     <p:extLst>
       <p:ext uri="{BB962C8B-B14F-4D97-AF65-F5344CB8AC3E}">
-        <p14:creationId xmlns:p14="http://schemas.microsoft.com/office/powerpoint/2010/main" val="2121619626"/>
+        <p14:creationId xmlns:p14="http://schemas.microsoft.com/office/powerpoint/2010/main" val="1017988445"/>
       </p:ext>
     </p:extLst>
   </p:cSld>
@@ -6783,16 +9223,217 @@
             <p:ph type="title"/>
           </p:nvPr>
         </p:nvSpPr>
+        <p:spPr/>
+        <p:txBody>
+          <a:bodyPr/>
+          <a:lstStyle/>
+          <a:p>
+            <a:pPr algn="l" defTabSz="914400">
+              <a:lnSpc>
+                <a:spcPct val="90000"/>
+              </a:lnSpc>
+              <a:spcBef>
+                <a:spcPts val="1"/>
+              </a:spcBef>
+              <a:buNone/>
+            </a:pPr>
+            <a:r>
+              <a:rPr lang="ru-RU" dirty="0"/>
+              <a:t>Диаграмма </a:t>
+            </a:r>
+            <a:r>
+              <a:rPr lang="en-US" dirty="0"/>
+              <a:t>KB-</a:t>
+            </a:r>
+            <a:r>
+              <a:rPr lang="ru-RU" dirty="0"/>
+              <a:t>уровня</a:t>
+            </a:r>
+            <a:endParaRPr lang="ru-RU" sz="3200" b="1" i="0" dirty="0">
+              <a:solidFill>
+                <a:schemeClr val="tx1"/>
+              </a:solidFill>
+              <a:latin typeface="Garamond"/>
+              <a:ea typeface="+mj-ea"/>
+              <a:cs typeface="+mj-cs"/>
+            </a:endParaRPr>
+          </a:p>
+        </p:txBody>
+      </p:sp>
+      <p:sp>
+        <p:nvSpPr>
+          <p:cNvPr id="3" name="Номер слайда 2">
+            <a:extLst>
+              <a:ext uri="{FF2B5EF4-FFF2-40B4-BE49-F238E27FC236}">
+                <a16:creationId xmlns:a16="http://schemas.microsoft.com/office/drawing/2014/main" id="{5C118516-E45D-40AA-8D6B-6E79908FD159}"/>
+              </a:ext>
+            </a:extLst>
+          </p:cNvPr>
+          <p:cNvSpPr>
+            <a:spLocks noGrp="1"/>
+          </p:cNvSpPr>
+          <p:nvPr>
+            <p:ph type="sldNum" sz="quarter" idx="12"/>
+          </p:nvPr>
+        </p:nvSpPr>
         <p:spPr>
           <a:xfrm>
-            <a:off x="1153884" y="499654"/>
-            <a:ext cx="7772399" cy="1012371"/>
+            <a:off x="137532" y="6504979"/>
+            <a:ext cx="914400" cy="205345"/>
           </a:xfrm>
         </p:spPr>
         <p:txBody>
           <a:bodyPr/>
           <a:lstStyle/>
           <a:p>
+            <a:fld id="{D52E75EF-0962-46B2-8C21-C0889BAC0DFA}" type="slidenum">
+              <a:rPr lang="ru-RU" noProof="0" smtClean="0">
+                <a:solidFill>
+                  <a:schemeClr val="tx1"/>
+                </a:solidFill>
+              </a:rPr>
+              <a:t>6</a:t>
+            </a:fld>
+            <a:endParaRPr lang="ru-RU" noProof="0" dirty="0">
+              <a:solidFill>
+                <a:schemeClr val="tx1"/>
+              </a:solidFill>
+            </a:endParaRPr>
+          </a:p>
+        </p:txBody>
+      </p:sp>
+      <p:pic>
+        <p:nvPicPr>
+          <p:cNvPr id="8" name="Рисунок 7">
+            <a:extLst>
+              <a:ext uri="{FF2B5EF4-FFF2-40B4-BE49-F238E27FC236}">
+                <a16:creationId xmlns:a16="http://schemas.microsoft.com/office/drawing/2014/main" id="{1C30E966-2DAE-4F72-A8B0-7BA975B96F75}"/>
+              </a:ext>
+            </a:extLst>
+          </p:cNvPr>
+          <p:cNvPicPr>
+            <a:picLocks noChangeAspect="1"/>
+          </p:cNvPicPr>
+          <p:nvPr/>
+        </p:nvPicPr>
+        <p:blipFill>
+          <a:blip r:embed="rId3"/>
+          <a:stretch>
+            <a:fillRect/>
+          </a:stretch>
+        </p:blipFill>
+        <p:spPr>
+          <a:xfrm>
+            <a:off x="0" y="1604748"/>
+            <a:ext cx="12192000" cy="3871528"/>
+          </a:xfrm>
+          <a:prstGeom prst="rect">
+            <a:avLst/>
+          </a:prstGeom>
+        </p:spPr>
+      </p:pic>
+    </p:spTree>
+    <p:extLst>
+      <p:ext uri="{BB962C8B-B14F-4D97-AF65-F5344CB8AC3E}">
+        <p14:creationId xmlns:p14="http://schemas.microsoft.com/office/powerpoint/2010/main" val="1484447565"/>
+      </p:ext>
+    </p:extLst>
+  </p:cSld>
+  <p:clrMapOvr>
+    <a:masterClrMapping/>
+  </p:clrMapOvr>
+  <mc:AlternateContent xmlns:mc="http://schemas.openxmlformats.org/markup-compatibility/2006">
+    <mc:Choice xmlns:p14="http://schemas.microsoft.com/office/powerpoint/2010/main" Requires="p14">
+      <p:transition spd="med" p14:dur="700">
+        <p:fade/>
+      </p:transition>
+    </mc:Choice>
+    <mc:Fallback>
+      <p:transition spd="med">
+        <p:fade/>
+      </p:transition>
+    </mc:Fallback>
+  </mc:AlternateContent>
+</p:sld>
+</file>
+
+<file path=ppt/slides/slide7.xml><?xml version="1.0" encoding="utf-8"?>
+<p:sld xmlns:a="http://schemas.openxmlformats.org/drawingml/2006/main" xmlns:r="http://schemas.openxmlformats.org/officeDocument/2006/relationships" xmlns:p="http://schemas.openxmlformats.org/presentationml/2006/main">
+  <p:cSld>
+    <p:spTree>
+      <p:nvGrpSpPr>
+        <p:cNvPr id="1" name=""/>
+        <p:cNvGrpSpPr/>
+        <p:nvPr/>
+      </p:nvGrpSpPr>
+      <p:grpSpPr>
+        <a:xfrm>
+          <a:off x="0" y="0"/>
+          <a:ext cx="0" cy="0"/>
+          <a:chOff x="0" y="0"/>
+          <a:chExt cx="0" cy="0"/>
+        </a:xfrm>
+      </p:grpSpPr>
+      <p:pic>
+        <p:nvPicPr>
+          <p:cNvPr id="7" name="Рисунок 6">
+            <a:extLst>
+              <a:ext uri="{FF2B5EF4-FFF2-40B4-BE49-F238E27FC236}">
+                <a16:creationId xmlns:a16="http://schemas.microsoft.com/office/drawing/2014/main" id="{D81E10F3-49F7-4592-A387-26C8F788DE7B}"/>
+              </a:ext>
+            </a:extLst>
+          </p:cNvPr>
+          <p:cNvPicPr>
+            <a:picLocks/>
+          </p:cNvPicPr>
+          <p:nvPr/>
+        </p:nvPicPr>
+        <p:blipFill>
+          <a:blip r:embed="rId3">
+            <a:extLst>
+              <a:ext uri="{28A0092B-C50C-407E-A947-70E740481C1C}">
+                <a14:useLocalDpi xmlns:a14="http://schemas.microsoft.com/office/drawing/2010/main" val="0"/>
+              </a:ext>
+            </a:extLst>
+          </a:blip>
+          <a:stretch>
+            <a:fillRect/>
+          </a:stretch>
+        </p:blipFill>
+        <p:spPr>
+          <a:xfrm>
+            <a:off x="0" y="1605776"/>
+            <a:ext cx="12192000" cy="5252223"/>
+          </a:xfrm>
+          <a:prstGeom prst="rect">
+            <a:avLst/>
+          </a:prstGeom>
+        </p:spPr>
+      </p:pic>
+      <p:sp>
+        <p:nvSpPr>
+          <p:cNvPr id="2" name="Заголовок 1"/>
+          <p:cNvSpPr>
+            <a:spLocks noGrp="1"/>
+          </p:cNvSpPr>
+          <p:nvPr>
+            <p:ph type="title"/>
+          </p:nvPr>
+        </p:nvSpPr>
+        <p:spPr/>
+        <p:txBody>
+          <a:bodyPr/>
+          <a:lstStyle/>
+          <a:p>
+            <a:pPr algn="l" defTabSz="914400">
+              <a:lnSpc>
+                <a:spcPct val="90000"/>
+              </a:lnSpc>
+              <a:spcBef>
+                <a:spcPts val="1"/>
+              </a:spcBef>
+              <a:buNone/>
+            </a:pPr>
             <a:r>
               <a:rPr lang="ru-RU" dirty="0"/>
               <a:t>Диаграмма </a:t>
@@ -6805,43 +9446,63 @@
               <a:rPr lang="ru-RU" dirty="0"/>
               <a:t>уровня</a:t>
             </a:r>
+            <a:endParaRPr lang="ru-RU" sz="3200" b="1" i="0" dirty="0">
+              <a:solidFill>
+                <a:schemeClr val="tx1"/>
+              </a:solidFill>
+              <a:latin typeface="Garamond"/>
+              <a:ea typeface="+mj-ea"/>
+              <a:cs typeface="+mj-cs"/>
+            </a:endParaRPr>
           </a:p>
         </p:txBody>
       </p:sp>
       <p:sp>
         <p:nvSpPr>
-          <p:cNvPr id="3" name="Текст 2"/>
+          <p:cNvPr id="3" name="Номер слайда 2">
+            <a:extLst>
+              <a:ext uri="{FF2B5EF4-FFF2-40B4-BE49-F238E27FC236}">
+                <a16:creationId xmlns:a16="http://schemas.microsoft.com/office/drawing/2014/main" id="{5C118516-E45D-40AA-8D6B-6E79908FD159}"/>
+              </a:ext>
+            </a:extLst>
+          </p:cNvPr>
           <p:cNvSpPr>
             <a:spLocks noGrp="1"/>
           </p:cNvSpPr>
           <p:nvPr>
-            <p:ph type="body" idx="1"/>
+            <p:ph type="sldNum" sz="quarter" idx="12"/>
           </p:nvPr>
         </p:nvSpPr>
         <p:spPr>
           <a:xfrm>
-            <a:off x="1523999" y="5116285"/>
-            <a:ext cx="7772400" cy="822960"/>
+            <a:off x="137532" y="6504979"/>
+            <a:ext cx="914400" cy="205345"/>
           </a:xfrm>
         </p:spPr>
         <p:txBody>
           <a:bodyPr/>
           <a:lstStyle/>
           <a:p>
-            <a:r>
-              <a:rPr lang="ru-RU" dirty="0"/>
-              <a:t>Пояснения к диаграмме - УСТНО</a:t>
-            </a:r>
-          </a:p>
-          <a:p>
-            <a:endParaRPr lang="ru-RU" dirty="0"/>
+            <a:fld id="{D52E75EF-0962-46B2-8C21-C0889BAC0DFA}" type="slidenum">
+              <a:rPr lang="ru-RU" noProof="0" smtClean="0">
+                <a:solidFill>
+                  <a:schemeClr val="bg1"/>
+                </a:solidFill>
+              </a:rPr>
+              <a:t>7</a:t>
+            </a:fld>
+            <a:endParaRPr lang="ru-RU" noProof="0" dirty="0">
+              <a:solidFill>
+                <a:schemeClr val="bg1"/>
+              </a:solidFill>
+            </a:endParaRPr>
           </a:p>
         </p:txBody>
       </p:sp>
     </p:spTree>
     <p:extLst>
       <p:ext uri="{BB962C8B-B14F-4D97-AF65-F5344CB8AC3E}">
-        <p14:creationId xmlns:p14="http://schemas.microsoft.com/office/powerpoint/2010/main" val="2297519190"/>
+        <p14:creationId xmlns:p14="http://schemas.microsoft.com/office/powerpoint/2010/main" val="2121619626"/>
       </p:ext>
     </p:extLst>
   </p:cSld>
@@ -6863,7 +9524,7 @@
 </p:sld>
 </file>
 
-<file path=ppt/slides/slide7.xml><?xml version="1.0" encoding="utf-8"?>
+<file path=ppt/slides/slide8.xml><?xml version="1.0" encoding="utf-8"?>
 <p:sld xmlns:a="http://schemas.openxmlformats.org/drawingml/2006/main" xmlns:r="http://schemas.openxmlformats.org/officeDocument/2006/relationships" xmlns:p="http://schemas.openxmlformats.org/presentationml/2006/main">
   <p:cSld>
     <p:spTree>
@@ -7094,29 +9755,104 @@
           <a:p>
             <a:r>
               <a:rPr lang="ru-RU" dirty="0"/>
-              <a:t>Что я сделал(а) (перечень результатов на слайде).</a:t>
+              <a:t>Проанализирована предметная область;</a:t>
             </a:r>
           </a:p>
           <a:p>
             <a:r>
               <a:rPr lang="ru-RU" dirty="0"/>
-              <a:t>Чему я научился(</a:t>
-            </a:r>
-            <a:r>
-              <a:rPr lang="ru-RU" dirty="0" err="1"/>
-              <a:t>лась</a:t>
-            </a:r>
+              <a:t>Выявлен предполагаемый пользователь;</a:t>
+            </a:r>
+          </a:p>
+          <a:p>
             <a:r>
               <a:rPr lang="ru-RU" dirty="0"/>
-              <a:t>) в ходе выполнения КП (устно).</a:t>
-            </a:r>
-            <a:br>
+              <a:t>Выявлены функции пользователя;</a:t>
+            </a:r>
+          </a:p>
+          <a:p>
+            <a:r>
               <a:rPr lang="ru-RU" dirty="0"/>
-            </a:br>
+              <a:t>Определены бизнес-правила;</a:t>
+            </a:r>
+          </a:p>
+          <a:p>
             <a:r>
               <a:rPr lang="ru-RU" dirty="0"/>
-              <a:t>(Но можно и письменно)</a:t>
-            </a:r>
+              <a:t>Собрана и проанализирована информация и входных и выходных документах и сообщениях;</a:t>
+            </a:r>
+          </a:p>
+          <a:p>
+            <a:r>
+              <a:rPr lang="ru-RU" dirty="0"/>
+              <a:t>Определены объекты ПО и связи между ними;</a:t>
+            </a:r>
+          </a:p>
+          <a:p>
+            <a:r>
+              <a:rPr lang="ru-RU" dirty="0"/>
+              <a:t>Спроектированы диаграммы </a:t>
+            </a:r>
+            <a:r>
+              <a:rPr lang="en-US" dirty="0"/>
+              <a:t>ER, KB </a:t>
+            </a:r>
+            <a:r>
+              <a:rPr lang="ru-RU" dirty="0"/>
+              <a:t>и </a:t>
+            </a:r>
+            <a:r>
+              <a:rPr lang="en-US" dirty="0"/>
+              <a:t>FA </a:t>
+            </a:r>
+            <a:r>
+              <a:rPr lang="ru-RU" dirty="0"/>
+              <a:t>уровней;</a:t>
+            </a:r>
+          </a:p>
+          <a:p>
+            <a:r>
+              <a:rPr lang="ru-RU" dirty="0"/>
+              <a:t>Создана модель данных пользователя.</a:t>
+            </a:r>
+          </a:p>
+          <a:p>
+            <a:endParaRPr lang="ru-RU" dirty="0"/>
+          </a:p>
+          <a:p>
+            <a:endParaRPr lang="ru-RU" dirty="0"/>
+          </a:p>
+          <a:p>
+            <a:endParaRPr lang="ru-RU" dirty="0"/>
+          </a:p>
+        </p:txBody>
+      </p:sp>
+      <p:sp>
+        <p:nvSpPr>
+          <p:cNvPr id="4" name="Номер слайда 3">
+            <a:extLst>
+              <a:ext uri="{FF2B5EF4-FFF2-40B4-BE49-F238E27FC236}">
+                <a16:creationId xmlns:a16="http://schemas.microsoft.com/office/drawing/2014/main" id="{2B2DFA1D-0799-4F9E-B710-EDC69E1525DE}"/>
+              </a:ext>
+            </a:extLst>
+          </p:cNvPr>
+          <p:cNvSpPr>
+            <a:spLocks noGrp="1"/>
+          </p:cNvSpPr>
+          <p:nvPr>
+            <p:ph type="sldNum" sz="quarter" idx="12"/>
+          </p:nvPr>
+        </p:nvSpPr>
+        <p:spPr/>
+        <p:txBody>
+          <a:bodyPr/>
+          <a:lstStyle/>
+          <a:p>
+            <a:fld id="{D52E75EF-0962-46B2-8C21-C0889BAC0DFA}" type="slidenum">
+              <a:rPr lang="ru-RU" noProof="0" smtClean="0"/>
+              <a:t>8</a:t>
+            </a:fld>
+            <a:endParaRPr lang="ru-RU" noProof="0" dirty="0"/>
           </a:p>
         </p:txBody>
       </p:sp>
@@ -7749,12 +10485,131 @@
 </file>
 
 <file path=customXml/item1.xml><?xml version="1.0" encoding="utf-8"?>
-<?mso-contentType ?>
-<FormTemplates xmlns="http://schemas.microsoft.com/sharepoint/v3/contenttype/forms">
-  <Display>DocumentLibraryForm</Display>
-  <Edit>AssetEditForm</Edit>
-  <New>DocumentLibraryForm</New>
-</FormTemplates>
+<p:properties xmlns:p="http://schemas.microsoft.com/office/2006/metadata/properties" xmlns:xsi="http://www.w3.org/2001/XMLSchema-instance" xmlns:pc="http://schemas.microsoft.com/office/infopath/2007/PartnerControls">
+  <documentManagement>
+    <DirectSourceMarket xmlns="9d035d7d-02e5-4a00-8b62-9a556aabc7b5">english</DirectSourceMarket>
+    <AssetId xmlns="9d035d7d-02e5-4a00-8b62-9a556aabc7b5">TP103896547</AssetId>
+    <TPFriendlyName xmlns="9d035d7d-02e5-4a00-8b62-9a556aabc7b5" xsi:nil="true"/>
+    <SourceTitle xmlns="9d035d7d-02e5-4a00-8b62-9a556aabc7b5" xsi:nil="true"/>
+    <TPApplication xmlns="9d035d7d-02e5-4a00-8b62-9a556aabc7b5" xsi:nil="true"/>
+    <TPLaunchHelpLink xmlns="9d035d7d-02e5-4a00-8b62-9a556aabc7b5" xsi:nil="true"/>
+    <OpenTemplate xmlns="9d035d7d-02e5-4a00-8b62-9a556aabc7b5">true</OpenTemplate>
+    <CrawlForDependencies xmlns="9d035d7d-02e5-4a00-8b62-9a556aabc7b5">false</CrawlForDependencies>
+    <TrustLevel xmlns="9d035d7d-02e5-4a00-8b62-9a556aabc7b5">1 Microsoft Managed Content</TrustLevel>
+    <FeatureTagsTaxHTField0 xmlns="9d035d7d-02e5-4a00-8b62-9a556aabc7b5">
+      <Terms xmlns="http://schemas.microsoft.com/office/infopath/2007/PartnerControls"/>
+    </FeatureTagsTaxHTField0>
+    <PublishStatusLookup xmlns="9d035d7d-02e5-4a00-8b62-9a556aabc7b5">
+      <Value>488331</Value>
+    </PublishStatusLookup>
+    <LocLastLocAttemptVersionLookup xmlns="9d035d7d-02e5-4a00-8b62-9a556aabc7b5" xsi:nil="true"/>
+    <CampaignTagsTaxHTField0 xmlns="9d035d7d-02e5-4a00-8b62-9a556aabc7b5">
+      <Terms xmlns="http://schemas.microsoft.com/office/infopath/2007/PartnerControls"/>
+    </CampaignTagsTaxHTField0>
+    <IsSearchable xmlns="9d035d7d-02e5-4a00-8b62-9a556aabc7b5">true</IsSearchable>
+    <TPNamespace xmlns="9d035d7d-02e5-4a00-8b62-9a556aabc7b5" xsi:nil="true"/>
+    <TemplateTemplateType xmlns="9d035d7d-02e5-4a00-8b62-9a556aabc7b5">PowerPoint Presentation Template</TemplateTemplateType>
+    <Markets xmlns="9d035d7d-02e5-4a00-8b62-9a556aabc7b5"/>
+    <OriginalSourceMarket xmlns="9d035d7d-02e5-4a00-8b62-9a556aabc7b5">english</OriginalSourceMarket>
+    <TPInstallLocation xmlns="9d035d7d-02e5-4a00-8b62-9a556aabc7b5" xsi:nil="true"/>
+    <LocMarketGroupTiers2 xmlns="9d035d7d-02e5-4a00-8b62-9a556aabc7b5" xsi:nil="true"/>
+    <TPAppVersion xmlns="9d035d7d-02e5-4a00-8b62-9a556aabc7b5" xsi:nil="true"/>
+    <TPCommandLine xmlns="9d035d7d-02e5-4a00-8b62-9a556aabc7b5" xsi:nil="true"/>
+    <APAuthor xmlns="9d035d7d-02e5-4a00-8b62-9a556aabc7b5">
+      <UserInfo>
+        <DisplayName>System Account</DisplayName>
+        <AccountId>1073741823</AccountId>
+        <AccountType/>
+      </UserInfo>
+    </APAuthor>
+    <EditorialStatus xmlns="9d035d7d-02e5-4a00-8b62-9a556aabc7b5">Complete</EditorialStatus>
+    <PublishTargets xmlns="9d035d7d-02e5-4a00-8b62-9a556aabc7b5">OfficeOnlineVNext</PublishTargets>
+    <TPLaunchHelpLinkType xmlns="9d035d7d-02e5-4a00-8b62-9a556aabc7b5">Template</TPLaunchHelpLinkType>
+    <ScenarioTagsTaxHTField0 xmlns="9d035d7d-02e5-4a00-8b62-9a556aabc7b5">
+      <Terms xmlns="http://schemas.microsoft.com/office/infopath/2007/PartnerControls"/>
+    </ScenarioTagsTaxHTField0>
+    <OriginalRelease xmlns="9d035d7d-02e5-4a00-8b62-9a556aabc7b5">15</OriginalRelease>
+    <AssetStart xmlns="9d035d7d-02e5-4a00-8b62-9a556aabc7b5">2012-11-22T07:55:00+00:00</AssetStart>
+    <LocalizationTagsTaxHTField0 xmlns="9d035d7d-02e5-4a00-8b62-9a556aabc7b5">
+      <Terms xmlns="http://schemas.microsoft.com/office/infopath/2007/PartnerControls"/>
+    </LocalizationTagsTaxHTField0>
+    <TPClientViewer xmlns="9d035d7d-02e5-4a00-8b62-9a556aabc7b5" xsi:nil="true"/>
+    <CSXHash xmlns="9d035d7d-02e5-4a00-8b62-9a556aabc7b5" xsi:nil="true"/>
+    <IsDeleted xmlns="9d035d7d-02e5-4a00-8b62-9a556aabc7b5">false</IsDeleted>
+    <ShowIn xmlns="9d035d7d-02e5-4a00-8b62-9a556aabc7b5">Show everywhere</ShowIn>
+    <UANotes xmlns="9d035d7d-02e5-4a00-8b62-9a556aabc7b5" xsi:nil="true"/>
+    <TemplateStatus xmlns="9d035d7d-02e5-4a00-8b62-9a556aabc7b5">Complete</TemplateStatus>
+    <Downloads xmlns="9d035d7d-02e5-4a00-8b62-9a556aabc7b5">0</Downloads>
+    <InternalTagsTaxHTField0 xmlns="9d035d7d-02e5-4a00-8b62-9a556aabc7b5">
+      <Terms xmlns="http://schemas.microsoft.com/office/infopath/2007/PartnerControls"/>
+    </InternalTagsTaxHTField0>
+    <TPExecutable xmlns="9d035d7d-02e5-4a00-8b62-9a556aabc7b5" xsi:nil="true"/>
+    <AssetType xmlns="9d035d7d-02e5-4a00-8b62-9a556aabc7b5">TP</AssetType>
+    <Milestone xmlns="9d035d7d-02e5-4a00-8b62-9a556aabc7b5" xsi:nil="true"/>
+    <OriginAsset xmlns="9d035d7d-02e5-4a00-8b62-9a556aabc7b5" xsi:nil="true"/>
+    <TPComponent xmlns="9d035d7d-02e5-4a00-8b62-9a556aabc7b5" xsi:nil="true"/>
+    <ApprovalStatus xmlns="9d035d7d-02e5-4a00-8b62-9a556aabc7b5">InProgress</ApprovalStatus>
+    <BlockPublish xmlns="9d035d7d-02e5-4a00-8b62-9a556aabc7b5">false</BlockPublish>
+    <EditorialTags xmlns="9d035d7d-02e5-4a00-8b62-9a556aabc7b5" xsi:nil="true"/>
+    <MarketSpecific xmlns="9d035d7d-02e5-4a00-8b62-9a556aabc7b5">false</MarketSpecific>
+    <LocComments xmlns="9d035d7d-02e5-4a00-8b62-9a556aabc7b5" xsi:nil="true"/>
+    <VoteCount xmlns="9d035d7d-02e5-4a00-8b62-9a556aabc7b5" xsi:nil="true"/>
+    <HandoffToMSDN xmlns="9d035d7d-02e5-4a00-8b62-9a556aabc7b5" xsi:nil="true"/>
+    <IntlLangReview xmlns="9d035d7d-02e5-4a00-8b62-9a556aabc7b5">false</IntlLangReview>
+    <NumericId xmlns="9d035d7d-02e5-4a00-8b62-9a556aabc7b5" xsi:nil="true"/>
+    <OOCacheId xmlns="9d035d7d-02e5-4a00-8b62-9a556aabc7b5" xsi:nil="true"/>
+    <ClipArtFilename xmlns="9d035d7d-02e5-4a00-8b62-9a556aabc7b5" xsi:nil="true"/>
+    <LastHandOff xmlns="9d035d7d-02e5-4a00-8b62-9a556aabc7b5" xsi:nil="true"/>
+    <Providers xmlns="9d035d7d-02e5-4a00-8b62-9a556aabc7b5" xsi:nil="true"/>
+    <UALocComments xmlns="9d035d7d-02e5-4a00-8b62-9a556aabc7b5" xsi:nil="true"/>
+    <DSATActionTaken xmlns="9d035d7d-02e5-4a00-8b62-9a556aabc7b5" xsi:nil="true"/>
+    <PolicheckWords xmlns="9d035d7d-02e5-4a00-8b62-9a556aabc7b5" xsi:nil="true"/>
+    <TaxCatchAll xmlns="9d035d7d-02e5-4a00-8b62-9a556aabc7b5"/>
+    <BugNumber xmlns="9d035d7d-02e5-4a00-8b62-9a556aabc7b5" xsi:nil="true"/>
+    <LocRecommendedHandoff xmlns="9d035d7d-02e5-4a00-8b62-9a556aabc7b5" xsi:nil="true"/>
+    <ThumbnailAssetId xmlns="9d035d7d-02e5-4a00-8b62-9a556aabc7b5" xsi:nil="true"/>
+    <UALocRecommendation xmlns="9d035d7d-02e5-4a00-8b62-9a556aabc7b5">Localize</UALocRecommendation>
+    <APEditor xmlns="9d035d7d-02e5-4a00-8b62-9a556aabc7b5">
+      <UserInfo>
+        <DisplayName/>
+        <AccountId xsi:nil="true"/>
+        <AccountType/>
+      </UserInfo>
+    </APEditor>
+    <PrimaryImageGen xmlns="9d035d7d-02e5-4a00-8b62-9a556aabc7b5">false</PrimaryImageGen>
+    <Manager xmlns="9d035d7d-02e5-4a00-8b62-9a556aabc7b5" xsi:nil="true"/>
+    <ParentAssetId xmlns="9d035d7d-02e5-4a00-8b62-9a556aabc7b5" xsi:nil="true"/>
+    <SubmitterId xmlns="9d035d7d-02e5-4a00-8b62-9a556aabc7b5" xsi:nil="true"/>
+    <APDescription xmlns="9d035d7d-02e5-4a00-8b62-9a556aabc7b5" xsi:nil="true"/>
+    <UAProjectedTotalWords xmlns="9d035d7d-02e5-4a00-8b62-9a556aabc7b5" xsi:nil="true"/>
+    <Provider xmlns="9d035d7d-02e5-4a00-8b62-9a556aabc7b5" xsi:nil="true"/>
+    <ApprovalLog xmlns="9d035d7d-02e5-4a00-8b62-9a556aabc7b5" xsi:nil="true"/>
+    <BusinessGroup xmlns="9d035d7d-02e5-4a00-8b62-9a556aabc7b5" xsi:nil="true"/>
+    <RecommendationsModifier xmlns="9d035d7d-02e5-4a00-8b62-9a556aabc7b5" xsi:nil="true"/>
+    <Component xmlns="91e8d559-4d54-460d-ba58-5d5027f88b4d" xsi:nil="true"/>
+    <AcquiredFrom xmlns="9d035d7d-02e5-4a00-8b62-9a556aabc7b5">Internal MS</AcquiredFrom>
+    <CSXSubmissionMarket xmlns="9d035d7d-02e5-4a00-8b62-9a556aabc7b5" xsi:nil="true"/>
+    <ArtSampleDocs xmlns="9d035d7d-02e5-4a00-8b62-9a556aabc7b5" xsi:nil="true"/>
+    <IntlLangReviewDate xmlns="9d035d7d-02e5-4a00-8b62-9a556aabc7b5" xsi:nil="true"/>
+    <AverageRating xmlns="9d035d7d-02e5-4a00-8b62-9a556aabc7b5" xsi:nil="true"/>
+    <FriendlyTitle xmlns="9d035d7d-02e5-4a00-8b62-9a556aabc7b5" xsi:nil="true"/>
+    <LastModifiedDateTime xmlns="9d035d7d-02e5-4a00-8b62-9a556aabc7b5" xsi:nil="true"/>
+    <LegacyData xmlns="9d035d7d-02e5-4a00-8b62-9a556aabc7b5" xsi:nil="true"/>
+    <LocManualTestRequired xmlns="9d035d7d-02e5-4a00-8b62-9a556aabc7b5">false</LocManualTestRequired>
+    <TimesCloned xmlns="9d035d7d-02e5-4a00-8b62-9a556aabc7b5" xsi:nil="true"/>
+    <ContentItem xmlns="9d035d7d-02e5-4a00-8b62-9a556aabc7b5" xsi:nil="true"/>
+    <UACurrentWords xmlns="9d035d7d-02e5-4a00-8b62-9a556aabc7b5" xsi:nil="true"/>
+    <AssetExpire xmlns="9d035d7d-02e5-4a00-8b62-9a556aabc7b5">2029-01-01T00:00:00+00:00</AssetExpire>
+    <MachineTranslated xmlns="9d035d7d-02e5-4a00-8b62-9a556aabc7b5">false</MachineTranslated>
+    <OutputCachingOn xmlns="9d035d7d-02e5-4a00-8b62-9a556aabc7b5">false</OutputCachingOn>
+    <PlannedPubDate xmlns="9d035d7d-02e5-4a00-8b62-9a556aabc7b5" xsi:nil="true"/>
+    <Description0 xmlns="91e8d559-4d54-460d-ba58-5d5027f88b4d" xsi:nil="true"/>
+    <CSXUpdate xmlns="9d035d7d-02e5-4a00-8b62-9a556aabc7b5">false</CSXUpdate>
+    <IntlLangReviewer xmlns="9d035d7d-02e5-4a00-8b62-9a556aabc7b5" xsi:nil="true"/>
+    <IntlLocPriority xmlns="9d035d7d-02e5-4a00-8b62-9a556aabc7b5" xsi:nil="true"/>
+    <CSXSubmissionDate xmlns="9d035d7d-02e5-4a00-8b62-9a556aabc7b5" xsi:nil="true"/>
+  </documentManagement>
+</p:properties>
 </file>
 
 <file path=customXml/item2.xml><?xml version="1.0" encoding="utf-8"?>
@@ -8817,137 +11672,21 @@
 </file>
 
 <file path=customXml/item3.xml><?xml version="1.0" encoding="utf-8"?>
-<p:properties xmlns:p="http://schemas.microsoft.com/office/2006/metadata/properties" xmlns:xsi="http://www.w3.org/2001/XMLSchema-instance" xmlns:pc="http://schemas.microsoft.com/office/infopath/2007/PartnerControls">
-  <documentManagement>
-    <DirectSourceMarket xmlns="9d035d7d-02e5-4a00-8b62-9a556aabc7b5">english</DirectSourceMarket>
-    <AssetId xmlns="9d035d7d-02e5-4a00-8b62-9a556aabc7b5">TP103896547</AssetId>
-    <TPFriendlyName xmlns="9d035d7d-02e5-4a00-8b62-9a556aabc7b5" xsi:nil="true"/>
-    <SourceTitle xmlns="9d035d7d-02e5-4a00-8b62-9a556aabc7b5" xsi:nil="true"/>
-    <TPApplication xmlns="9d035d7d-02e5-4a00-8b62-9a556aabc7b5" xsi:nil="true"/>
-    <TPLaunchHelpLink xmlns="9d035d7d-02e5-4a00-8b62-9a556aabc7b5" xsi:nil="true"/>
-    <OpenTemplate xmlns="9d035d7d-02e5-4a00-8b62-9a556aabc7b5">true</OpenTemplate>
-    <CrawlForDependencies xmlns="9d035d7d-02e5-4a00-8b62-9a556aabc7b5">false</CrawlForDependencies>
-    <TrustLevel xmlns="9d035d7d-02e5-4a00-8b62-9a556aabc7b5">1 Microsoft Managed Content</TrustLevel>
-    <FeatureTagsTaxHTField0 xmlns="9d035d7d-02e5-4a00-8b62-9a556aabc7b5">
-      <Terms xmlns="http://schemas.microsoft.com/office/infopath/2007/PartnerControls"/>
-    </FeatureTagsTaxHTField0>
-    <PublishStatusLookup xmlns="9d035d7d-02e5-4a00-8b62-9a556aabc7b5">
-      <Value>488331</Value>
-    </PublishStatusLookup>
-    <LocLastLocAttemptVersionLookup xmlns="9d035d7d-02e5-4a00-8b62-9a556aabc7b5" xsi:nil="true"/>
-    <CampaignTagsTaxHTField0 xmlns="9d035d7d-02e5-4a00-8b62-9a556aabc7b5">
-      <Terms xmlns="http://schemas.microsoft.com/office/infopath/2007/PartnerControls"/>
-    </CampaignTagsTaxHTField0>
-    <IsSearchable xmlns="9d035d7d-02e5-4a00-8b62-9a556aabc7b5">true</IsSearchable>
-    <TPNamespace xmlns="9d035d7d-02e5-4a00-8b62-9a556aabc7b5" xsi:nil="true"/>
-    <TemplateTemplateType xmlns="9d035d7d-02e5-4a00-8b62-9a556aabc7b5">PowerPoint Presentation Template</TemplateTemplateType>
-    <Markets xmlns="9d035d7d-02e5-4a00-8b62-9a556aabc7b5"/>
-    <OriginalSourceMarket xmlns="9d035d7d-02e5-4a00-8b62-9a556aabc7b5">english</OriginalSourceMarket>
-    <TPInstallLocation xmlns="9d035d7d-02e5-4a00-8b62-9a556aabc7b5" xsi:nil="true"/>
-    <LocMarketGroupTiers2 xmlns="9d035d7d-02e5-4a00-8b62-9a556aabc7b5" xsi:nil="true"/>
-    <TPAppVersion xmlns="9d035d7d-02e5-4a00-8b62-9a556aabc7b5" xsi:nil="true"/>
-    <TPCommandLine xmlns="9d035d7d-02e5-4a00-8b62-9a556aabc7b5" xsi:nil="true"/>
-    <APAuthor xmlns="9d035d7d-02e5-4a00-8b62-9a556aabc7b5">
-      <UserInfo>
-        <DisplayName>System Account</DisplayName>
-        <AccountId>1073741823</AccountId>
-        <AccountType/>
-      </UserInfo>
-    </APAuthor>
-    <EditorialStatus xmlns="9d035d7d-02e5-4a00-8b62-9a556aabc7b5">Complete</EditorialStatus>
-    <PublishTargets xmlns="9d035d7d-02e5-4a00-8b62-9a556aabc7b5">OfficeOnlineVNext</PublishTargets>
-    <TPLaunchHelpLinkType xmlns="9d035d7d-02e5-4a00-8b62-9a556aabc7b5">Template</TPLaunchHelpLinkType>
-    <ScenarioTagsTaxHTField0 xmlns="9d035d7d-02e5-4a00-8b62-9a556aabc7b5">
-      <Terms xmlns="http://schemas.microsoft.com/office/infopath/2007/PartnerControls"/>
-    </ScenarioTagsTaxHTField0>
-    <OriginalRelease xmlns="9d035d7d-02e5-4a00-8b62-9a556aabc7b5">15</OriginalRelease>
-    <AssetStart xmlns="9d035d7d-02e5-4a00-8b62-9a556aabc7b5">2012-11-22T07:55:00+00:00</AssetStart>
-    <LocalizationTagsTaxHTField0 xmlns="9d035d7d-02e5-4a00-8b62-9a556aabc7b5">
-      <Terms xmlns="http://schemas.microsoft.com/office/infopath/2007/PartnerControls"/>
-    </LocalizationTagsTaxHTField0>
-    <TPClientViewer xmlns="9d035d7d-02e5-4a00-8b62-9a556aabc7b5" xsi:nil="true"/>
-    <CSXHash xmlns="9d035d7d-02e5-4a00-8b62-9a556aabc7b5" xsi:nil="true"/>
-    <IsDeleted xmlns="9d035d7d-02e5-4a00-8b62-9a556aabc7b5">false</IsDeleted>
-    <ShowIn xmlns="9d035d7d-02e5-4a00-8b62-9a556aabc7b5">Show everywhere</ShowIn>
-    <UANotes xmlns="9d035d7d-02e5-4a00-8b62-9a556aabc7b5" xsi:nil="true"/>
-    <TemplateStatus xmlns="9d035d7d-02e5-4a00-8b62-9a556aabc7b5">Complete</TemplateStatus>
-    <Downloads xmlns="9d035d7d-02e5-4a00-8b62-9a556aabc7b5">0</Downloads>
-    <InternalTagsTaxHTField0 xmlns="9d035d7d-02e5-4a00-8b62-9a556aabc7b5">
-      <Terms xmlns="http://schemas.microsoft.com/office/infopath/2007/PartnerControls"/>
-    </InternalTagsTaxHTField0>
-    <TPExecutable xmlns="9d035d7d-02e5-4a00-8b62-9a556aabc7b5" xsi:nil="true"/>
-    <AssetType xmlns="9d035d7d-02e5-4a00-8b62-9a556aabc7b5">TP</AssetType>
-    <Milestone xmlns="9d035d7d-02e5-4a00-8b62-9a556aabc7b5" xsi:nil="true"/>
-    <OriginAsset xmlns="9d035d7d-02e5-4a00-8b62-9a556aabc7b5" xsi:nil="true"/>
-    <TPComponent xmlns="9d035d7d-02e5-4a00-8b62-9a556aabc7b5" xsi:nil="true"/>
-    <ApprovalStatus xmlns="9d035d7d-02e5-4a00-8b62-9a556aabc7b5">InProgress</ApprovalStatus>
-    <BlockPublish xmlns="9d035d7d-02e5-4a00-8b62-9a556aabc7b5">false</BlockPublish>
-    <EditorialTags xmlns="9d035d7d-02e5-4a00-8b62-9a556aabc7b5" xsi:nil="true"/>
-    <MarketSpecific xmlns="9d035d7d-02e5-4a00-8b62-9a556aabc7b5">false</MarketSpecific>
-    <LocComments xmlns="9d035d7d-02e5-4a00-8b62-9a556aabc7b5" xsi:nil="true"/>
-    <VoteCount xmlns="9d035d7d-02e5-4a00-8b62-9a556aabc7b5" xsi:nil="true"/>
-    <HandoffToMSDN xmlns="9d035d7d-02e5-4a00-8b62-9a556aabc7b5" xsi:nil="true"/>
-    <IntlLangReview xmlns="9d035d7d-02e5-4a00-8b62-9a556aabc7b5">false</IntlLangReview>
-    <NumericId xmlns="9d035d7d-02e5-4a00-8b62-9a556aabc7b5" xsi:nil="true"/>
-    <OOCacheId xmlns="9d035d7d-02e5-4a00-8b62-9a556aabc7b5" xsi:nil="true"/>
-    <ClipArtFilename xmlns="9d035d7d-02e5-4a00-8b62-9a556aabc7b5" xsi:nil="true"/>
-    <LastHandOff xmlns="9d035d7d-02e5-4a00-8b62-9a556aabc7b5" xsi:nil="true"/>
-    <Providers xmlns="9d035d7d-02e5-4a00-8b62-9a556aabc7b5" xsi:nil="true"/>
-    <UALocComments xmlns="9d035d7d-02e5-4a00-8b62-9a556aabc7b5" xsi:nil="true"/>
-    <DSATActionTaken xmlns="9d035d7d-02e5-4a00-8b62-9a556aabc7b5" xsi:nil="true"/>
-    <PolicheckWords xmlns="9d035d7d-02e5-4a00-8b62-9a556aabc7b5" xsi:nil="true"/>
-    <TaxCatchAll xmlns="9d035d7d-02e5-4a00-8b62-9a556aabc7b5"/>
-    <BugNumber xmlns="9d035d7d-02e5-4a00-8b62-9a556aabc7b5" xsi:nil="true"/>
-    <LocRecommendedHandoff xmlns="9d035d7d-02e5-4a00-8b62-9a556aabc7b5" xsi:nil="true"/>
-    <ThumbnailAssetId xmlns="9d035d7d-02e5-4a00-8b62-9a556aabc7b5" xsi:nil="true"/>
-    <UALocRecommendation xmlns="9d035d7d-02e5-4a00-8b62-9a556aabc7b5">Localize</UALocRecommendation>
-    <APEditor xmlns="9d035d7d-02e5-4a00-8b62-9a556aabc7b5">
-      <UserInfo>
-        <DisplayName/>
-        <AccountId xsi:nil="true"/>
-        <AccountType/>
-      </UserInfo>
-    </APEditor>
-    <PrimaryImageGen xmlns="9d035d7d-02e5-4a00-8b62-9a556aabc7b5">false</PrimaryImageGen>
-    <Manager xmlns="9d035d7d-02e5-4a00-8b62-9a556aabc7b5" xsi:nil="true"/>
-    <ParentAssetId xmlns="9d035d7d-02e5-4a00-8b62-9a556aabc7b5" xsi:nil="true"/>
-    <SubmitterId xmlns="9d035d7d-02e5-4a00-8b62-9a556aabc7b5" xsi:nil="true"/>
-    <APDescription xmlns="9d035d7d-02e5-4a00-8b62-9a556aabc7b5" xsi:nil="true"/>
-    <UAProjectedTotalWords xmlns="9d035d7d-02e5-4a00-8b62-9a556aabc7b5" xsi:nil="true"/>
-    <Provider xmlns="9d035d7d-02e5-4a00-8b62-9a556aabc7b5" xsi:nil="true"/>
-    <ApprovalLog xmlns="9d035d7d-02e5-4a00-8b62-9a556aabc7b5" xsi:nil="true"/>
-    <BusinessGroup xmlns="9d035d7d-02e5-4a00-8b62-9a556aabc7b5" xsi:nil="true"/>
-    <RecommendationsModifier xmlns="9d035d7d-02e5-4a00-8b62-9a556aabc7b5" xsi:nil="true"/>
-    <Component xmlns="91e8d559-4d54-460d-ba58-5d5027f88b4d" xsi:nil="true"/>
-    <AcquiredFrom xmlns="9d035d7d-02e5-4a00-8b62-9a556aabc7b5">Internal MS</AcquiredFrom>
-    <CSXSubmissionMarket xmlns="9d035d7d-02e5-4a00-8b62-9a556aabc7b5" xsi:nil="true"/>
-    <ArtSampleDocs xmlns="9d035d7d-02e5-4a00-8b62-9a556aabc7b5" xsi:nil="true"/>
-    <IntlLangReviewDate xmlns="9d035d7d-02e5-4a00-8b62-9a556aabc7b5" xsi:nil="true"/>
-    <AverageRating xmlns="9d035d7d-02e5-4a00-8b62-9a556aabc7b5" xsi:nil="true"/>
-    <FriendlyTitle xmlns="9d035d7d-02e5-4a00-8b62-9a556aabc7b5" xsi:nil="true"/>
-    <LastModifiedDateTime xmlns="9d035d7d-02e5-4a00-8b62-9a556aabc7b5" xsi:nil="true"/>
-    <LegacyData xmlns="9d035d7d-02e5-4a00-8b62-9a556aabc7b5" xsi:nil="true"/>
-    <LocManualTestRequired xmlns="9d035d7d-02e5-4a00-8b62-9a556aabc7b5">false</LocManualTestRequired>
-    <TimesCloned xmlns="9d035d7d-02e5-4a00-8b62-9a556aabc7b5" xsi:nil="true"/>
-    <ContentItem xmlns="9d035d7d-02e5-4a00-8b62-9a556aabc7b5" xsi:nil="true"/>
-    <UACurrentWords xmlns="9d035d7d-02e5-4a00-8b62-9a556aabc7b5" xsi:nil="true"/>
-    <AssetExpire xmlns="9d035d7d-02e5-4a00-8b62-9a556aabc7b5">2029-01-01T00:00:00+00:00</AssetExpire>
-    <MachineTranslated xmlns="9d035d7d-02e5-4a00-8b62-9a556aabc7b5">false</MachineTranslated>
-    <OutputCachingOn xmlns="9d035d7d-02e5-4a00-8b62-9a556aabc7b5">false</OutputCachingOn>
-    <PlannedPubDate xmlns="9d035d7d-02e5-4a00-8b62-9a556aabc7b5" xsi:nil="true"/>
-    <Description0 xmlns="91e8d559-4d54-460d-ba58-5d5027f88b4d" xsi:nil="true"/>
-    <CSXUpdate xmlns="9d035d7d-02e5-4a00-8b62-9a556aabc7b5">false</CSXUpdate>
-    <IntlLangReviewer xmlns="9d035d7d-02e5-4a00-8b62-9a556aabc7b5" xsi:nil="true"/>
-    <IntlLocPriority xmlns="9d035d7d-02e5-4a00-8b62-9a556aabc7b5" xsi:nil="true"/>
-    <CSXSubmissionDate xmlns="9d035d7d-02e5-4a00-8b62-9a556aabc7b5" xsi:nil="true"/>
-  </documentManagement>
-</p:properties>
+<?mso-contentType ?>
+<FormTemplates xmlns="http://schemas.microsoft.com/sharepoint/v3/contenttype/forms">
+  <Display>DocumentLibraryForm</Display>
+  <Edit>AssetEditForm</Edit>
+  <New>DocumentLibraryForm</New>
+</FormTemplates>
 </file>
 
 <file path=customXml/itemProps1.xml><?xml version="1.0" encoding="utf-8"?>
-<ds:datastoreItem xmlns:ds="http://schemas.openxmlformats.org/officeDocument/2006/customXml" ds:itemID="{434E3DA7-0DFA-4BD3-BB8A-18E58D1B0DB1}">
+<ds:datastoreItem xmlns:ds="http://schemas.openxmlformats.org/officeDocument/2006/customXml" ds:itemID="{ADDEBFBB-03C0-4D8C-ADFF-0CE8FE71CAE2}">
   <ds:schemaRefs>
-    <ds:schemaRef ds:uri="http://schemas.microsoft.com/sharepoint/v3/contenttype/forms"/>
+    <ds:schemaRef ds:uri="http://schemas.microsoft.com/office/2006/metadata/properties"/>
+    <ds:schemaRef ds:uri="http://schemas.microsoft.com/office/infopath/2007/PartnerControls"/>
+    <ds:schemaRef ds:uri="9d035d7d-02e5-4a00-8b62-9a556aabc7b5"/>
+    <ds:schemaRef ds:uri="91e8d559-4d54-460d-ba58-5d5027f88b4d"/>
   </ds:schemaRefs>
 </ds:datastoreItem>
 </file>
@@ -8972,12 +11711,9 @@
 </file>
 
 <file path=customXml/itemProps3.xml><?xml version="1.0" encoding="utf-8"?>
-<ds:datastoreItem xmlns:ds="http://schemas.openxmlformats.org/officeDocument/2006/customXml" ds:itemID="{ADDEBFBB-03C0-4D8C-ADFF-0CE8FE71CAE2}">
+<ds:datastoreItem xmlns:ds="http://schemas.openxmlformats.org/officeDocument/2006/customXml" ds:itemID="{434E3DA7-0DFA-4BD3-BB8A-18E58D1B0DB1}">
   <ds:schemaRefs>
-    <ds:schemaRef ds:uri="http://schemas.microsoft.com/office/2006/metadata/properties"/>
-    <ds:schemaRef ds:uri="http://schemas.microsoft.com/office/infopath/2007/PartnerControls"/>
-    <ds:schemaRef ds:uri="9d035d7d-02e5-4a00-8b62-9a556aabc7b5"/>
-    <ds:schemaRef ds:uri="91e8d559-4d54-460d-ba58-5d5027f88b4d"/>
+    <ds:schemaRef ds:uri="http://schemas.microsoft.com/sharepoint/v3/contenttype/forms"/>
   </ds:schemaRefs>
 </ds:datastoreItem>
 </file>
--- a/3_курс/6_semester/Базы_Данных/Курсовая/Защита.pptx
+++ b/3_курс/6_semester/Базы_Данных/Курсовая/Защита.pptx
@@ -7367,6 +7367,42 @@
           <a:chExt cx="0" cy="0"/>
         </a:xfrm>
       </p:grpSpPr>
+      <p:pic>
+        <p:nvPicPr>
+          <p:cNvPr id="10" name="Рисунок 9">
+            <a:extLst>
+              <a:ext uri="{FF2B5EF4-FFF2-40B4-BE49-F238E27FC236}">
+                <a16:creationId xmlns:a16="http://schemas.microsoft.com/office/drawing/2014/main" id="{024081B6-375F-44A8-AE02-AFE94CFA539C}"/>
+              </a:ext>
+            </a:extLst>
+          </p:cNvPr>
+          <p:cNvPicPr>
+            <a:picLocks noChangeAspect="1"/>
+          </p:cNvPicPr>
+          <p:nvPr/>
+        </p:nvPicPr>
+        <p:blipFill>
+          <a:blip r:embed="rId3">
+            <a:extLst>
+              <a:ext uri="{28A0092B-C50C-407E-A947-70E740481C1C}">
+                <a14:useLocalDpi xmlns:a14="http://schemas.microsoft.com/office/drawing/2010/main" val="0"/>
+              </a:ext>
+            </a:extLst>
+          </a:blip>
+          <a:stretch>
+            <a:fillRect/>
+          </a:stretch>
+        </p:blipFill>
+        <p:spPr>
+          <a:xfrm>
+            <a:off x="0" y="0"/>
+            <a:ext cx="12192000" cy="6858000"/>
+          </a:xfrm>
+          <a:prstGeom prst="rect">
+            <a:avLst/>
+          </a:prstGeom>
+        </p:spPr>
+      </p:pic>
       <p:sp>
         <p:nvSpPr>
           <p:cNvPr id="2" name="Заголовок 1"/>
@@ -7393,7 +7429,7 @@
             <a:r>
               <a:rPr lang="ru-RU" sz="2800" b="1" i="0" dirty="0">
                 <a:solidFill>
-                  <a:schemeClr val="tx1"/>
+                  <a:schemeClr val="bg1"/>
                 </a:solidFill>
                 <a:latin typeface="Garamond"/>
                 <a:ea typeface="+mj-ea"/>
@@ -7430,7 +7466,11 @@
               <a:buNone/>
             </a:pPr>
             <a:r>
-              <a:rPr lang="ru-RU" dirty="0"/>
+              <a:rPr lang="ru-RU" dirty="0">
+                <a:solidFill>
+                  <a:schemeClr val="bg1"/>
+                </a:solidFill>
+              </a:rPr>
               <a:t>Подготовила студентка гр. 430-2 Лузинсан А.А.</a:t>
             </a:r>
           </a:p>
@@ -7439,12 +7479,52 @@
               <a:buNone/>
             </a:pPr>
             <a:r>
-              <a:rPr lang="ru-RU" sz="2200" b="0" i="0" dirty="0"/>
+              <a:rPr lang="ru-RU" sz="2200" b="0" i="0" dirty="0">
+                <a:solidFill>
+                  <a:schemeClr val="bg1"/>
+                </a:solidFill>
+              </a:rPr>
               <a:t>Руководитель: доцент каф. АСУ, к.т.н. Сибилёв В.Д.</a:t>
             </a:r>
           </a:p>
         </p:txBody>
       </p:sp>
+      <p:cxnSp>
+        <p:nvCxnSpPr>
+          <p:cNvPr id="9" name="Прямая соединительная линия 8">
+            <a:extLst>
+              <a:ext uri="{FF2B5EF4-FFF2-40B4-BE49-F238E27FC236}">
+                <a16:creationId xmlns:a16="http://schemas.microsoft.com/office/drawing/2014/main" id="{83237BD6-D305-4597-B4A8-2FDE5F9AB024}"/>
+              </a:ext>
+            </a:extLst>
+          </p:cNvPr>
+          <p:cNvCxnSpPr/>
+          <p:nvPr/>
+        </p:nvCxnSpPr>
+        <p:spPr>
+          <a:xfrm>
+            <a:off x="6182139" y="4853014"/>
+            <a:ext cx="5317435" cy="0"/>
+          </a:xfrm>
+          <a:prstGeom prst="line">
+            <a:avLst/>
+          </a:prstGeom>
+        </p:spPr>
+        <p:style>
+          <a:lnRef idx="1">
+            <a:schemeClr val="accent1"/>
+          </a:lnRef>
+          <a:fillRef idx="0">
+            <a:schemeClr val="accent1"/>
+          </a:fillRef>
+          <a:effectRef idx="0">
+            <a:schemeClr val="accent1"/>
+          </a:effectRef>
+          <a:fontRef idx="minor">
+            <a:schemeClr val="tx1"/>
+          </a:fontRef>
+        </p:style>
+      </p:cxnSp>
     </p:spTree>
     <p:extLst>
       <p:ext uri="{BB962C8B-B14F-4D97-AF65-F5344CB8AC3E}">
@@ -7473,6 +7553,20 @@
 <file path=ppt/slides/slide2.xml><?xml version="1.0" encoding="utf-8"?>
 <p:sld xmlns:a="http://schemas.openxmlformats.org/drawingml/2006/main" xmlns:r="http://schemas.openxmlformats.org/officeDocument/2006/relationships" xmlns:p="http://schemas.openxmlformats.org/presentationml/2006/main">
   <p:cSld>
+    <p:bg>
+      <p:bgPr>
+        <a:blipFill dpi="0" rotWithShape="1">
+          <a:blip r:embed="rId3">
+            <a:lum/>
+          </a:blip>
+          <a:srcRect/>
+          <a:stretch>
+            <a:fillRect/>
+          </a:stretch>
+        </a:blipFill>
+        <a:effectLst/>
+      </p:bgPr>
+    </p:bg>
     <p:spTree>
       <p:nvGrpSpPr>
         <p:cNvPr id="1" name=""/>
@@ -7487,6 +7581,42 @@
           <a:chExt cx="0" cy="0"/>
         </a:xfrm>
       </p:grpSpPr>
+      <p:pic>
+        <p:nvPicPr>
+          <p:cNvPr id="5" name="Рисунок 4">
+            <a:extLst>
+              <a:ext uri="{FF2B5EF4-FFF2-40B4-BE49-F238E27FC236}">
+                <a16:creationId xmlns:a16="http://schemas.microsoft.com/office/drawing/2014/main" id="{A97B8425-1310-4FB0-A818-B954588F4ED6}"/>
+              </a:ext>
+            </a:extLst>
+          </p:cNvPr>
+          <p:cNvPicPr>
+            <a:picLocks noChangeAspect="1"/>
+          </p:cNvPicPr>
+          <p:nvPr/>
+        </p:nvPicPr>
+        <p:blipFill>
+          <a:blip r:embed="rId3">
+            <a:extLst>
+              <a:ext uri="{28A0092B-C50C-407E-A947-70E740481C1C}">
+                <a14:useLocalDpi xmlns:a14="http://schemas.microsoft.com/office/drawing/2010/main" val="0"/>
+              </a:ext>
+            </a:extLst>
+          </a:blip>
+          <a:stretch>
+            <a:fillRect/>
+          </a:stretch>
+        </p:blipFill>
+        <p:spPr>
+          <a:xfrm>
+            <a:off x="0" y="0"/>
+            <a:ext cx="12192000" cy="6858000"/>
+          </a:xfrm>
+          <a:prstGeom prst="rect">
+            <a:avLst/>
+          </a:prstGeom>
+        </p:spPr>
+      </p:pic>
       <p:sp>
         <p:nvSpPr>
           <p:cNvPr id="2" name="Заголовок 1"/>
@@ -7514,7 +7644,7 @@
             <a:r>
               <a:rPr lang="ru-RU" sz="3200" b="1" i="0" dirty="0">
                 <a:solidFill>
-                  <a:schemeClr val="tx1"/>
+                  <a:schemeClr val="bg1"/>
                 </a:solidFill>
                 <a:latin typeface="Garamond"/>
                 <a:ea typeface="+mj-ea"/>
@@ -7726,6 +7856,9 @@
             </a:pPr>
             <a:r>
               <a:rPr lang="ru-RU" sz="2400" dirty="0">
+                <a:solidFill>
+                  <a:schemeClr val="bg1"/>
+                </a:solidFill>
                 <a:latin typeface="Calibri"/>
               </a:rPr>
               <a:t>Пользователь участвует в формировании:</a:t>
@@ -7741,6 +7874,9 @@
             </a:pPr>
             <a:r>
               <a:rPr lang="ru-RU" sz="2400" dirty="0">
+                <a:solidFill>
+                  <a:schemeClr val="bg1"/>
+                </a:solidFill>
                 <a:latin typeface="Calibri"/>
               </a:rPr>
               <a:t>Состава коллектива.</a:t>
@@ -7756,6 +7892,9 @@
             </a:pPr>
             <a:r>
               <a:rPr lang="ru-RU" sz="2400" dirty="0">
+                <a:solidFill>
+                  <a:schemeClr val="bg1"/>
+                </a:solidFill>
                 <a:latin typeface="Calibri"/>
               </a:rPr>
               <a:t>Музыкального ансамбля.</a:t>
@@ -7771,6 +7910,9 @@
             </a:pPr>
             <a:r>
               <a:rPr lang="ru-RU" sz="2400" dirty="0">
+                <a:solidFill>
+                  <a:schemeClr val="bg1"/>
+                </a:solidFill>
                 <a:latin typeface="Calibri"/>
               </a:rPr>
               <a:t> Музыкальной секции.</a:t>
@@ -7786,6 +7928,9 @@
             </a:pPr>
             <a:r>
               <a:rPr lang="ru-RU" sz="2400" dirty="0">
+                <a:solidFill>
+                  <a:schemeClr val="bg1"/>
+                </a:solidFill>
                 <a:latin typeface="Calibri"/>
               </a:rPr>
               <a:t>Репертуара коллектива.</a:t>
@@ -7801,6 +7946,9 @@
             </a:pPr>
             <a:r>
               <a:rPr lang="ru-RU" sz="2400" dirty="0">
+                <a:solidFill>
+                  <a:schemeClr val="bg1"/>
+                </a:solidFill>
                 <a:latin typeface="Calibri"/>
               </a:rPr>
               <a:t>Состава музыкальных инструментов.</a:t>
@@ -7816,6 +7964,9 @@
             </a:pPr>
             <a:r>
               <a:rPr lang="ru-RU" sz="2400" dirty="0">
+                <a:solidFill>
+                  <a:schemeClr val="bg1"/>
+                </a:solidFill>
                 <a:latin typeface="Calibri"/>
               </a:rPr>
               <a:t>Расписания репетиций музыкальных секций.</a:t>
@@ -7831,6 +7982,9 @@
             </a:pPr>
             <a:r>
               <a:rPr lang="ru-RU" sz="2400" dirty="0">
+                <a:solidFill>
+                  <a:schemeClr val="bg1"/>
+                </a:solidFill>
                 <a:latin typeface="Calibri"/>
               </a:rPr>
               <a:t>Перечня мероприятий музыкальных ансамблей.</a:t>
@@ -7846,6 +8000,9 @@
             </a:pPr>
             <a:r>
               <a:rPr lang="ru-RU" sz="2400" dirty="0">
+                <a:solidFill>
+                  <a:schemeClr val="bg1"/>
+                </a:solidFill>
                 <a:latin typeface="Calibri"/>
               </a:rPr>
               <a:t>Перечня выступлений музыкальных ансамблей.</a:t>
@@ -7924,6 +8081,42 @@
           <a:chExt cx="0" cy="0"/>
         </a:xfrm>
       </p:grpSpPr>
+      <p:pic>
+        <p:nvPicPr>
+          <p:cNvPr id="5" name="Рисунок 4">
+            <a:extLst>
+              <a:ext uri="{FF2B5EF4-FFF2-40B4-BE49-F238E27FC236}">
+                <a16:creationId xmlns:a16="http://schemas.microsoft.com/office/drawing/2014/main" id="{0405F037-3EA2-473E-82E8-B6A79937A8FD}"/>
+              </a:ext>
+            </a:extLst>
+          </p:cNvPr>
+          <p:cNvPicPr>
+            <a:picLocks noChangeAspect="1"/>
+          </p:cNvPicPr>
+          <p:nvPr/>
+        </p:nvPicPr>
+        <p:blipFill>
+          <a:blip r:embed="rId3">
+            <a:extLst>
+              <a:ext uri="{28A0092B-C50C-407E-A947-70E740481C1C}">
+                <a14:useLocalDpi xmlns:a14="http://schemas.microsoft.com/office/drawing/2010/main" val="0"/>
+              </a:ext>
+            </a:extLst>
+          </a:blip>
+          <a:stretch>
+            <a:fillRect/>
+          </a:stretch>
+        </p:blipFill>
+        <p:spPr>
+          <a:xfrm>
+            <a:off x="0" y="0"/>
+            <a:ext cx="12192000" cy="6858000"/>
+          </a:xfrm>
+          <a:prstGeom prst="rect">
+            <a:avLst/>
+          </a:prstGeom>
+        </p:spPr>
+      </p:pic>
       <p:sp>
         <p:nvSpPr>
           <p:cNvPr id="2" name="Заголовок 1"/>
@@ -7951,7 +8144,7 @@
             <a:r>
               <a:rPr lang="ru-RU" sz="3200" b="1" i="0" dirty="0">
                 <a:solidFill>
-                  <a:schemeClr val="tx1"/>
+                  <a:schemeClr val="bg1"/>
                 </a:solidFill>
                 <a:latin typeface="Garamond"/>
                 <a:ea typeface="+mj-ea"/>
@@ -8162,7 +8355,11 @@
               <a:buChar char="•"/>
             </a:pPr>
             <a:r>
-              <a:rPr lang="ru-RU" dirty="0"/>
+              <a:rPr lang="ru-RU" dirty="0">
+                <a:solidFill>
+                  <a:schemeClr val="bg1"/>
+                </a:solidFill>
+              </a:rPr>
               <a:t>Цель проекта: автоматизация учёта и обработки информации, связанной с управлением студенческим музыкальным коллективом. </a:t>
             </a:r>
           </a:p>
@@ -8175,7 +8372,11 @@
               <a:buChar char="•"/>
             </a:pPr>
             <a:r>
-              <a:rPr lang="ru-RU" dirty="0"/>
+              <a:rPr lang="ru-RU" dirty="0">
+                <a:solidFill>
+                  <a:schemeClr val="bg1"/>
+                </a:solidFill>
+              </a:rPr>
               <a:t>Точка зрения модели: художественный руководитель студенческого музыкального коллектива.</a:t>
             </a:r>
           </a:p>
@@ -8189,6 +8390,9 @@
             </a:pPr>
             <a:r>
               <a:rPr lang="ru-RU" dirty="0">
+                <a:solidFill>
+                  <a:schemeClr val="bg1"/>
+                </a:solidFill>
                 <a:latin typeface="Calibri"/>
               </a:rPr>
               <a:t>Функции пользователя:</a:t>
@@ -8203,7 +8407,11 @@
               <a:buChar char="•"/>
             </a:pPr>
             <a:r>
-              <a:rPr lang="ru-RU" dirty="0"/>
+              <a:rPr lang="ru-RU" dirty="0">
+                <a:solidFill>
+                  <a:schemeClr val="bg1"/>
+                </a:solidFill>
+              </a:rPr>
               <a:t>Регистрация участника коллектива</a:t>
             </a:r>
           </a:p>
@@ -8216,7 +8424,11 @@
               <a:buChar char="•"/>
             </a:pPr>
             <a:r>
-              <a:rPr lang="ru-RU" dirty="0"/>
+              <a:rPr lang="ru-RU" dirty="0">
+                <a:solidFill>
+                  <a:schemeClr val="bg1"/>
+                </a:solidFill>
+              </a:rPr>
               <a:t>Регистрация музыкального инструмента</a:t>
             </a:r>
           </a:p>
@@ -8229,7 +8441,11 @@
               <a:buChar char="•"/>
             </a:pPr>
             <a:r>
-              <a:rPr lang="ru-RU" dirty="0"/>
+              <a:rPr lang="ru-RU" dirty="0">
+                <a:solidFill>
+                  <a:schemeClr val="bg1"/>
+                </a:solidFill>
+              </a:rPr>
               <a:t>Включение музыкального произведения в репертуар</a:t>
             </a:r>
           </a:p>
@@ -8242,7 +8458,11 @@
               <a:buChar char="•"/>
             </a:pPr>
             <a:r>
-              <a:rPr lang="ru-RU" dirty="0"/>
+              <a:rPr lang="ru-RU" dirty="0">
+                <a:solidFill>
+                  <a:schemeClr val="bg1"/>
+                </a:solidFill>
+              </a:rPr>
               <a:t>Формирование аранжировок музыкального произведения</a:t>
             </a:r>
           </a:p>
@@ -8255,7 +8475,11 @@
               <a:buChar char="•"/>
             </a:pPr>
             <a:r>
-              <a:rPr lang="ru-RU" dirty="0"/>
+              <a:rPr lang="ru-RU" dirty="0">
+                <a:solidFill>
+                  <a:schemeClr val="bg1"/>
+                </a:solidFill>
+              </a:rPr>
               <a:t>Формирование музыкального ансамбля</a:t>
             </a:r>
           </a:p>
@@ -8268,7 +8492,11 @@
               <a:buChar char="•"/>
             </a:pPr>
             <a:r>
-              <a:rPr lang="ru-RU" dirty="0"/>
+              <a:rPr lang="ru-RU" dirty="0">
+                <a:solidFill>
+                  <a:schemeClr val="bg1"/>
+                </a:solidFill>
+              </a:rPr>
               <a:t>Формирование музыкальной секции</a:t>
             </a:r>
           </a:p>
@@ -8281,7 +8509,11 @@
               <a:buChar char="•"/>
             </a:pPr>
             <a:r>
-              <a:rPr lang="ru-RU" dirty="0"/>
+              <a:rPr lang="ru-RU" dirty="0">
+                <a:solidFill>
+                  <a:schemeClr val="bg1"/>
+                </a:solidFill>
+              </a:rPr>
               <a:t>Включение мероприятия в перечень событий </a:t>
             </a:r>
           </a:p>
@@ -8294,7 +8526,11 @@
               <a:buChar char="•"/>
             </a:pPr>
             <a:r>
-              <a:rPr lang="ru-RU" dirty="0"/>
+              <a:rPr lang="ru-RU" dirty="0">
+                <a:solidFill>
+                  <a:schemeClr val="bg1"/>
+                </a:solidFill>
+              </a:rPr>
               <a:t>Генерация отчёта о работе коллектива</a:t>
             </a:r>
           </a:p>
@@ -8307,7 +8543,11 @@
               <a:buChar char="•"/>
             </a:pPr>
             <a:r>
-              <a:rPr lang="ru-RU" dirty="0"/>
+              <a:rPr lang="ru-RU" dirty="0">
+                <a:solidFill>
+                  <a:schemeClr val="bg1"/>
+                </a:solidFill>
+              </a:rPr>
               <a:t>Генерация характеристики-представления </a:t>
             </a:r>
           </a:p>
@@ -8320,6 +8560,9 @@
               <a:buChar char="•"/>
             </a:pPr>
             <a:endParaRPr lang="ru-RU" dirty="0">
+              <a:solidFill>
+                <a:schemeClr val="bg1"/>
+              </a:solidFill>
               <a:latin typeface="Calibri"/>
             </a:endParaRPr>
           </a:p>
@@ -8364,13 +8607,13 @@
   <p:clrMapOvr>
     <a:masterClrMapping/>
   </p:clrMapOvr>
-  <mc:AlternateContent xmlns:mc="http://schemas.openxmlformats.org/markup-compatibility/2006">
-    <mc:Choice xmlns:p14="http://schemas.microsoft.com/office/powerpoint/2010/main" Requires="p14">
+  <mc:AlternateContent xmlns:mc="http://schemas.openxmlformats.org/markup-compatibility/2006" xmlns:p14="http://schemas.microsoft.com/office/powerpoint/2010/main">
+    <mc:Choice Requires="p14">
       <p:transition spd="med" p14:dur="700">
         <p:fade/>
       </p:transition>
     </mc:Choice>
-    <mc:Fallback>
+    <mc:Fallback xmlns="">
       <p:transition spd="med">
         <p:fade/>
       </p:transition>
@@ -8396,6 +8639,42 @@
           <a:chExt cx="0" cy="0"/>
         </a:xfrm>
       </p:grpSpPr>
+      <p:pic>
+        <p:nvPicPr>
+          <p:cNvPr id="6" name="Рисунок 5">
+            <a:extLst>
+              <a:ext uri="{FF2B5EF4-FFF2-40B4-BE49-F238E27FC236}">
+                <a16:creationId xmlns:a16="http://schemas.microsoft.com/office/drawing/2014/main" id="{B566A674-A7C2-4088-BA91-74C5847B5DB4}"/>
+              </a:ext>
+            </a:extLst>
+          </p:cNvPr>
+          <p:cNvPicPr>
+            <a:picLocks noChangeAspect="1"/>
+          </p:cNvPicPr>
+          <p:nvPr/>
+        </p:nvPicPr>
+        <p:blipFill>
+          <a:blip r:embed="rId3">
+            <a:extLst>
+              <a:ext uri="{28A0092B-C50C-407E-A947-70E740481C1C}">
+                <a14:useLocalDpi xmlns:a14="http://schemas.microsoft.com/office/drawing/2010/main" val="0"/>
+              </a:ext>
+            </a:extLst>
+          </a:blip>
+          <a:stretch>
+            <a:fillRect/>
+          </a:stretch>
+        </p:blipFill>
+        <p:spPr>
+          <a:xfrm>
+            <a:off x="0" y="0"/>
+            <a:ext cx="12192000" cy="6858000"/>
+          </a:xfrm>
+          <a:prstGeom prst="rect">
+            <a:avLst/>
+          </a:prstGeom>
+        </p:spPr>
+      </p:pic>
       <p:sp>
         <p:nvSpPr>
           <p:cNvPr id="2" name="Заголовок 1"/>
@@ -8426,12 +8705,16 @@
               <a:buNone/>
             </a:pPr>
             <a:r>
-              <a:rPr lang="ru-RU" dirty="0"/>
+              <a:rPr lang="ru-RU" dirty="0">
+                <a:solidFill>
+                  <a:schemeClr val="bg1"/>
+                </a:solidFill>
+              </a:rPr>
               <a:t>Объекты ПО</a:t>
             </a:r>
             <a:endParaRPr lang="ru-RU" sz="3200" b="1" i="0" dirty="0">
               <a:solidFill>
-                <a:schemeClr val="tx1"/>
+                <a:schemeClr val="bg1"/>
               </a:solidFill>
               <a:latin typeface="Garamond"/>
               <a:ea typeface="+mj-ea"/>
@@ -8484,7 +8767,7 @@
           <p:nvPr>
             <p:extLst>
               <p:ext uri="{D42A27DB-BD31-4B8C-83A1-F6EECF244321}">
-                <p14:modId xmlns:p14="http://schemas.microsoft.com/office/powerpoint/2010/main" val="1554073441"/>
+                <p14:modId xmlns:p14="http://schemas.microsoft.com/office/powerpoint/2010/main" val="3331537266"/>
               </p:ext>
             </p:extLst>
           </p:nvPr>
@@ -8523,7 +8806,11 @@
                     <a:p>
                       <a:pPr algn="ctr"/>
                       <a:r>
-                        <a:rPr lang="ru-RU" dirty="0"/>
+                        <a:rPr lang="ru-RU" dirty="0">
+                          <a:solidFill>
+                            <a:schemeClr val="bg1"/>
+                          </a:solidFill>
+                        </a:rPr>
                         <a:t>Сущность</a:t>
                       </a:r>
                     </a:p>
@@ -8537,7 +8824,11 @@
                     <a:p>
                       <a:pPr algn="ctr"/>
                       <a:r>
-                        <a:rPr lang="ru-RU" dirty="0"/>
+                        <a:rPr lang="ru-RU" dirty="0">
+                          <a:solidFill>
+                            <a:schemeClr val="bg1"/>
+                          </a:solidFill>
+                        </a:rPr>
                         <a:t>Определение смысла</a:t>
                       </a:r>
                     </a:p>
@@ -8557,7 +8848,11 @@
                     <a:lstStyle/>
                     <a:p>
                       <a:r>
-                        <a:rPr lang="ru-RU" dirty="0"/>
+                        <a:rPr lang="ru-RU" dirty="0">
+                          <a:solidFill>
+                            <a:schemeClr val="bg1"/>
+                          </a:solidFill>
+                        </a:rPr>
                         <a:t>Участник коллектива</a:t>
                       </a:r>
                     </a:p>
@@ -8570,7 +8865,11 @@
                     <a:lstStyle/>
                     <a:p>
                       <a:r>
-                        <a:rPr lang="ru-RU" dirty="0"/>
+                        <a:rPr lang="ru-RU" dirty="0">
+                          <a:solidFill>
+                            <a:schemeClr val="bg1"/>
+                          </a:solidFill>
+                        </a:rPr>
                         <a:t>Студент, вступивший в коллектив</a:t>
                       </a:r>
                     </a:p>
@@ -8590,7 +8889,11 @@
                     <a:lstStyle/>
                     <a:p>
                       <a:r>
-                        <a:rPr lang="ru-RU" dirty="0"/>
+                        <a:rPr lang="ru-RU" dirty="0">
+                          <a:solidFill>
+                            <a:schemeClr val="bg1"/>
+                          </a:solidFill>
+                        </a:rPr>
                         <a:t>Владелец музыкального инструмента</a:t>
                       </a:r>
                     </a:p>
@@ -8603,7 +8906,11 @@
                     <a:lstStyle/>
                     <a:p>
                       <a:r>
-                        <a:rPr lang="ru-RU" dirty="0"/>
+                        <a:rPr lang="ru-RU" dirty="0">
+                          <a:solidFill>
+                            <a:schemeClr val="bg1"/>
+                          </a:solidFill>
+                        </a:rPr>
                         <a:t>Участник коллектива, владеющий навыками игры на инструменте</a:t>
                       </a:r>
                     </a:p>
@@ -8623,7 +8930,11 @@
                     <a:lstStyle/>
                     <a:p>
                       <a:r>
-                        <a:rPr lang="ru-RU" dirty="0"/>
+                        <a:rPr lang="ru-RU" dirty="0">
+                          <a:solidFill>
+                            <a:schemeClr val="bg1"/>
+                          </a:solidFill>
+                        </a:rPr>
                         <a:t>Музыкальный инструмент</a:t>
                       </a:r>
                     </a:p>
@@ -8636,7 +8947,11 @@
                     <a:lstStyle/>
                     <a:p>
                       <a:r>
-                        <a:rPr lang="ru-RU" dirty="0"/>
+                        <a:rPr lang="ru-RU" dirty="0">
+                          <a:solidFill>
+                            <a:schemeClr val="bg1"/>
+                          </a:solidFill>
+                        </a:rPr>
                         <a:t>Набор сведений о музыкальном инструменте</a:t>
                       </a:r>
                     </a:p>
@@ -8656,7 +8971,11 @@
                     <a:lstStyle/>
                     <a:p>
                       <a:r>
-                        <a:rPr lang="ru-RU" dirty="0"/>
+                        <a:rPr lang="ru-RU" dirty="0">
+                          <a:solidFill>
+                            <a:schemeClr val="bg1"/>
+                          </a:solidFill>
+                        </a:rPr>
                         <a:t>Музыкальное произведение</a:t>
                       </a:r>
                     </a:p>
@@ -8669,7 +8988,11 @@
                     <a:lstStyle/>
                     <a:p>
                       <a:r>
-                        <a:rPr lang="ru-RU" dirty="0"/>
+                        <a:rPr lang="ru-RU" dirty="0">
+                          <a:solidFill>
+                            <a:schemeClr val="bg1"/>
+                          </a:solidFill>
+                        </a:rPr>
                         <a:t>Сведения о музыкальной композиции</a:t>
                       </a:r>
                     </a:p>
@@ -8689,7 +9012,11 @@
                     <a:lstStyle/>
                     <a:p>
                       <a:r>
-                        <a:rPr lang="ru-RU" dirty="0"/>
+                        <a:rPr lang="ru-RU" dirty="0">
+                          <a:solidFill>
+                            <a:schemeClr val="bg1"/>
+                          </a:solidFill>
+                        </a:rPr>
                         <a:t>Аранжировка</a:t>
                       </a:r>
                     </a:p>
@@ -8702,7 +9029,11 @@
                     <a:lstStyle/>
                     <a:p>
                       <a:r>
-                        <a:rPr lang="ru-RU" dirty="0"/>
+                        <a:rPr lang="ru-RU" dirty="0">
+                          <a:solidFill>
+                            <a:schemeClr val="bg1"/>
+                          </a:solidFill>
+                        </a:rPr>
                         <a:t>Адаптированная под коллектив версия музыкального произведения</a:t>
                       </a:r>
                     </a:p>
@@ -8722,7 +9053,11 @@
                     <a:lstStyle/>
                     <a:p>
                       <a:r>
-                        <a:rPr lang="ru-RU" dirty="0"/>
+                        <a:rPr lang="ru-RU" dirty="0">
+                          <a:solidFill>
+                            <a:schemeClr val="bg1"/>
+                          </a:solidFill>
+                        </a:rPr>
                         <a:t>Музыкальный ансамбль</a:t>
                       </a:r>
                     </a:p>
@@ -8735,7 +9070,11 @@
                     <a:lstStyle/>
                     <a:p>
                       <a:r>
-                        <a:rPr lang="ru-RU" dirty="0"/>
+                        <a:rPr lang="ru-RU" dirty="0">
+                          <a:solidFill>
+                            <a:schemeClr val="bg1"/>
+                          </a:solidFill>
+                        </a:rPr>
                         <a:t>Совокупность участников коллектива для выступлений на мероприятиях</a:t>
                       </a:r>
                     </a:p>
@@ -8755,7 +9094,11 @@
                     <a:lstStyle/>
                     <a:p>
                       <a:r>
-                        <a:rPr lang="ru-RU" dirty="0"/>
+                        <a:rPr lang="ru-RU" dirty="0">
+                          <a:solidFill>
+                            <a:schemeClr val="bg1"/>
+                          </a:solidFill>
+                        </a:rPr>
                         <a:t>Участник музыкального ансамбля</a:t>
                       </a:r>
                     </a:p>
@@ -8768,7 +9111,11 @@
                     <a:lstStyle/>
                     <a:p>
                       <a:r>
-                        <a:rPr lang="ru-RU" dirty="0"/>
+                        <a:rPr lang="ru-RU" dirty="0">
+                          <a:solidFill>
+                            <a:schemeClr val="bg1"/>
+                          </a:solidFill>
+                        </a:rPr>
                         <a:t>Участник коллектива, состоящий в конкретном музыкальном ансамбле</a:t>
                       </a:r>
                     </a:p>
@@ -8788,7 +9135,11 @@
                     <a:lstStyle/>
                     <a:p>
                       <a:r>
-                        <a:rPr lang="ru-RU" dirty="0"/>
+                        <a:rPr lang="ru-RU" dirty="0">
+                          <a:solidFill>
+                            <a:schemeClr val="bg1"/>
+                          </a:solidFill>
+                        </a:rPr>
                         <a:t>Музыкальная секция</a:t>
                       </a:r>
                     </a:p>
@@ -8818,7 +9169,11 @@
                         <a:defRPr/>
                       </a:pPr>
                       <a:r>
-                        <a:rPr lang="ru-RU" dirty="0"/>
+                        <a:rPr lang="ru-RU" dirty="0">
+                          <a:solidFill>
+                            <a:schemeClr val="bg1"/>
+                          </a:solidFill>
+                        </a:rPr>
                         <a:t>Совокупность участников коллектива для посещения репетиций</a:t>
                       </a:r>
                     </a:p>
@@ -8838,7 +9193,11 @@
                     <a:lstStyle/>
                     <a:p>
                       <a:r>
-                        <a:rPr lang="ru-RU" dirty="0"/>
+                        <a:rPr lang="ru-RU" dirty="0">
+                          <a:solidFill>
+                            <a:schemeClr val="bg1"/>
+                          </a:solidFill>
+                        </a:rPr>
                         <a:t>Участник музыкальной секции</a:t>
                       </a:r>
                     </a:p>
@@ -8868,7 +9227,11 @@
                         <a:defRPr/>
                       </a:pPr>
                       <a:r>
-                        <a:rPr lang="ru-RU" dirty="0"/>
+                        <a:rPr lang="ru-RU" dirty="0">
+                          <a:solidFill>
+                            <a:schemeClr val="bg1"/>
+                          </a:solidFill>
+                        </a:rPr>
                         <a:t>Участник коллектива, состоящий в конкретной музыкальной секции</a:t>
                       </a:r>
                     </a:p>
@@ -8888,7 +9251,11 @@
                     <a:lstStyle/>
                     <a:p>
                       <a:r>
-                        <a:rPr lang="ru-RU" dirty="0"/>
+                        <a:rPr lang="ru-RU" dirty="0">
+                          <a:solidFill>
+                            <a:schemeClr val="bg1"/>
+                          </a:solidFill>
+                        </a:rPr>
                         <a:t>Репетиция</a:t>
                       </a:r>
                     </a:p>
@@ -8901,7 +9268,11 @@
                     <a:lstStyle/>
                     <a:p>
                       <a:r>
-                        <a:rPr lang="ru-RU" dirty="0"/>
+                        <a:rPr lang="ru-RU" dirty="0">
+                          <a:solidFill>
+                            <a:schemeClr val="bg1"/>
+                          </a:solidFill>
+                        </a:rPr>
                         <a:t>Временной промежуток для проведения занятий музыкальных секций</a:t>
                       </a:r>
                     </a:p>
@@ -8921,7 +9292,11 @@
                     <a:lstStyle/>
                     <a:p>
                       <a:r>
-                        <a:rPr lang="ru-RU" dirty="0"/>
+                        <a:rPr lang="ru-RU" dirty="0">
+                          <a:solidFill>
+                            <a:schemeClr val="bg1"/>
+                          </a:solidFill>
+                        </a:rPr>
                         <a:t>Занятие музыкальной секции</a:t>
                       </a:r>
                     </a:p>
@@ -8934,7 +9309,11 @@
                     <a:lstStyle/>
                     <a:p>
                       <a:r>
-                        <a:rPr lang="ru-RU" dirty="0"/>
+                        <a:rPr lang="ru-RU" dirty="0">
+                          <a:solidFill>
+                            <a:schemeClr val="bg1"/>
+                          </a:solidFill>
+                        </a:rPr>
                         <a:t>Репетиция конкретной музыкальной секции</a:t>
                       </a:r>
                     </a:p>
@@ -8954,7 +9333,11 @@
                     <a:lstStyle/>
                     <a:p>
                       <a:r>
-                        <a:rPr lang="ru-RU" dirty="0"/>
+                        <a:rPr lang="ru-RU" dirty="0">
+                          <a:solidFill>
+                            <a:schemeClr val="bg1"/>
+                          </a:solidFill>
+                        </a:rPr>
                         <a:t>Мероприятие</a:t>
                       </a:r>
                     </a:p>
@@ -8967,7 +9350,11 @@
                     <a:lstStyle/>
                     <a:p>
                       <a:r>
-                        <a:rPr lang="ru-RU" dirty="0"/>
+                        <a:rPr lang="ru-RU" dirty="0">
+                          <a:solidFill>
+                            <a:schemeClr val="bg1"/>
+                          </a:solidFill>
+                        </a:rPr>
                         <a:t>Набор сведений о творческом событии</a:t>
                       </a:r>
                     </a:p>
@@ -8987,7 +9374,11 @@
                     <a:lstStyle/>
                     <a:p>
                       <a:r>
-                        <a:rPr lang="ru-RU" dirty="0"/>
+                        <a:rPr lang="ru-RU" dirty="0">
+                          <a:solidFill>
+                            <a:schemeClr val="bg1"/>
+                          </a:solidFill>
+                        </a:rPr>
                         <a:t>Выступление</a:t>
                       </a:r>
                     </a:p>
@@ -9000,7 +9391,11 @@
                     <a:lstStyle/>
                     <a:p>
                       <a:r>
-                        <a:rPr lang="ru-RU" dirty="0"/>
+                        <a:rPr lang="ru-RU" dirty="0">
+                          <a:solidFill>
+                            <a:schemeClr val="bg1"/>
+                          </a:solidFill>
+                        </a:rPr>
                         <a:t>Творческий номер музыкального ансамбля на мероприятии</a:t>
                       </a:r>
                     </a:p>
@@ -9059,6 +9454,42 @@
           <a:chExt cx="0" cy="0"/>
         </a:xfrm>
       </p:grpSpPr>
+      <p:pic>
+        <p:nvPicPr>
+          <p:cNvPr id="5" name="Рисунок 4">
+            <a:extLst>
+              <a:ext uri="{FF2B5EF4-FFF2-40B4-BE49-F238E27FC236}">
+                <a16:creationId xmlns:a16="http://schemas.microsoft.com/office/drawing/2014/main" id="{B3E61FBF-EBBB-4DC5-A396-0D9ECD86A267}"/>
+              </a:ext>
+            </a:extLst>
+          </p:cNvPr>
+          <p:cNvPicPr>
+            <a:picLocks noChangeAspect="1"/>
+          </p:cNvPicPr>
+          <p:nvPr/>
+        </p:nvPicPr>
+        <p:blipFill>
+          <a:blip r:embed="rId3">
+            <a:extLst>
+              <a:ext uri="{28A0092B-C50C-407E-A947-70E740481C1C}">
+                <a14:useLocalDpi xmlns:a14="http://schemas.microsoft.com/office/drawing/2010/main" val="0"/>
+              </a:ext>
+            </a:extLst>
+          </a:blip>
+          <a:stretch>
+            <a:fillRect/>
+          </a:stretch>
+        </p:blipFill>
+        <p:spPr>
+          <a:xfrm>
+            <a:off x="0" y="0"/>
+            <a:ext cx="12192000" cy="6858000"/>
+          </a:xfrm>
+          <a:prstGeom prst="rect">
+            <a:avLst/>
+          </a:prstGeom>
+        </p:spPr>
+      </p:pic>
       <p:sp>
         <p:nvSpPr>
           <p:cNvPr id="2" name="Заголовок 1"/>
@@ -9084,20 +9515,32 @@
               <a:buNone/>
             </a:pPr>
             <a:r>
-              <a:rPr lang="ru-RU" dirty="0"/>
+              <a:rPr lang="ru-RU" dirty="0">
+                <a:solidFill>
+                  <a:schemeClr val="bg1"/>
+                </a:solidFill>
+              </a:rPr>
               <a:t>Диаграмма </a:t>
             </a:r>
             <a:r>
-              <a:rPr lang="en-US" dirty="0"/>
+              <a:rPr lang="en-US" dirty="0">
+                <a:solidFill>
+                  <a:schemeClr val="bg1"/>
+                </a:solidFill>
+              </a:rPr>
               <a:t>ER-</a:t>
             </a:r>
             <a:r>
-              <a:rPr lang="ru-RU" dirty="0"/>
+              <a:rPr lang="ru-RU" dirty="0">
+                <a:solidFill>
+                  <a:schemeClr val="bg1"/>
+                </a:solidFill>
+              </a:rPr>
               <a:t>уровня </a:t>
             </a:r>
             <a:endParaRPr lang="ru-RU" sz="3200" b="1" i="0" dirty="0">
               <a:solidFill>
-                <a:schemeClr val="tx1"/>
+                <a:schemeClr val="bg1"/>
               </a:solidFill>
               <a:latin typeface="Garamond"/>
               <a:ea typeface="+mj-ea"/>
@@ -9150,7 +9593,7 @@
           <p:nvPr/>
         </p:nvPicPr>
         <p:blipFill>
-          <a:blip r:embed="rId3">
+          <a:blip r:embed="rId4">
             <a:extLst>
               <a:ext uri="{28A0092B-C50C-407E-A947-70E740481C1C}">
                 <a14:useLocalDpi xmlns:a14="http://schemas.microsoft.com/office/drawing/2010/main" val="0"/>
@@ -9213,6 +9656,42 @@
           <a:chExt cx="0" cy="0"/>
         </a:xfrm>
       </p:grpSpPr>
+      <p:pic>
+        <p:nvPicPr>
+          <p:cNvPr id="5" name="Рисунок 4">
+            <a:extLst>
+              <a:ext uri="{FF2B5EF4-FFF2-40B4-BE49-F238E27FC236}">
+                <a16:creationId xmlns:a16="http://schemas.microsoft.com/office/drawing/2014/main" id="{A24593F5-C97F-4F7A-8B71-24C1BA547EF4}"/>
+              </a:ext>
+            </a:extLst>
+          </p:cNvPr>
+          <p:cNvPicPr>
+            <a:picLocks noChangeAspect="1"/>
+          </p:cNvPicPr>
+          <p:nvPr/>
+        </p:nvPicPr>
+        <p:blipFill>
+          <a:blip r:embed="rId3">
+            <a:extLst>
+              <a:ext uri="{28A0092B-C50C-407E-A947-70E740481C1C}">
+                <a14:useLocalDpi xmlns:a14="http://schemas.microsoft.com/office/drawing/2010/main" val="0"/>
+              </a:ext>
+            </a:extLst>
+          </a:blip>
+          <a:stretch>
+            <a:fillRect/>
+          </a:stretch>
+        </p:blipFill>
+        <p:spPr>
+          <a:xfrm>
+            <a:off x="0" y="0"/>
+            <a:ext cx="12192000" cy="6858000"/>
+          </a:xfrm>
+          <a:prstGeom prst="rect">
+            <a:avLst/>
+          </a:prstGeom>
+        </p:spPr>
+      </p:pic>
       <p:sp>
         <p:nvSpPr>
           <p:cNvPr id="2" name="Заголовок 1"/>
@@ -9238,20 +9717,32 @@
               <a:buNone/>
             </a:pPr>
             <a:r>
-              <a:rPr lang="ru-RU" dirty="0"/>
+              <a:rPr lang="ru-RU" dirty="0">
+                <a:solidFill>
+                  <a:schemeClr val="bg1"/>
+                </a:solidFill>
+              </a:rPr>
               <a:t>Диаграмма </a:t>
             </a:r>
             <a:r>
-              <a:rPr lang="en-US" dirty="0"/>
+              <a:rPr lang="en-US" dirty="0">
+                <a:solidFill>
+                  <a:schemeClr val="bg1"/>
+                </a:solidFill>
+              </a:rPr>
               <a:t>KB-</a:t>
             </a:r>
             <a:r>
-              <a:rPr lang="ru-RU" dirty="0"/>
+              <a:rPr lang="ru-RU" dirty="0">
+                <a:solidFill>
+                  <a:schemeClr val="bg1"/>
+                </a:solidFill>
+              </a:rPr>
               <a:t>уровня</a:t>
             </a:r>
             <a:endParaRPr lang="ru-RU" sz="3200" b="1" i="0" dirty="0">
               <a:solidFill>
-                <a:schemeClr val="tx1"/>
+                <a:schemeClr val="bg1"/>
               </a:solidFill>
               <a:latin typeface="Garamond"/>
               <a:ea typeface="+mj-ea"/>
@@ -9317,7 +9808,7 @@
           <p:nvPr/>
         </p:nvPicPr>
         <p:blipFill>
-          <a:blip r:embed="rId3"/>
+          <a:blip r:embed="rId4"/>
           <a:stretch>
             <a:fillRect/>
           </a:stretch>
@@ -9342,13 +9833,13 @@
   <p:clrMapOvr>
     <a:masterClrMapping/>
   </p:clrMapOvr>
-  <mc:AlternateContent xmlns:mc="http://schemas.openxmlformats.org/markup-compatibility/2006">
-    <mc:Choice xmlns:p14="http://schemas.microsoft.com/office/powerpoint/2010/main" Requires="p14">
+  <mc:AlternateContent xmlns:mc="http://schemas.openxmlformats.org/markup-compatibility/2006" xmlns:p14="http://schemas.microsoft.com/office/powerpoint/2010/main">
+    <mc:Choice Requires="p14">
       <p:transition spd="med" p14:dur="700">
         <p:fade/>
       </p:transition>
     </mc:Choice>
-    <mc:Fallback>
+    <mc:Fallback xmlns="">
       <p:transition spd="med">
         <p:fade/>
       </p:transition>
@@ -9376,6 +9867,42 @@
       </p:grpSpPr>
       <p:pic>
         <p:nvPicPr>
+          <p:cNvPr id="5" name="Рисунок 4">
+            <a:extLst>
+              <a:ext uri="{FF2B5EF4-FFF2-40B4-BE49-F238E27FC236}">
+                <a16:creationId xmlns:a16="http://schemas.microsoft.com/office/drawing/2014/main" id="{68D8513C-DC40-4CD6-A2C2-3BBD23650115}"/>
+              </a:ext>
+            </a:extLst>
+          </p:cNvPr>
+          <p:cNvPicPr>
+            <a:picLocks noChangeAspect="1"/>
+          </p:cNvPicPr>
+          <p:nvPr/>
+        </p:nvPicPr>
+        <p:blipFill>
+          <a:blip r:embed="rId3">
+            <a:extLst>
+              <a:ext uri="{28A0092B-C50C-407E-A947-70E740481C1C}">
+                <a14:useLocalDpi xmlns:a14="http://schemas.microsoft.com/office/drawing/2010/main" val="0"/>
+              </a:ext>
+            </a:extLst>
+          </a:blip>
+          <a:stretch>
+            <a:fillRect/>
+          </a:stretch>
+        </p:blipFill>
+        <p:spPr>
+          <a:xfrm>
+            <a:off x="0" y="0"/>
+            <a:ext cx="12192000" cy="6858000"/>
+          </a:xfrm>
+          <a:prstGeom prst="rect">
+            <a:avLst/>
+          </a:prstGeom>
+        </p:spPr>
+      </p:pic>
+      <p:pic>
+        <p:nvPicPr>
           <p:cNvPr id="7" name="Рисунок 6">
             <a:extLst>
               <a:ext uri="{FF2B5EF4-FFF2-40B4-BE49-F238E27FC236}">
@@ -9389,7 +9916,7 @@
           <p:nvPr/>
         </p:nvPicPr>
         <p:blipFill>
-          <a:blip r:embed="rId3">
+          <a:blip r:embed="rId4">
             <a:extLst>
               <a:ext uri="{28A0092B-C50C-407E-A947-70E740481C1C}">
                 <a14:useLocalDpi xmlns:a14="http://schemas.microsoft.com/office/drawing/2010/main" val="0"/>
@@ -9435,20 +9962,32 @@
               <a:buNone/>
             </a:pPr>
             <a:r>
-              <a:rPr lang="ru-RU" dirty="0"/>
+              <a:rPr lang="ru-RU" dirty="0">
+                <a:solidFill>
+                  <a:schemeClr val="bg1"/>
+                </a:solidFill>
+              </a:rPr>
               <a:t>Диаграмма </a:t>
             </a:r>
             <a:r>
-              <a:rPr lang="en-US" dirty="0"/>
+              <a:rPr lang="en-US" dirty="0">
+                <a:solidFill>
+                  <a:schemeClr val="bg1"/>
+                </a:solidFill>
+              </a:rPr>
               <a:t>FA-</a:t>
             </a:r>
             <a:r>
-              <a:rPr lang="ru-RU" dirty="0"/>
+              <a:rPr lang="ru-RU" dirty="0">
+                <a:solidFill>
+                  <a:schemeClr val="bg1"/>
+                </a:solidFill>
+              </a:rPr>
               <a:t>уровня</a:t>
             </a:r>
             <a:endParaRPr lang="ru-RU" sz="3200" b="1" i="0" dirty="0">
               <a:solidFill>
-                <a:schemeClr val="tx1"/>
+                <a:schemeClr val="bg1"/>
               </a:solidFill>
               <a:latin typeface="Garamond"/>
               <a:ea typeface="+mj-ea"/>
@@ -9541,6 +10080,42 @@
           <a:chExt cx="0" cy="0"/>
         </a:xfrm>
       </p:grpSpPr>
+      <p:pic>
+        <p:nvPicPr>
+          <p:cNvPr id="6" name="Рисунок 5">
+            <a:extLst>
+              <a:ext uri="{FF2B5EF4-FFF2-40B4-BE49-F238E27FC236}">
+                <a16:creationId xmlns:a16="http://schemas.microsoft.com/office/drawing/2014/main" id="{DA406A4F-C2BC-4D12-8446-908DABFCE005}"/>
+              </a:ext>
+            </a:extLst>
+          </p:cNvPr>
+          <p:cNvPicPr>
+            <a:picLocks noChangeAspect="1"/>
+          </p:cNvPicPr>
+          <p:nvPr/>
+        </p:nvPicPr>
+        <p:blipFill>
+          <a:blip r:embed="rId3">
+            <a:extLst>
+              <a:ext uri="{28A0092B-C50C-407E-A947-70E740481C1C}">
+                <a14:useLocalDpi xmlns:a14="http://schemas.microsoft.com/office/drawing/2010/main" val="0"/>
+              </a:ext>
+            </a:extLst>
+          </a:blip>
+          <a:stretch>
+            <a:fillRect/>
+          </a:stretch>
+        </p:blipFill>
+        <p:spPr>
+          <a:xfrm>
+            <a:off x="0" y="0"/>
+            <a:ext cx="12192000" cy="6858000"/>
+          </a:xfrm>
+          <a:prstGeom prst="rect">
+            <a:avLst/>
+          </a:prstGeom>
+        </p:spPr>
+      </p:pic>
       <p:sp>
         <p:nvSpPr>
           <p:cNvPr id="2" name="Заголовок 1"/>
@@ -9557,7 +10132,11 @@
           <a:lstStyle/>
           <a:p>
             <a:r>
-              <a:rPr lang="ru-RU" dirty="0"/>
+              <a:rPr lang="ru-RU" dirty="0">
+                <a:solidFill>
+                  <a:schemeClr val="bg1"/>
+                </a:solidFill>
+              </a:rPr>
               <a:t>ЗАКЛЮЧЕНИЕ</a:t>
             </a:r>
           </a:p>
@@ -9754,76 +10333,136 @@
           </a:lstStyle>
           <a:p>
             <a:r>
-              <a:rPr lang="ru-RU" dirty="0"/>
+              <a:rPr lang="ru-RU" dirty="0">
+                <a:solidFill>
+                  <a:schemeClr val="bg1"/>
+                </a:solidFill>
+              </a:rPr>
               <a:t>Проанализирована предметная область;</a:t>
             </a:r>
           </a:p>
           <a:p>
             <a:r>
-              <a:rPr lang="ru-RU" dirty="0"/>
+              <a:rPr lang="ru-RU" dirty="0">
+                <a:solidFill>
+                  <a:schemeClr val="bg1"/>
+                </a:solidFill>
+              </a:rPr>
               <a:t>Выявлен предполагаемый пользователь;</a:t>
             </a:r>
           </a:p>
           <a:p>
             <a:r>
-              <a:rPr lang="ru-RU" dirty="0"/>
+              <a:rPr lang="ru-RU" dirty="0">
+                <a:solidFill>
+                  <a:schemeClr val="bg1"/>
+                </a:solidFill>
+              </a:rPr>
               <a:t>Выявлены функции пользователя;</a:t>
             </a:r>
           </a:p>
           <a:p>
             <a:r>
-              <a:rPr lang="ru-RU" dirty="0"/>
+              <a:rPr lang="ru-RU" dirty="0">
+                <a:solidFill>
+                  <a:schemeClr val="bg1"/>
+                </a:solidFill>
+              </a:rPr>
               <a:t>Определены бизнес-правила;</a:t>
             </a:r>
           </a:p>
           <a:p>
             <a:r>
-              <a:rPr lang="ru-RU" dirty="0"/>
+              <a:rPr lang="ru-RU" dirty="0">
+                <a:solidFill>
+                  <a:schemeClr val="bg1"/>
+                </a:solidFill>
+              </a:rPr>
               <a:t>Собрана и проанализирована информация и входных и выходных документах и сообщениях;</a:t>
             </a:r>
           </a:p>
           <a:p>
             <a:r>
-              <a:rPr lang="ru-RU" dirty="0"/>
+              <a:rPr lang="ru-RU" dirty="0">
+                <a:solidFill>
+                  <a:schemeClr val="bg1"/>
+                </a:solidFill>
+              </a:rPr>
               <a:t>Определены объекты ПО и связи между ними;</a:t>
             </a:r>
           </a:p>
           <a:p>
             <a:r>
-              <a:rPr lang="ru-RU" dirty="0"/>
+              <a:rPr lang="ru-RU" dirty="0">
+                <a:solidFill>
+                  <a:schemeClr val="bg1"/>
+                </a:solidFill>
+              </a:rPr>
               <a:t>Спроектированы диаграммы </a:t>
             </a:r>
             <a:r>
-              <a:rPr lang="en-US" dirty="0"/>
+              <a:rPr lang="en-US" dirty="0">
+                <a:solidFill>
+                  <a:schemeClr val="bg1"/>
+                </a:solidFill>
+              </a:rPr>
               <a:t>ER, KB </a:t>
             </a:r>
             <a:r>
-              <a:rPr lang="ru-RU" dirty="0"/>
+              <a:rPr lang="ru-RU" dirty="0">
+                <a:solidFill>
+                  <a:schemeClr val="bg1"/>
+                </a:solidFill>
+              </a:rPr>
               <a:t>и </a:t>
             </a:r>
             <a:r>
-              <a:rPr lang="en-US" dirty="0"/>
+              <a:rPr lang="en-US" dirty="0">
+                <a:solidFill>
+                  <a:schemeClr val="bg1"/>
+                </a:solidFill>
+              </a:rPr>
               <a:t>FA </a:t>
             </a:r>
             <a:r>
-              <a:rPr lang="ru-RU" dirty="0"/>
+              <a:rPr lang="ru-RU" dirty="0">
+                <a:solidFill>
+                  <a:schemeClr val="bg1"/>
+                </a:solidFill>
+              </a:rPr>
               <a:t>уровней;</a:t>
             </a:r>
           </a:p>
           <a:p>
             <a:r>
-              <a:rPr lang="ru-RU" dirty="0"/>
+              <a:rPr lang="ru-RU" dirty="0">
+                <a:solidFill>
+                  <a:schemeClr val="bg1"/>
+                </a:solidFill>
+              </a:rPr>
               <a:t>Создана модель данных пользователя.</a:t>
             </a:r>
           </a:p>
           <a:p>
-            <a:endParaRPr lang="ru-RU" dirty="0"/>
-          </a:p>
-          <a:p>
-            <a:endParaRPr lang="ru-RU" dirty="0"/>
-          </a:p>
-          <a:p>
-            <a:endParaRPr lang="ru-RU" dirty="0"/>
+            <a:endParaRPr lang="ru-RU" dirty="0">
+              <a:solidFill>
+                <a:schemeClr val="bg1"/>
+              </a:solidFill>
+            </a:endParaRPr>
+          </a:p>
+          <a:p>
+            <a:endParaRPr lang="ru-RU" dirty="0">
+              <a:solidFill>
+                <a:schemeClr val="bg1"/>
+              </a:solidFill>
+            </a:endParaRPr>
+          </a:p>
+          <a:p>
+            <a:endParaRPr lang="ru-RU" dirty="0">
+              <a:solidFill>
+                <a:schemeClr val="bg1"/>
+              </a:solidFill>
+            </a:endParaRPr>
           </a:p>
         </p:txBody>
       </p:sp>
@@ -10485,134 +11124,6 @@
 </file>
 
 <file path=customXml/item1.xml><?xml version="1.0" encoding="utf-8"?>
-<p:properties xmlns:p="http://schemas.microsoft.com/office/2006/metadata/properties" xmlns:xsi="http://www.w3.org/2001/XMLSchema-instance" xmlns:pc="http://schemas.microsoft.com/office/infopath/2007/PartnerControls">
-  <documentManagement>
-    <DirectSourceMarket xmlns="9d035d7d-02e5-4a00-8b62-9a556aabc7b5">english</DirectSourceMarket>
-    <AssetId xmlns="9d035d7d-02e5-4a00-8b62-9a556aabc7b5">TP103896547</AssetId>
-    <TPFriendlyName xmlns="9d035d7d-02e5-4a00-8b62-9a556aabc7b5" xsi:nil="true"/>
-    <SourceTitle xmlns="9d035d7d-02e5-4a00-8b62-9a556aabc7b5" xsi:nil="true"/>
-    <TPApplication xmlns="9d035d7d-02e5-4a00-8b62-9a556aabc7b5" xsi:nil="true"/>
-    <TPLaunchHelpLink xmlns="9d035d7d-02e5-4a00-8b62-9a556aabc7b5" xsi:nil="true"/>
-    <OpenTemplate xmlns="9d035d7d-02e5-4a00-8b62-9a556aabc7b5">true</OpenTemplate>
-    <CrawlForDependencies xmlns="9d035d7d-02e5-4a00-8b62-9a556aabc7b5">false</CrawlForDependencies>
-    <TrustLevel xmlns="9d035d7d-02e5-4a00-8b62-9a556aabc7b5">1 Microsoft Managed Content</TrustLevel>
-    <FeatureTagsTaxHTField0 xmlns="9d035d7d-02e5-4a00-8b62-9a556aabc7b5">
-      <Terms xmlns="http://schemas.microsoft.com/office/infopath/2007/PartnerControls"/>
-    </FeatureTagsTaxHTField0>
-    <PublishStatusLookup xmlns="9d035d7d-02e5-4a00-8b62-9a556aabc7b5">
-      <Value>488331</Value>
-    </PublishStatusLookup>
-    <LocLastLocAttemptVersionLookup xmlns="9d035d7d-02e5-4a00-8b62-9a556aabc7b5" xsi:nil="true"/>
-    <CampaignTagsTaxHTField0 xmlns="9d035d7d-02e5-4a00-8b62-9a556aabc7b5">
-      <Terms xmlns="http://schemas.microsoft.com/office/infopath/2007/PartnerControls"/>
-    </CampaignTagsTaxHTField0>
-    <IsSearchable xmlns="9d035d7d-02e5-4a00-8b62-9a556aabc7b5">true</IsSearchable>
-    <TPNamespace xmlns="9d035d7d-02e5-4a00-8b62-9a556aabc7b5" xsi:nil="true"/>
-    <TemplateTemplateType xmlns="9d035d7d-02e5-4a00-8b62-9a556aabc7b5">PowerPoint Presentation Template</TemplateTemplateType>
-    <Markets xmlns="9d035d7d-02e5-4a00-8b62-9a556aabc7b5"/>
-    <OriginalSourceMarket xmlns="9d035d7d-02e5-4a00-8b62-9a556aabc7b5">english</OriginalSourceMarket>
-    <TPInstallLocation xmlns="9d035d7d-02e5-4a00-8b62-9a556aabc7b5" xsi:nil="true"/>
-    <LocMarketGroupTiers2 xmlns="9d035d7d-02e5-4a00-8b62-9a556aabc7b5" xsi:nil="true"/>
-    <TPAppVersion xmlns="9d035d7d-02e5-4a00-8b62-9a556aabc7b5" xsi:nil="true"/>
-    <TPCommandLine xmlns="9d035d7d-02e5-4a00-8b62-9a556aabc7b5" xsi:nil="true"/>
-    <APAuthor xmlns="9d035d7d-02e5-4a00-8b62-9a556aabc7b5">
-      <UserInfo>
-        <DisplayName>System Account</DisplayName>
-        <AccountId>1073741823</AccountId>
-        <AccountType/>
-      </UserInfo>
-    </APAuthor>
-    <EditorialStatus xmlns="9d035d7d-02e5-4a00-8b62-9a556aabc7b5">Complete</EditorialStatus>
-    <PublishTargets xmlns="9d035d7d-02e5-4a00-8b62-9a556aabc7b5">OfficeOnlineVNext</PublishTargets>
-    <TPLaunchHelpLinkType xmlns="9d035d7d-02e5-4a00-8b62-9a556aabc7b5">Template</TPLaunchHelpLinkType>
-    <ScenarioTagsTaxHTField0 xmlns="9d035d7d-02e5-4a00-8b62-9a556aabc7b5">
-      <Terms xmlns="http://schemas.microsoft.com/office/infopath/2007/PartnerControls"/>
-    </ScenarioTagsTaxHTField0>
-    <OriginalRelease xmlns="9d035d7d-02e5-4a00-8b62-9a556aabc7b5">15</OriginalRelease>
-    <AssetStart xmlns="9d035d7d-02e5-4a00-8b62-9a556aabc7b5">2012-11-22T07:55:00+00:00</AssetStart>
-    <LocalizationTagsTaxHTField0 xmlns="9d035d7d-02e5-4a00-8b62-9a556aabc7b5">
-      <Terms xmlns="http://schemas.microsoft.com/office/infopath/2007/PartnerControls"/>
-    </LocalizationTagsTaxHTField0>
-    <TPClientViewer xmlns="9d035d7d-02e5-4a00-8b62-9a556aabc7b5" xsi:nil="true"/>
-    <CSXHash xmlns="9d035d7d-02e5-4a00-8b62-9a556aabc7b5" xsi:nil="true"/>
-    <IsDeleted xmlns="9d035d7d-02e5-4a00-8b62-9a556aabc7b5">false</IsDeleted>
-    <ShowIn xmlns="9d035d7d-02e5-4a00-8b62-9a556aabc7b5">Show everywhere</ShowIn>
-    <UANotes xmlns="9d035d7d-02e5-4a00-8b62-9a556aabc7b5" xsi:nil="true"/>
-    <TemplateStatus xmlns="9d035d7d-02e5-4a00-8b62-9a556aabc7b5">Complete</TemplateStatus>
-    <Downloads xmlns="9d035d7d-02e5-4a00-8b62-9a556aabc7b5">0</Downloads>
-    <InternalTagsTaxHTField0 xmlns="9d035d7d-02e5-4a00-8b62-9a556aabc7b5">
-      <Terms xmlns="http://schemas.microsoft.com/office/infopath/2007/PartnerControls"/>
-    </InternalTagsTaxHTField0>
-    <TPExecutable xmlns="9d035d7d-02e5-4a00-8b62-9a556aabc7b5" xsi:nil="true"/>
-    <AssetType xmlns="9d035d7d-02e5-4a00-8b62-9a556aabc7b5">TP</AssetType>
-    <Milestone xmlns="9d035d7d-02e5-4a00-8b62-9a556aabc7b5" xsi:nil="true"/>
-    <OriginAsset xmlns="9d035d7d-02e5-4a00-8b62-9a556aabc7b5" xsi:nil="true"/>
-    <TPComponent xmlns="9d035d7d-02e5-4a00-8b62-9a556aabc7b5" xsi:nil="true"/>
-    <ApprovalStatus xmlns="9d035d7d-02e5-4a00-8b62-9a556aabc7b5">InProgress</ApprovalStatus>
-    <BlockPublish xmlns="9d035d7d-02e5-4a00-8b62-9a556aabc7b5">false</BlockPublish>
-    <EditorialTags xmlns="9d035d7d-02e5-4a00-8b62-9a556aabc7b5" xsi:nil="true"/>
-    <MarketSpecific xmlns="9d035d7d-02e5-4a00-8b62-9a556aabc7b5">false</MarketSpecific>
-    <LocComments xmlns="9d035d7d-02e5-4a00-8b62-9a556aabc7b5" xsi:nil="true"/>
-    <VoteCount xmlns="9d035d7d-02e5-4a00-8b62-9a556aabc7b5" xsi:nil="true"/>
-    <HandoffToMSDN xmlns="9d035d7d-02e5-4a00-8b62-9a556aabc7b5" xsi:nil="true"/>
-    <IntlLangReview xmlns="9d035d7d-02e5-4a00-8b62-9a556aabc7b5">false</IntlLangReview>
-    <NumericId xmlns="9d035d7d-02e5-4a00-8b62-9a556aabc7b5" xsi:nil="true"/>
-    <OOCacheId xmlns="9d035d7d-02e5-4a00-8b62-9a556aabc7b5" xsi:nil="true"/>
-    <ClipArtFilename xmlns="9d035d7d-02e5-4a00-8b62-9a556aabc7b5" xsi:nil="true"/>
-    <LastHandOff xmlns="9d035d7d-02e5-4a00-8b62-9a556aabc7b5" xsi:nil="true"/>
-    <Providers xmlns="9d035d7d-02e5-4a00-8b62-9a556aabc7b5" xsi:nil="true"/>
-    <UALocComments xmlns="9d035d7d-02e5-4a00-8b62-9a556aabc7b5" xsi:nil="true"/>
-    <DSATActionTaken xmlns="9d035d7d-02e5-4a00-8b62-9a556aabc7b5" xsi:nil="true"/>
-    <PolicheckWords xmlns="9d035d7d-02e5-4a00-8b62-9a556aabc7b5" xsi:nil="true"/>
-    <TaxCatchAll xmlns="9d035d7d-02e5-4a00-8b62-9a556aabc7b5"/>
-    <BugNumber xmlns="9d035d7d-02e5-4a00-8b62-9a556aabc7b5" xsi:nil="true"/>
-    <LocRecommendedHandoff xmlns="9d035d7d-02e5-4a00-8b62-9a556aabc7b5" xsi:nil="true"/>
-    <ThumbnailAssetId xmlns="9d035d7d-02e5-4a00-8b62-9a556aabc7b5" xsi:nil="true"/>
-    <UALocRecommendation xmlns="9d035d7d-02e5-4a00-8b62-9a556aabc7b5">Localize</UALocRecommendation>
-    <APEditor xmlns="9d035d7d-02e5-4a00-8b62-9a556aabc7b5">
-      <UserInfo>
-        <DisplayName/>
-        <AccountId xsi:nil="true"/>
-        <AccountType/>
-      </UserInfo>
-    </APEditor>
-    <PrimaryImageGen xmlns="9d035d7d-02e5-4a00-8b62-9a556aabc7b5">false</PrimaryImageGen>
-    <Manager xmlns="9d035d7d-02e5-4a00-8b62-9a556aabc7b5" xsi:nil="true"/>
-    <ParentAssetId xmlns="9d035d7d-02e5-4a00-8b62-9a556aabc7b5" xsi:nil="true"/>
-    <SubmitterId xmlns="9d035d7d-02e5-4a00-8b62-9a556aabc7b5" xsi:nil="true"/>
-    <APDescription xmlns="9d035d7d-02e5-4a00-8b62-9a556aabc7b5" xsi:nil="true"/>
-    <UAProjectedTotalWords xmlns="9d035d7d-02e5-4a00-8b62-9a556aabc7b5" xsi:nil="true"/>
-    <Provider xmlns="9d035d7d-02e5-4a00-8b62-9a556aabc7b5" xsi:nil="true"/>
-    <ApprovalLog xmlns="9d035d7d-02e5-4a00-8b62-9a556aabc7b5" xsi:nil="true"/>
-    <BusinessGroup xmlns="9d035d7d-02e5-4a00-8b62-9a556aabc7b5" xsi:nil="true"/>
-    <RecommendationsModifier xmlns="9d035d7d-02e5-4a00-8b62-9a556aabc7b5" xsi:nil="true"/>
-    <Component xmlns="91e8d559-4d54-460d-ba58-5d5027f88b4d" xsi:nil="true"/>
-    <AcquiredFrom xmlns="9d035d7d-02e5-4a00-8b62-9a556aabc7b5">Internal MS</AcquiredFrom>
-    <CSXSubmissionMarket xmlns="9d035d7d-02e5-4a00-8b62-9a556aabc7b5" xsi:nil="true"/>
-    <ArtSampleDocs xmlns="9d035d7d-02e5-4a00-8b62-9a556aabc7b5" xsi:nil="true"/>
-    <IntlLangReviewDate xmlns="9d035d7d-02e5-4a00-8b62-9a556aabc7b5" xsi:nil="true"/>
-    <AverageRating xmlns="9d035d7d-02e5-4a00-8b62-9a556aabc7b5" xsi:nil="true"/>
-    <FriendlyTitle xmlns="9d035d7d-02e5-4a00-8b62-9a556aabc7b5" xsi:nil="true"/>
-    <LastModifiedDateTime xmlns="9d035d7d-02e5-4a00-8b62-9a556aabc7b5" xsi:nil="true"/>
-    <LegacyData xmlns="9d035d7d-02e5-4a00-8b62-9a556aabc7b5" xsi:nil="true"/>
-    <LocManualTestRequired xmlns="9d035d7d-02e5-4a00-8b62-9a556aabc7b5">false</LocManualTestRequired>
-    <TimesCloned xmlns="9d035d7d-02e5-4a00-8b62-9a556aabc7b5" xsi:nil="true"/>
-    <ContentItem xmlns="9d035d7d-02e5-4a00-8b62-9a556aabc7b5" xsi:nil="true"/>
-    <UACurrentWords xmlns="9d035d7d-02e5-4a00-8b62-9a556aabc7b5" xsi:nil="true"/>
-    <AssetExpire xmlns="9d035d7d-02e5-4a00-8b62-9a556aabc7b5">2029-01-01T00:00:00+00:00</AssetExpire>
-    <MachineTranslated xmlns="9d035d7d-02e5-4a00-8b62-9a556aabc7b5">false</MachineTranslated>
-    <OutputCachingOn xmlns="9d035d7d-02e5-4a00-8b62-9a556aabc7b5">false</OutputCachingOn>
-    <PlannedPubDate xmlns="9d035d7d-02e5-4a00-8b62-9a556aabc7b5" xsi:nil="true"/>
-    <Description0 xmlns="91e8d559-4d54-460d-ba58-5d5027f88b4d" xsi:nil="true"/>
-    <CSXUpdate xmlns="9d035d7d-02e5-4a00-8b62-9a556aabc7b5">false</CSXUpdate>
-    <IntlLangReviewer xmlns="9d035d7d-02e5-4a00-8b62-9a556aabc7b5" xsi:nil="true"/>
-    <IntlLocPriority xmlns="9d035d7d-02e5-4a00-8b62-9a556aabc7b5" xsi:nil="true"/>
-    <CSXSubmissionDate xmlns="9d035d7d-02e5-4a00-8b62-9a556aabc7b5" xsi:nil="true"/>
-  </documentManagement>
-</p:properties>
-</file>
-
-<file path=customXml/item2.xml><?xml version="1.0" encoding="utf-8"?>
 <ct:contentTypeSchema xmlns:ct="http://schemas.microsoft.com/office/2006/metadata/contentType" xmlns:ma="http://schemas.microsoft.com/office/2006/metadata/properties/metaAttributes" ct:_="" ma:_="" ma:contentTypeName="TemplateFile" ma:contentTypeID="0x010100BB2780C3CC07BD4BAA623FF9571645580400D1570604EA743043A2641365C0E91715" ma:contentTypeVersion="55" ma:contentTypeDescription="Create a new document." ma:contentTypeScope="" ma:versionID="2c496a0f341a72d7e8cbd42eb499a6d4">
   <xsd:schema xmlns:xsd="http://www.w3.org/2001/XMLSchema" xmlns:xs="http://www.w3.org/2001/XMLSchema" xmlns:p="http://schemas.microsoft.com/office/2006/metadata/properties" xmlns:ns2="9d035d7d-02e5-4a00-8b62-9a556aabc7b5" xmlns:ns3="91e8d559-4d54-460d-ba58-5d5027f88b4d" targetNamespace="http://schemas.microsoft.com/office/2006/metadata/properties" ma:root="true" ma:fieldsID="2bcea688bd265da693c2f253e50f4ab0" ns2:_="" ns3:_="">
     <xsd:import namespace="9d035d7d-02e5-4a00-8b62-9a556aabc7b5"/>
@@ -11671,6 +12182,134 @@
 </ct:contentTypeSchema>
 </file>
 
+<file path=customXml/item2.xml><?xml version="1.0" encoding="utf-8"?>
+<p:properties xmlns:p="http://schemas.microsoft.com/office/2006/metadata/properties" xmlns:xsi="http://www.w3.org/2001/XMLSchema-instance" xmlns:pc="http://schemas.microsoft.com/office/infopath/2007/PartnerControls">
+  <documentManagement>
+    <DirectSourceMarket xmlns="9d035d7d-02e5-4a00-8b62-9a556aabc7b5">english</DirectSourceMarket>
+    <AssetId xmlns="9d035d7d-02e5-4a00-8b62-9a556aabc7b5">TP103896547</AssetId>
+    <TPFriendlyName xmlns="9d035d7d-02e5-4a00-8b62-9a556aabc7b5" xsi:nil="true"/>
+    <SourceTitle xmlns="9d035d7d-02e5-4a00-8b62-9a556aabc7b5" xsi:nil="true"/>
+    <TPApplication xmlns="9d035d7d-02e5-4a00-8b62-9a556aabc7b5" xsi:nil="true"/>
+    <TPLaunchHelpLink xmlns="9d035d7d-02e5-4a00-8b62-9a556aabc7b5" xsi:nil="true"/>
+    <OpenTemplate xmlns="9d035d7d-02e5-4a00-8b62-9a556aabc7b5">true</OpenTemplate>
+    <CrawlForDependencies xmlns="9d035d7d-02e5-4a00-8b62-9a556aabc7b5">false</CrawlForDependencies>
+    <TrustLevel xmlns="9d035d7d-02e5-4a00-8b62-9a556aabc7b5">1 Microsoft Managed Content</TrustLevel>
+    <FeatureTagsTaxHTField0 xmlns="9d035d7d-02e5-4a00-8b62-9a556aabc7b5">
+      <Terms xmlns="http://schemas.microsoft.com/office/infopath/2007/PartnerControls"/>
+    </FeatureTagsTaxHTField0>
+    <PublishStatusLookup xmlns="9d035d7d-02e5-4a00-8b62-9a556aabc7b5">
+      <Value>488331</Value>
+    </PublishStatusLookup>
+    <LocLastLocAttemptVersionLookup xmlns="9d035d7d-02e5-4a00-8b62-9a556aabc7b5" xsi:nil="true"/>
+    <CampaignTagsTaxHTField0 xmlns="9d035d7d-02e5-4a00-8b62-9a556aabc7b5">
+      <Terms xmlns="http://schemas.microsoft.com/office/infopath/2007/PartnerControls"/>
+    </CampaignTagsTaxHTField0>
+    <IsSearchable xmlns="9d035d7d-02e5-4a00-8b62-9a556aabc7b5">true</IsSearchable>
+    <TPNamespace xmlns="9d035d7d-02e5-4a00-8b62-9a556aabc7b5" xsi:nil="true"/>
+    <TemplateTemplateType xmlns="9d035d7d-02e5-4a00-8b62-9a556aabc7b5">PowerPoint Presentation Template</TemplateTemplateType>
+    <Markets xmlns="9d035d7d-02e5-4a00-8b62-9a556aabc7b5"/>
+    <OriginalSourceMarket xmlns="9d035d7d-02e5-4a00-8b62-9a556aabc7b5">english</OriginalSourceMarket>
+    <TPInstallLocation xmlns="9d035d7d-02e5-4a00-8b62-9a556aabc7b5" xsi:nil="true"/>
+    <LocMarketGroupTiers2 xmlns="9d035d7d-02e5-4a00-8b62-9a556aabc7b5" xsi:nil="true"/>
+    <TPAppVersion xmlns="9d035d7d-02e5-4a00-8b62-9a556aabc7b5" xsi:nil="true"/>
+    <TPCommandLine xmlns="9d035d7d-02e5-4a00-8b62-9a556aabc7b5" xsi:nil="true"/>
+    <APAuthor xmlns="9d035d7d-02e5-4a00-8b62-9a556aabc7b5">
+      <UserInfo>
+        <DisplayName>System Account</DisplayName>
+        <AccountId>1073741823</AccountId>
+        <AccountType/>
+      </UserInfo>
+    </APAuthor>
+    <EditorialStatus xmlns="9d035d7d-02e5-4a00-8b62-9a556aabc7b5">Complete</EditorialStatus>
+    <PublishTargets xmlns="9d035d7d-02e5-4a00-8b62-9a556aabc7b5">OfficeOnlineVNext</PublishTargets>
+    <TPLaunchHelpLinkType xmlns="9d035d7d-02e5-4a00-8b62-9a556aabc7b5">Template</TPLaunchHelpLinkType>
+    <ScenarioTagsTaxHTField0 xmlns="9d035d7d-02e5-4a00-8b62-9a556aabc7b5">
+      <Terms xmlns="http://schemas.microsoft.com/office/infopath/2007/PartnerControls"/>
+    </ScenarioTagsTaxHTField0>
+    <OriginalRelease xmlns="9d035d7d-02e5-4a00-8b62-9a556aabc7b5">15</OriginalRelease>
+    <AssetStart xmlns="9d035d7d-02e5-4a00-8b62-9a556aabc7b5">2012-11-22T07:55:00+00:00</AssetStart>
+    <LocalizationTagsTaxHTField0 xmlns="9d035d7d-02e5-4a00-8b62-9a556aabc7b5">
+      <Terms xmlns="http://schemas.microsoft.com/office/infopath/2007/PartnerControls"/>
+    </LocalizationTagsTaxHTField0>
+    <TPClientViewer xmlns="9d035d7d-02e5-4a00-8b62-9a556aabc7b5" xsi:nil="true"/>
+    <CSXHash xmlns="9d035d7d-02e5-4a00-8b62-9a556aabc7b5" xsi:nil="true"/>
+    <IsDeleted xmlns="9d035d7d-02e5-4a00-8b62-9a556aabc7b5">false</IsDeleted>
+    <ShowIn xmlns="9d035d7d-02e5-4a00-8b62-9a556aabc7b5">Show everywhere</ShowIn>
+    <UANotes xmlns="9d035d7d-02e5-4a00-8b62-9a556aabc7b5" xsi:nil="true"/>
+    <TemplateStatus xmlns="9d035d7d-02e5-4a00-8b62-9a556aabc7b5">Complete</TemplateStatus>
+    <Downloads xmlns="9d035d7d-02e5-4a00-8b62-9a556aabc7b5">0</Downloads>
+    <InternalTagsTaxHTField0 xmlns="9d035d7d-02e5-4a00-8b62-9a556aabc7b5">
+      <Terms xmlns="http://schemas.microsoft.com/office/infopath/2007/PartnerControls"/>
+    </InternalTagsTaxHTField0>
+    <TPExecutable xmlns="9d035d7d-02e5-4a00-8b62-9a556aabc7b5" xsi:nil="true"/>
+    <AssetType xmlns="9d035d7d-02e5-4a00-8b62-9a556aabc7b5">TP</AssetType>
+    <Milestone xmlns="9d035d7d-02e5-4a00-8b62-9a556aabc7b5" xsi:nil="true"/>
+    <OriginAsset xmlns="9d035d7d-02e5-4a00-8b62-9a556aabc7b5" xsi:nil="true"/>
+    <TPComponent xmlns="9d035d7d-02e5-4a00-8b62-9a556aabc7b5" xsi:nil="true"/>
+    <ApprovalStatus xmlns="9d035d7d-02e5-4a00-8b62-9a556aabc7b5">InProgress</ApprovalStatus>
+    <BlockPublish xmlns="9d035d7d-02e5-4a00-8b62-9a556aabc7b5">false</BlockPublish>
+    <EditorialTags xmlns="9d035d7d-02e5-4a00-8b62-9a556aabc7b5" xsi:nil="true"/>
+    <MarketSpecific xmlns="9d035d7d-02e5-4a00-8b62-9a556aabc7b5">false</MarketSpecific>
+    <LocComments xmlns="9d035d7d-02e5-4a00-8b62-9a556aabc7b5" xsi:nil="true"/>
+    <VoteCount xmlns="9d035d7d-02e5-4a00-8b62-9a556aabc7b5" xsi:nil="true"/>
+    <HandoffToMSDN xmlns="9d035d7d-02e5-4a00-8b62-9a556aabc7b5" xsi:nil="true"/>
+    <IntlLangReview xmlns="9d035d7d-02e5-4a00-8b62-9a556aabc7b5">false</IntlLangReview>
+    <NumericId xmlns="9d035d7d-02e5-4a00-8b62-9a556aabc7b5" xsi:nil="true"/>
+    <OOCacheId xmlns="9d035d7d-02e5-4a00-8b62-9a556aabc7b5" xsi:nil="true"/>
+    <ClipArtFilename xmlns="9d035d7d-02e5-4a00-8b62-9a556aabc7b5" xsi:nil="true"/>
+    <LastHandOff xmlns="9d035d7d-02e5-4a00-8b62-9a556aabc7b5" xsi:nil="true"/>
+    <Providers xmlns="9d035d7d-02e5-4a00-8b62-9a556aabc7b5" xsi:nil="true"/>
+    <UALocComments xmlns="9d035d7d-02e5-4a00-8b62-9a556aabc7b5" xsi:nil="true"/>
+    <DSATActionTaken xmlns="9d035d7d-02e5-4a00-8b62-9a556aabc7b5" xsi:nil="true"/>
+    <PolicheckWords xmlns="9d035d7d-02e5-4a00-8b62-9a556aabc7b5" xsi:nil="true"/>
+    <TaxCatchAll xmlns="9d035d7d-02e5-4a00-8b62-9a556aabc7b5"/>
+    <BugNumber xmlns="9d035d7d-02e5-4a00-8b62-9a556aabc7b5" xsi:nil="true"/>
+    <LocRecommendedHandoff xmlns="9d035d7d-02e5-4a00-8b62-9a556aabc7b5" xsi:nil="true"/>
+    <ThumbnailAssetId xmlns="9d035d7d-02e5-4a00-8b62-9a556aabc7b5" xsi:nil="true"/>
+    <UALocRecommendation xmlns="9d035d7d-02e5-4a00-8b62-9a556aabc7b5">Localize</UALocRecommendation>
+    <APEditor xmlns="9d035d7d-02e5-4a00-8b62-9a556aabc7b5">
+      <UserInfo>
+        <DisplayName/>
+        <AccountId xsi:nil="true"/>
+        <AccountType/>
+      </UserInfo>
+    </APEditor>
+    <PrimaryImageGen xmlns="9d035d7d-02e5-4a00-8b62-9a556aabc7b5">false</PrimaryImageGen>
+    <Manager xmlns="9d035d7d-02e5-4a00-8b62-9a556aabc7b5" xsi:nil="true"/>
+    <ParentAssetId xmlns="9d035d7d-02e5-4a00-8b62-9a556aabc7b5" xsi:nil="true"/>
+    <SubmitterId xmlns="9d035d7d-02e5-4a00-8b62-9a556aabc7b5" xsi:nil="true"/>
+    <APDescription xmlns="9d035d7d-02e5-4a00-8b62-9a556aabc7b5" xsi:nil="true"/>
+    <UAProjectedTotalWords xmlns="9d035d7d-02e5-4a00-8b62-9a556aabc7b5" xsi:nil="true"/>
+    <Provider xmlns="9d035d7d-02e5-4a00-8b62-9a556aabc7b5" xsi:nil="true"/>
+    <ApprovalLog xmlns="9d035d7d-02e5-4a00-8b62-9a556aabc7b5" xsi:nil="true"/>
+    <BusinessGroup xmlns="9d035d7d-02e5-4a00-8b62-9a556aabc7b5" xsi:nil="true"/>
+    <RecommendationsModifier xmlns="9d035d7d-02e5-4a00-8b62-9a556aabc7b5" xsi:nil="true"/>
+    <Component xmlns="91e8d559-4d54-460d-ba58-5d5027f88b4d" xsi:nil="true"/>
+    <AcquiredFrom xmlns="9d035d7d-02e5-4a00-8b62-9a556aabc7b5">Internal MS</AcquiredFrom>
+    <CSXSubmissionMarket xmlns="9d035d7d-02e5-4a00-8b62-9a556aabc7b5" xsi:nil="true"/>
+    <ArtSampleDocs xmlns="9d035d7d-02e5-4a00-8b62-9a556aabc7b5" xsi:nil="true"/>
+    <IntlLangReviewDate xmlns="9d035d7d-02e5-4a00-8b62-9a556aabc7b5" xsi:nil="true"/>
+    <AverageRating xmlns="9d035d7d-02e5-4a00-8b62-9a556aabc7b5" xsi:nil="true"/>
+    <FriendlyTitle xmlns="9d035d7d-02e5-4a00-8b62-9a556aabc7b5" xsi:nil="true"/>
+    <LastModifiedDateTime xmlns="9d035d7d-02e5-4a00-8b62-9a556aabc7b5" xsi:nil="true"/>
+    <LegacyData xmlns="9d035d7d-02e5-4a00-8b62-9a556aabc7b5" xsi:nil="true"/>
+    <LocManualTestRequired xmlns="9d035d7d-02e5-4a00-8b62-9a556aabc7b5">false</LocManualTestRequired>
+    <TimesCloned xmlns="9d035d7d-02e5-4a00-8b62-9a556aabc7b5" xsi:nil="true"/>
+    <ContentItem xmlns="9d035d7d-02e5-4a00-8b62-9a556aabc7b5" xsi:nil="true"/>
+    <UACurrentWords xmlns="9d035d7d-02e5-4a00-8b62-9a556aabc7b5" xsi:nil="true"/>
+    <AssetExpire xmlns="9d035d7d-02e5-4a00-8b62-9a556aabc7b5">2029-01-01T00:00:00+00:00</AssetExpire>
+    <MachineTranslated xmlns="9d035d7d-02e5-4a00-8b62-9a556aabc7b5">false</MachineTranslated>
+    <OutputCachingOn xmlns="9d035d7d-02e5-4a00-8b62-9a556aabc7b5">false</OutputCachingOn>
+    <PlannedPubDate xmlns="9d035d7d-02e5-4a00-8b62-9a556aabc7b5" xsi:nil="true"/>
+    <Description0 xmlns="91e8d559-4d54-460d-ba58-5d5027f88b4d" xsi:nil="true"/>
+    <CSXUpdate xmlns="9d035d7d-02e5-4a00-8b62-9a556aabc7b5">false</CSXUpdate>
+    <IntlLangReviewer xmlns="9d035d7d-02e5-4a00-8b62-9a556aabc7b5" xsi:nil="true"/>
+    <IntlLocPriority xmlns="9d035d7d-02e5-4a00-8b62-9a556aabc7b5" xsi:nil="true"/>
+    <CSXSubmissionDate xmlns="9d035d7d-02e5-4a00-8b62-9a556aabc7b5" xsi:nil="true"/>
+  </documentManagement>
+</p:properties>
+</file>
+
 <file path=customXml/item3.xml><?xml version="1.0" encoding="utf-8"?>
 <?mso-contentType ?>
 <FormTemplates xmlns="http://schemas.microsoft.com/sharepoint/v3/contenttype/forms">
@@ -11681,17 +12320,6 @@
 </file>
 
 <file path=customXml/itemProps1.xml><?xml version="1.0" encoding="utf-8"?>
-<ds:datastoreItem xmlns:ds="http://schemas.openxmlformats.org/officeDocument/2006/customXml" ds:itemID="{ADDEBFBB-03C0-4D8C-ADFF-0CE8FE71CAE2}">
-  <ds:schemaRefs>
-    <ds:schemaRef ds:uri="http://schemas.microsoft.com/office/2006/metadata/properties"/>
-    <ds:schemaRef ds:uri="http://schemas.microsoft.com/office/infopath/2007/PartnerControls"/>
-    <ds:schemaRef ds:uri="9d035d7d-02e5-4a00-8b62-9a556aabc7b5"/>
-    <ds:schemaRef ds:uri="91e8d559-4d54-460d-ba58-5d5027f88b4d"/>
-  </ds:schemaRefs>
-</ds:datastoreItem>
-</file>
-
-<file path=customXml/itemProps2.xml><?xml version="1.0" encoding="utf-8"?>
 <ds:datastoreItem xmlns:ds="http://schemas.openxmlformats.org/officeDocument/2006/customXml" ds:itemID="{75B8C406-F646-4A28-AEBF-1C538A263F94}">
   <ds:schemaRefs>
     <ds:schemaRef ds:uri="http://schemas.microsoft.com/office/2006/metadata/contentType"/>
@@ -11710,6 +12338,17 @@
 </ds:datastoreItem>
 </file>
 
+<file path=customXml/itemProps2.xml><?xml version="1.0" encoding="utf-8"?>
+<ds:datastoreItem xmlns:ds="http://schemas.openxmlformats.org/officeDocument/2006/customXml" ds:itemID="{ADDEBFBB-03C0-4D8C-ADFF-0CE8FE71CAE2}">
+  <ds:schemaRefs>
+    <ds:schemaRef ds:uri="http://schemas.microsoft.com/office/2006/metadata/properties"/>
+    <ds:schemaRef ds:uri="http://schemas.microsoft.com/office/infopath/2007/PartnerControls"/>
+    <ds:schemaRef ds:uri="9d035d7d-02e5-4a00-8b62-9a556aabc7b5"/>
+    <ds:schemaRef ds:uri="91e8d559-4d54-460d-ba58-5d5027f88b4d"/>
+  </ds:schemaRefs>
+</ds:datastoreItem>
+</file>
+
 <file path=customXml/itemProps3.xml><?xml version="1.0" encoding="utf-8"?>
 <ds:datastoreItem xmlns:ds="http://schemas.openxmlformats.org/officeDocument/2006/customXml" ds:itemID="{434E3DA7-0DFA-4BD3-BB8A-18E58D1B0DB1}">
   <ds:schemaRefs>
